--- a/etep/apresentação-tcc.pptx
+++ b/etep/apresentação-tcc.pptx
@@ -4,32 +4,33 @@
   <p:sldMasterIdLst>
     <p:sldMasterId id="2147483648" r:id="rId2"/>
     <p:sldMasterId id="2147483661" r:id="rId3"/>
+    <p:sldMasterId id="2147483674" r:id="rId4"/>
   </p:sldMasterIdLst>
   <p:notesMasterIdLst>
-    <p:notesMasterId r:id="rId4"/>
+    <p:notesMasterId r:id="rId5"/>
   </p:notesMasterIdLst>
   <p:sldIdLst>
-    <p:sldId id="256" r:id="rId5"/>
-    <p:sldId id="257" r:id="rId6"/>
-    <p:sldId id="258" r:id="rId7"/>
-    <p:sldId id="259" r:id="rId8"/>
-    <p:sldId id="260" r:id="rId9"/>
-    <p:sldId id="261" r:id="rId10"/>
-    <p:sldId id="262" r:id="rId11"/>
-    <p:sldId id="263" r:id="rId12"/>
-    <p:sldId id="264" r:id="rId13"/>
-    <p:sldId id="265" r:id="rId14"/>
-    <p:sldId id="266" r:id="rId15"/>
-    <p:sldId id="267" r:id="rId16"/>
-    <p:sldId id="268" r:id="rId17"/>
-    <p:sldId id="269" r:id="rId18"/>
-    <p:sldId id="270" r:id="rId19"/>
-    <p:sldId id="271" r:id="rId20"/>
-    <p:sldId id="272" r:id="rId21"/>
-    <p:sldId id="273" r:id="rId22"/>
-    <p:sldId id="274" r:id="rId23"/>
-    <p:sldId id="275" r:id="rId24"/>
-    <p:sldId id="276" r:id="rId25"/>
+    <p:sldId id="256" r:id="rId6"/>
+    <p:sldId id="257" r:id="rId7"/>
+    <p:sldId id="258" r:id="rId8"/>
+    <p:sldId id="259" r:id="rId9"/>
+    <p:sldId id="260" r:id="rId10"/>
+    <p:sldId id="261" r:id="rId11"/>
+    <p:sldId id="262" r:id="rId12"/>
+    <p:sldId id="263" r:id="rId13"/>
+    <p:sldId id="264" r:id="rId14"/>
+    <p:sldId id="265" r:id="rId15"/>
+    <p:sldId id="266" r:id="rId16"/>
+    <p:sldId id="267" r:id="rId17"/>
+    <p:sldId id="268" r:id="rId18"/>
+    <p:sldId id="269" r:id="rId19"/>
+    <p:sldId id="270" r:id="rId20"/>
+    <p:sldId id="271" r:id="rId21"/>
+    <p:sldId id="272" r:id="rId22"/>
+    <p:sldId id="273" r:id="rId23"/>
+    <p:sldId id="274" r:id="rId24"/>
+    <p:sldId id="275" r:id="rId25"/>
+    <p:sldId id="276" r:id="rId26"/>
   </p:sldIdLst>
   <p:sldSz cx="9144000" cy="6858000"/>
   <p:notesSz cx="6858000" cy="9144000"/>
@@ -55,7 +56,7 @@
       </p:grpSpPr>
       <p:sp>
         <p:nvSpPr>
-          <p:cNvPr id="76" name="PlaceHolder 1"/>
+          <p:cNvPr id="115" name="PlaceHolder 1"/>
           <p:cNvSpPr>
             <a:spLocks noGrp="1"/>
           </p:cNvSpPr>
@@ -105,7 +106,7 @@
       </p:sp>
       <p:sp>
         <p:nvSpPr>
-          <p:cNvPr id="77" name="PlaceHolder 2"/>
+          <p:cNvPr id="116" name="PlaceHolder 2"/>
           <p:cNvSpPr>
             <a:spLocks noGrp="1"/>
           </p:cNvSpPr>
@@ -155,7 +156,7 @@
       </p:sp>
       <p:sp>
         <p:nvSpPr>
-          <p:cNvPr id="78" name="PlaceHolder 3"/>
+          <p:cNvPr id="117" name="PlaceHolder 3"/>
           <p:cNvSpPr>
             <a:spLocks noGrp="1"/>
           </p:cNvSpPr>
@@ -206,7 +207,7 @@
       </p:sp>
       <p:sp>
         <p:nvSpPr>
-          <p:cNvPr id="79" name="PlaceHolder 4"/>
+          <p:cNvPr id="118" name="PlaceHolder 4"/>
           <p:cNvSpPr>
             <a:spLocks noGrp="1"/>
           </p:cNvSpPr>
@@ -256,7 +257,7 @@
       </p:sp>
       <p:sp>
         <p:nvSpPr>
-          <p:cNvPr id="80" name="PlaceHolder 5"/>
+          <p:cNvPr id="119" name="PlaceHolder 5"/>
           <p:cNvSpPr>
             <a:spLocks noGrp="1"/>
           </p:cNvSpPr>
@@ -277,7 +278,7 @@
           <a:bodyPr lIns="0" rIns="0" tIns="0" bIns="0" anchor="b"/>
           <a:p>
             <a:pPr algn="r"/>
-            <a:fld id="{169D5C80-6960-4431-975A-BEE0D6180554}" type="slidenum">
+            <a:fld id="{BA270124-E6F7-49FA-874A-4590F6FA20E9}" type="slidenum">
               <a:rPr b="0" lang="en-US" sz="1400" spc="-1" strike="noStrike">
                 <a:solidFill>
                   <a:srgbClr val="000000"/>
@@ -330,7 +331,7 @@
       </p:grpSpPr>
       <p:sp>
         <p:nvSpPr>
-          <p:cNvPr id="210" name="PlaceHolder 1"/>
+          <p:cNvPr id="249" name="PlaceHolder 1"/>
           <p:cNvSpPr>
             <a:spLocks noGrp="1"/>
           </p:cNvSpPr>
@@ -341,7 +342,7 @@
         <p:spPr>
           <a:xfrm>
             <a:off x="685800" y="4400640"/>
-            <a:ext cx="5485320" cy="3599280"/>
+            <a:ext cx="5484960" cy="3598920"/>
           </a:xfrm>
           <a:prstGeom prst="rect">
             <a:avLst/>
@@ -366,14 +367,14 @@
       </p:sp>
       <p:sp>
         <p:nvSpPr>
-          <p:cNvPr id="211" name="CustomShape 2"/>
+          <p:cNvPr id="250" name="CustomShape 2"/>
           <p:cNvSpPr/>
           <p:nvPr/>
         </p:nvSpPr>
         <p:spPr>
           <a:xfrm>
             <a:off x="3884760" y="8685360"/>
-            <a:ext cx="2970720" cy="457560"/>
+            <a:ext cx="2970360" cy="457200"/>
           </a:xfrm>
           <a:prstGeom prst="rect">
             <a:avLst/>
@@ -397,7 +398,7 @@
                 <a:spcPct val="100000"/>
               </a:lnSpc>
             </a:pPr>
-            <a:fld id="{F8123037-87A7-4D96-9ADC-06C85CAB72E1}" type="slidenum">
+            <a:fld id="{548219EC-0356-414C-8A4B-61519DC35EEE}" type="slidenum">
               <a:rPr b="0" lang="en-US" sz="1200" spc="-1" strike="noStrike">
                 <a:solidFill>
                   <a:srgbClr val="000000"/>
@@ -410,7 +411,7 @@
                 <a:latin typeface="+mn-lt"/>
                 <a:ea typeface="+mn-ea"/>
               </a:rPr>
-              <a:t>1</a:t>
+              <a:t>&lt;number&gt;</a:t>
             </a:fld>
             <a:endParaRPr b="0" lang="en-US" sz="1800" spc="-1" strike="noStrike">
               <a:solidFill>
@@ -483,7 +484,7 @@
         <p:spPr>
           <a:xfrm>
             <a:off x="457200" y="273600"/>
-            <a:ext cx="8229240" cy="1144800"/>
+            <a:ext cx="8228880" cy="1144440"/>
           </a:xfrm>
           <a:prstGeom prst="rect">
             <a:avLst/>
@@ -520,7 +521,7 @@
         <p:spPr>
           <a:xfrm>
             <a:off x="457200" y="1604520"/>
-            <a:ext cx="8229240" cy="1896840"/>
+            <a:ext cx="4015440" cy="904320"/>
           </a:xfrm>
           <a:prstGeom prst="rect">
             <a:avLst/>
@@ -555,8 +556,8 @@
         </p:nvSpPr>
         <p:spPr>
           <a:xfrm>
-            <a:off x="457200" y="3682080"/>
-            <a:ext cx="8229240" cy="1896840"/>
+            <a:off x="457200" y="2595240"/>
+            <a:ext cx="4015440" cy="904320"/>
           </a:xfrm>
           <a:prstGeom prst="rect">
             <a:avLst/>
@@ -614,7 +615,7 @@
         <p:spPr>
           <a:xfrm>
             <a:off x="457200" y="273600"/>
-            <a:ext cx="8229240" cy="1144800"/>
+            <a:ext cx="8228880" cy="1144440"/>
           </a:xfrm>
           <a:prstGeom prst="rect">
             <a:avLst/>
@@ -651,7 +652,7 @@
         <p:spPr>
           <a:xfrm>
             <a:off x="457200" y="1604520"/>
-            <a:ext cx="4015800" cy="1896840"/>
+            <a:ext cx="1959480" cy="904320"/>
           </a:xfrm>
           <a:prstGeom prst="rect">
             <a:avLst/>
@@ -686,8 +687,8 @@
         </p:nvSpPr>
         <p:spPr>
           <a:xfrm>
-            <a:off x="4674240" y="1604520"/>
-            <a:ext cx="4015800" cy="1896840"/>
+            <a:off x="2514960" y="1604520"/>
+            <a:ext cx="1959480" cy="904320"/>
           </a:xfrm>
           <a:prstGeom prst="rect">
             <a:avLst/>
@@ -722,8 +723,8 @@
         </p:nvSpPr>
         <p:spPr>
           <a:xfrm>
-            <a:off x="4674240" y="3682080"/>
-            <a:ext cx="4015800" cy="1896840"/>
+            <a:off x="2514960" y="2595240"/>
+            <a:ext cx="1959480" cy="904320"/>
           </a:xfrm>
           <a:prstGeom prst="rect">
             <a:avLst/>
@@ -758,8 +759,8 @@
         </p:nvSpPr>
         <p:spPr>
           <a:xfrm>
-            <a:off x="457200" y="3682080"/>
-            <a:ext cx="4015800" cy="1896840"/>
+            <a:off x="457200" y="2595240"/>
+            <a:ext cx="1959480" cy="904320"/>
           </a:xfrm>
           <a:prstGeom prst="rect">
             <a:avLst/>
@@ -817,7 +818,7 @@
         <p:spPr>
           <a:xfrm>
             <a:off x="457200" y="273600"/>
-            <a:ext cx="8229240" cy="1144800"/>
+            <a:ext cx="8228880" cy="1144440"/>
           </a:xfrm>
           <a:prstGeom prst="rect">
             <a:avLst/>
@@ -854,7 +855,7 @@
         <p:spPr>
           <a:xfrm>
             <a:off x="457200" y="1604520"/>
-            <a:ext cx="8229240" cy="3977280"/>
+            <a:ext cx="4015440" cy="1896480"/>
           </a:xfrm>
           <a:prstGeom prst="rect">
             <a:avLst/>
@@ -890,7 +891,7 @@
         <p:spPr>
           <a:xfrm>
             <a:off x="457200" y="1604520"/>
-            <a:ext cx="8229240" cy="3977280"/>
+            <a:ext cx="4015440" cy="1896480"/>
           </a:xfrm>
           <a:prstGeom prst="rect">
             <a:avLst/>
@@ -925,8 +926,8 @@
         </p:blipFill>
         <p:spPr>
           <a:xfrm>
-            <a:off x="2079000" y="1604520"/>
-            <a:ext cx="4984920" cy="3977280"/>
+            <a:off x="1276560" y="1604520"/>
+            <a:ext cx="2376720" cy="1896480"/>
           </a:xfrm>
           <a:prstGeom prst="rect">
             <a:avLst/>
@@ -948,8 +949,8 @@
         </p:blipFill>
         <p:spPr>
           <a:xfrm>
-            <a:off x="2079000" y="1604520"/>
-            <a:ext cx="4984920" cy="3977280"/>
+            <a:off x="1276560" y="1604520"/>
+            <a:ext cx="2376720" cy="1896480"/>
           </a:xfrm>
           <a:prstGeom prst="rect">
             <a:avLst/>
@@ -1016,7 +1017,7 @@
         <p:spPr>
           <a:xfrm>
             <a:off x="457200" y="273600"/>
-            <a:ext cx="8229240" cy="1144800"/>
+            <a:ext cx="8228880" cy="1144440"/>
           </a:xfrm>
           <a:prstGeom prst="rect">
             <a:avLst/>
@@ -1053,7 +1054,7 @@
         <p:spPr>
           <a:xfrm>
             <a:off x="457200" y="1604520"/>
-            <a:ext cx="8229240" cy="3977280"/>
+            <a:ext cx="4015440" cy="1896480"/>
           </a:xfrm>
           <a:prstGeom prst="rect">
             <a:avLst/>
@@ -1112,7 +1113,7 @@
         <p:spPr>
           <a:xfrm>
             <a:off x="457200" y="273600"/>
-            <a:ext cx="8229240" cy="1144800"/>
+            <a:ext cx="8228880" cy="1144440"/>
           </a:xfrm>
           <a:prstGeom prst="rect">
             <a:avLst/>
@@ -1149,7 +1150,7 @@
         <p:spPr>
           <a:xfrm>
             <a:off x="457200" y="1604520"/>
-            <a:ext cx="8229240" cy="3977280"/>
+            <a:ext cx="4015440" cy="1896480"/>
           </a:xfrm>
           <a:prstGeom prst="rect">
             <a:avLst/>
@@ -1207,7 +1208,7 @@
         <p:spPr>
           <a:xfrm>
             <a:off x="457200" y="273600"/>
-            <a:ext cx="8229240" cy="1144800"/>
+            <a:ext cx="8228880" cy="1144440"/>
           </a:xfrm>
           <a:prstGeom prst="rect">
             <a:avLst/>
@@ -1244,7 +1245,7 @@
         <p:spPr>
           <a:xfrm>
             <a:off x="457200" y="1604520"/>
-            <a:ext cx="4015800" cy="3977280"/>
+            <a:ext cx="1959480" cy="1896480"/>
           </a:xfrm>
           <a:prstGeom prst="rect">
             <a:avLst/>
@@ -1279,8 +1280,8 @@
         </p:nvSpPr>
         <p:spPr>
           <a:xfrm>
-            <a:off x="4674240" y="1604520"/>
-            <a:ext cx="4015800" cy="3977280"/>
+            <a:off x="2514960" y="1604520"/>
+            <a:ext cx="1959480" cy="1896480"/>
           </a:xfrm>
           <a:prstGeom prst="rect">
             <a:avLst/>
@@ -1338,7 +1339,7 @@
         <p:spPr>
           <a:xfrm>
             <a:off x="457200" y="273600"/>
-            <a:ext cx="8229240" cy="1144800"/>
+            <a:ext cx="8228880" cy="1144440"/>
           </a:xfrm>
           <a:prstGeom prst="rect">
             <a:avLst/>
@@ -1397,7 +1398,7 @@
         <p:spPr>
           <a:xfrm>
             <a:off x="457200" y="273600"/>
-            <a:ext cx="8229240" cy="5307840"/>
+            <a:ext cx="8228880" cy="5306400"/>
           </a:xfrm>
           <a:prstGeom prst="rect">
             <a:avLst/>
@@ -1456,7 +1457,7 @@
         <p:spPr>
           <a:xfrm>
             <a:off x="457200" y="273600"/>
-            <a:ext cx="8229240" cy="1144800"/>
+            <a:ext cx="8228880" cy="1144440"/>
           </a:xfrm>
           <a:prstGeom prst="rect">
             <a:avLst/>
@@ -1493,7 +1494,7 @@
         <p:spPr>
           <a:xfrm>
             <a:off x="457200" y="1604520"/>
-            <a:ext cx="4015800" cy="1896840"/>
+            <a:ext cx="1959480" cy="904320"/>
           </a:xfrm>
           <a:prstGeom prst="rect">
             <a:avLst/>
@@ -1528,8 +1529,8 @@
         </p:nvSpPr>
         <p:spPr>
           <a:xfrm>
-            <a:off x="457200" y="3682080"/>
-            <a:ext cx="4015800" cy="1896840"/>
+            <a:off x="457200" y="2595240"/>
+            <a:ext cx="1959480" cy="904320"/>
           </a:xfrm>
           <a:prstGeom prst="rect">
             <a:avLst/>
@@ -1564,8 +1565,8 @@
         </p:nvSpPr>
         <p:spPr>
           <a:xfrm>
-            <a:off x="4674240" y="1604520"/>
-            <a:ext cx="4015800" cy="3977280"/>
+            <a:off x="2514960" y="1604520"/>
+            <a:ext cx="1959480" cy="1896480"/>
           </a:xfrm>
           <a:prstGeom prst="rect">
             <a:avLst/>
@@ -1623,7 +1624,7 @@
         <p:spPr>
           <a:xfrm>
             <a:off x="457200" y="273600"/>
-            <a:ext cx="8229240" cy="1144800"/>
+            <a:ext cx="8228880" cy="1144440"/>
           </a:xfrm>
           <a:prstGeom prst="rect">
             <a:avLst/>
@@ -1660,7 +1661,7 @@
         <p:spPr>
           <a:xfrm>
             <a:off x="457200" y="1604520"/>
-            <a:ext cx="8229240" cy="3977280"/>
+            <a:ext cx="4015440" cy="1896480"/>
           </a:xfrm>
           <a:prstGeom prst="rect">
             <a:avLst/>
@@ -1719,7 +1720,7 @@
         <p:spPr>
           <a:xfrm>
             <a:off x="457200" y="273600"/>
-            <a:ext cx="8229240" cy="1144800"/>
+            <a:ext cx="8228880" cy="1144440"/>
           </a:xfrm>
           <a:prstGeom prst="rect">
             <a:avLst/>
@@ -1756,7 +1757,7 @@
         <p:spPr>
           <a:xfrm>
             <a:off x="457200" y="1604520"/>
-            <a:ext cx="4015800" cy="3977280"/>
+            <a:ext cx="1959480" cy="1896480"/>
           </a:xfrm>
           <a:prstGeom prst="rect">
             <a:avLst/>
@@ -1791,8 +1792,8 @@
         </p:nvSpPr>
         <p:spPr>
           <a:xfrm>
-            <a:off x="4674240" y="1604520"/>
-            <a:ext cx="4015800" cy="1896840"/>
+            <a:off x="2514960" y="1604520"/>
+            <a:ext cx="1959480" cy="904320"/>
           </a:xfrm>
           <a:prstGeom prst="rect">
             <a:avLst/>
@@ -1827,8 +1828,8 @@
         </p:nvSpPr>
         <p:spPr>
           <a:xfrm>
-            <a:off x="4674240" y="3682080"/>
-            <a:ext cx="4015800" cy="1896840"/>
+            <a:off x="2514960" y="2595240"/>
+            <a:ext cx="1959480" cy="904320"/>
           </a:xfrm>
           <a:prstGeom prst="rect">
             <a:avLst/>
@@ -1886,7 +1887,7 @@
         <p:spPr>
           <a:xfrm>
             <a:off x="457200" y="273600"/>
-            <a:ext cx="8229240" cy="1144800"/>
+            <a:ext cx="8228880" cy="1144440"/>
           </a:xfrm>
           <a:prstGeom prst="rect">
             <a:avLst/>
@@ -1923,7 +1924,7 @@
         <p:spPr>
           <a:xfrm>
             <a:off x="457200" y="1604520"/>
-            <a:ext cx="4015800" cy="1896840"/>
+            <a:ext cx="1959480" cy="904320"/>
           </a:xfrm>
           <a:prstGeom prst="rect">
             <a:avLst/>
@@ -1958,8 +1959,8 @@
         </p:nvSpPr>
         <p:spPr>
           <a:xfrm>
-            <a:off x="4674240" y="1604520"/>
-            <a:ext cx="4015800" cy="1896840"/>
+            <a:off x="2514960" y="1604520"/>
+            <a:ext cx="1959480" cy="904320"/>
           </a:xfrm>
           <a:prstGeom prst="rect">
             <a:avLst/>
@@ -1994,8 +1995,8 @@
         </p:nvSpPr>
         <p:spPr>
           <a:xfrm>
-            <a:off x="457200" y="3682080"/>
-            <a:ext cx="8229240" cy="1896840"/>
+            <a:off x="457200" y="2595240"/>
+            <a:ext cx="4015440" cy="904320"/>
           </a:xfrm>
           <a:prstGeom prst="rect">
             <a:avLst/>
@@ -2053,7 +2054,7 @@
         <p:spPr>
           <a:xfrm>
             <a:off x="457200" y="273600"/>
-            <a:ext cx="8229240" cy="1144800"/>
+            <a:ext cx="8228880" cy="1144440"/>
           </a:xfrm>
           <a:prstGeom prst="rect">
             <a:avLst/>
@@ -2090,7 +2091,7 @@
         <p:spPr>
           <a:xfrm>
             <a:off x="457200" y="1604520"/>
-            <a:ext cx="8229240" cy="1896840"/>
+            <a:ext cx="4015440" cy="904320"/>
           </a:xfrm>
           <a:prstGeom prst="rect">
             <a:avLst/>
@@ -2125,8 +2126,8 @@
         </p:nvSpPr>
         <p:spPr>
           <a:xfrm>
-            <a:off x="457200" y="3682080"/>
-            <a:ext cx="8229240" cy="1896840"/>
+            <a:off x="457200" y="2595240"/>
+            <a:ext cx="4015440" cy="904320"/>
           </a:xfrm>
           <a:prstGeom prst="rect">
             <a:avLst/>
@@ -2184,7 +2185,7 @@
         <p:spPr>
           <a:xfrm>
             <a:off x="457200" y="273600"/>
-            <a:ext cx="8229240" cy="1144800"/>
+            <a:ext cx="8228880" cy="1144440"/>
           </a:xfrm>
           <a:prstGeom prst="rect">
             <a:avLst/>
@@ -2221,7 +2222,7 @@
         <p:spPr>
           <a:xfrm>
             <a:off x="457200" y="1604520"/>
-            <a:ext cx="4015800" cy="1896840"/>
+            <a:ext cx="1959480" cy="904320"/>
           </a:xfrm>
           <a:prstGeom prst="rect">
             <a:avLst/>
@@ -2256,8 +2257,8 @@
         </p:nvSpPr>
         <p:spPr>
           <a:xfrm>
-            <a:off x="4674240" y="1604520"/>
-            <a:ext cx="4015800" cy="1896840"/>
+            <a:off x="2514960" y="1604520"/>
+            <a:ext cx="1959480" cy="904320"/>
           </a:xfrm>
           <a:prstGeom prst="rect">
             <a:avLst/>
@@ -2292,8 +2293,8 @@
         </p:nvSpPr>
         <p:spPr>
           <a:xfrm>
-            <a:off x="4674240" y="3682080"/>
-            <a:ext cx="4015800" cy="1896840"/>
+            <a:off x="2514960" y="2595240"/>
+            <a:ext cx="1959480" cy="904320"/>
           </a:xfrm>
           <a:prstGeom prst="rect">
             <a:avLst/>
@@ -2328,8 +2329,8 @@
         </p:nvSpPr>
         <p:spPr>
           <a:xfrm>
-            <a:off x="457200" y="3682080"/>
-            <a:ext cx="4015800" cy="1896840"/>
+            <a:off x="457200" y="2595240"/>
+            <a:ext cx="1959480" cy="904320"/>
           </a:xfrm>
           <a:prstGeom prst="rect">
             <a:avLst/>
@@ -2387,7 +2388,7 @@
         <p:spPr>
           <a:xfrm>
             <a:off x="457200" y="273600"/>
-            <a:ext cx="8229240" cy="1144800"/>
+            <a:ext cx="8228880" cy="1144440"/>
           </a:xfrm>
           <a:prstGeom prst="rect">
             <a:avLst/>
@@ -2424,7 +2425,7 @@
         <p:spPr>
           <a:xfrm>
             <a:off x="457200" y="1604520"/>
-            <a:ext cx="8229240" cy="3977280"/>
+            <a:ext cx="4015440" cy="1896480"/>
           </a:xfrm>
           <a:prstGeom prst="rect">
             <a:avLst/>
@@ -2460,7 +2461,7 @@
         <p:spPr>
           <a:xfrm>
             <a:off x="457200" y="1604520"/>
-            <a:ext cx="8229240" cy="3977280"/>
+            <a:ext cx="4015440" cy="1896480"/>
           </a:xfrm>
           <a:prstGeom prst="rect">
             <a:avLst/>
@@ -2495,8 +2496,8 @@
         </p:blipFill>
         <p:spPr>
           <a:xfrm>
-            <a:off x="2079000" y="1604520"/>
-            <a:ext cx="4984920" cy="3977280"/>
+            <a:off x="1276560" y="1604520"/>
+            <a:ext cx="2376720" cy="1896480"/>
           </a:xfrm>
           <a:prstGeom prst="rect">
             <a:avLst/>
@@ -2518,8 +2519,8 @@
         </p:blipFill>
         <p:spPr>
           <a:xfrm>
-            <a:off x="2079000" y="1604520"/>
-            <a:ext cx="4984920" cy="3977280"/>
+            <a:off x="1276560" y="1604520"/>
+            <a:ext cx="2376720" cy="1896480"/>
           </a:xfrm>
           <a:prstGeom prst="rect">
             <a:avLst/>
@@ -2529,6 +2530,409 @@
           </a:ln>
         </p:spPr>
       </p:pic>
+    </p:spTree>
+  </p:cSld>
+</p:sldLayout>
+</file>
+
+<file path=ppt/slideLayouts/slideLayout25.xml><?xml version="1.0" encoding="utf-8"?>
+<p:sldLayout xmlns:a="http://schemas.openxmlformats.org/drawingml/2006/main" xmlns:p="http://schemas.openxmlformats.org/presentationml/2006/main" xmlns:r="http://schemas.openxmlformats.org/officeDocument/2006/relationships" xmlns:p14="http://schemas.microsoft.com/office/powerpoint/2010/main" xmlns:p15="http://schemas.microsoft.com/office/powerpoint/2012/main" xmlns:mc="http://schemas.openxmlformats.org/markup-compatibility/2006" type="blank" preserve="1">
+  <p:cSld name="Blank Slide">
+    <p:spTree>
+      <p:nvGrpSpPr>
+        <p:cNvPr id="1" name=""/>
+        <p:cNvGrpSpPr/>
+        <p:nvPr/>
+      </p:nvGrpSpPr>
+      <p:grpSpPr>
+        <a:xfrm>
+          <a:off x="0" y="0"/>
+          <a:ext cx="0" cy="0"/>
+          <a:chOff x="0" y="0"/>
+          <a:chExt cx="0" cy="0"/>
+        </a:xfrm>
+      </p:grpSpPr>
+    </p:spTree>
+  </p:cSld>
+</p:sldLayout>
+</file>
+
+<file path=ppt/slideLayouts/slideLayout26.xml><?xml version="1.0" encoding="utf-8"?>
+<p:sldLayout xmlns:a="http://schemas.openxmlformats.org/drawingml/2006/main" xmlns:p="http://schemas.openxmlformats.org/presentationml/2006/main" xmlns:r="http://schemas.openxmlformats.org/officeDocument/2006/relationships" xmlns:p14="http://schemas.microsoft.com/office/powerpoint/2010/main" xmlns:p15="http://schemas.microsoft.com/office/powerpoint/2012/main" xmlns:mc="http://schemas.openxmlformats.org/markup-compatibility/2006" type="tx" preserve="1">
+  <p:cSld name="Title Slide">
+    <p:spTree>
+      <p:nvGrpSpPr>
+        <p:cNvPr id="1" name=""/>
+        <p:cNvGrpSpPr/>
+        <p:nvPr/>
+      </p:nvGrpSpPr>
+      <p:grpSpPr>
+        <a:xfrm>
+          <a:off x="0" y="0"/>
+          <a:ext cx="0" cy="0"/>
+          <a:chOff x="0" y="0"/>
+          <a:chExt cx="0" cy="0"/>
+        </a:xfrm>
+      </p:grpSpPr>
+      <p:sp>
+        <p:nvSpPr>
+          <p:cNvPr id="81" name="PlaceHolder 1"/>
+          <p:cNvSpPr>
+            <a:spLocks noGrp="1"/>
+          </p:cNvSpPr>
+          <p:nvPr>
+            <p:ph type="title"/>
+          </p:nvPr>
+        </p:nvSpPr>
+        <p:spPr>
+          <a:xfrm>
+            <a:off x="457200" y="273600"/>
+            <a:ext cx="8228880" cy="1144440"/>
+          </a:xfrm>
+          <a:prstGeom prst="rect">
+            <a:avLst/>
+          </a:prstGeom>
+        </p:spPr>
+        <p:txBody>
+          <a:bodyPr lIns="0" rIns="0" tIns="0" bIns="0" anchor="ctr"/>
+          <a:p>
+            <a:pPr algn="ctr"/>
+            <a:endParaRPr b="0" lang="en-US" sz="4400" spc="-1" strike="noStrike">
+              <a:solidFill>
+                <a:srgbClr val="000000"/>
+              </a:solidFill>
+              <a:uFill>
+                <a:solidFill>
+                  <a:srgbClr val="ffffff"/>
+                </a:solidFill>
+              </a:uFill>
+              <a:latin typeface="Arial"/>
+            </a:endParaRPr>
+          </a:p>
+        </p:txBody>
+      </p:sp>
+      <p:sp>
+        <p:nvSpPr>
+          <p:cNvPr id="82" name="PlaceHolder 2"/>
+          <p:cNvSpPr>
+            <a:spLocks noGrp="1"/>
+          </p:cNvSpPr>
+          <p:nvPr>
+            <p:ph type="subTitle"/>
+          </p:nvPr>
+        </p:nvSpPr>
+        <p:spPr>
+          <a:xfrm>
+            <a:off x="457200" y="1604520"/>
+            <a:ext cx="4015440" cy="1896480"/>
+          </a:xfrm>
+          <a:prstGeom prst="rect">
+            <a:avLst/>
+          </a:prstGeom>
+        </p:spPr>
+        <p:txBody>
+          <a:bodyPr lIns="0" rIns="0" tIns="0" bIns="0" anchor="ctr"/>
+          <a:p>
+            <a:pPr algn="ctr"/>
+            <a:endParaRPr b="0" lang="en-US" sz="3200" spc="-1" strike="noStrike">
+              <a:solidFill>
+                <a:srgbClr val="000000"/>
+              </a:solidFill>
+              <a:uFill>
+                <a:solidFill>
+                  <a:srgbClr val="ffffff"/>
+                </a:solidFill>
+              </a:uFill>
+              <a:latin typeface="Arial"/>
+            </a:endParaRPr>
+          </a:p>
+        </p:txBody>
+      </p:sp>
+    </p:spTree>
+  </p:cSld>
+</p:sldLayout>
+</file>
+
+<file path=ppt/slideLayouts/slideLayout27.xml><?xml version="1.0" encoding="utf-8"?>
+<p:sldLayout xmlns:a="http://schemas.openxmlformats.org/drawingml/2006/main" xmlns:p="http://schemas.openxmlformats.org/presentationml/2006/main" xmlns:r="http://schemas.openxmlformats.org/officeDocument/2006/relationships" xmlns:p14="http://schemas.microsoft.com/office/powerpoint/2010/main" xmlns:p15="http://schemas.microsoft.com/office/powerpoint/2012/main" xmlns:mc="http://schemas.openxmlformats.org/markup-compatibility/2006" type="obj" preserve="1">
+  <p:cSld name="Title, Content">
+    <p:spTree>
+      <p:nvGrpSpPr>
+        <p:cNvPr id="1" name=""/>
+        <p:cNvGrpSpPr/>
+        <p:nvPr/>
+      </p:nvGrpSpPr>
+      <p:grpSpPr>
+        <a:xfrm>
+          <a:off x="0" y="0"/>
+          <a:ext cx="0" cy="0"/>
+          <a:chOff x="0" y="0"/>
+          <a:chExt cx="0" cy="0"/>
+        </a:xfrm>
+      </p:grpSpPr>
+      <p:sp>
+        <p:nvSpPr>
+          <p:cNvPr id="83" name="PlaceHolder 1"/>
+          <p:cNvSpPr>
+            <a:spLocks noGrp="1"/>
+          </p:cNvSpPr>
+          <p:nvPr>
+            <p:ph type="title"/>
+          </p:nvPr>
+        </p:nvSpPr>
+        <p:spPr>
+          <a:xfrm>
+            <a:off x="457200" y="273600"/>
+            <a:ext cx="8228880" cy="1144440"/>
+          </a:xfrm>
+          <a:prstGeom prst="rect">
+            <a:avLst/>
+          </a:prstGeom>
+        </p:spPr>
+        <p:txBody>
+          <a:bodyPr lIns="0" rIns="0" tIns="0" bIns="0" anchor="ctr"/>
+          <a:p>
+            <a:pPr algn="ctr"/>
+            <a:endParaRPr b="0" lang="en-US" sz="4400" spc="-1" strike="noStrike">
+              <a:solidFill>
+                <a:srgbClr val="000000"/>
+              </a:solidFill>
+              <a:uFill>
+                <a:solidFill>
+                  <a:srgbClr val="ffffff"/>
+                </a:solidFill>
+              </a:uFill>
+              <a:latin typeface="Arial"/>
+            </a:endParaRPr>
+          </a:p>
+        </p:txBody>
+      </p:sp>
+      <p:sp>
+        <p:nvSpPr>
+          <p:cNvPr id="84" name="PlaceHolder 2"/>
+          <p:cNvSpPr>
+            <a:spLocks noGrp="1"/>
+          </p:cNvSpPr>
+          <p:nvPr>
+            <p:ph type="body"/>
+          </p:nvPr>
+        </p:nvSpPr>
+        <p:spPr>
+          <a:xfrm>
+            <a:off x="457200" y="1604520"/>
+            <a:ext cx="4015440" cy="1896480"/>
+          </a:xfrm>
+          <a:prstGeom prst="rect">
+            <a:avLst/>
+          </a:prstGeom>
+        </p:spPr>
+        <p:txBody>
+          <a:bodyPr lIns="0" rIns="0" tIns="0" bIns="0"/>
+          <a:p>
+            <a:endParaRPr b="0" lang="en-US" sz="3200" spc="-1" strike="noStrike">
+              <a:solidFill>
+                <a:srgbClr val="000000"/>
+              </a:solidFill>
+              <a:uFill>
+                <a:solidFill>
+                  <a:srgbClr val="ffffff"/>
+                </a:solidFill>
+              </a:uFill>
+              <a:latin typeface="Arial"/>
+            </a:endParaRPr>
+          </a:p>
+        </p:txBody>
+      </p:sp>
+    </p:spTree>
+  </p:cSld>
+</p:sldLayout>
+</file>
+
+<file path=ppt/slideLayouts/slideLayout28.xml><?xml version="1.0" encoding="utf-8"?>
+<p:sldLayout xmlns:a="http://schemas.openxmlformats.org/drawingml/2006/main" xmlns:p="http://schemas.openxmlformats.org/presentationml/2006/main" xmlns:r="http://schemas.openxmlformats.org/officeDocument/2006/relationships" xmlns:p14="http://schemas.microsoft.com/office/powerpoint/2010/main" xmlns:p15="http://schemas.microsoft.com/office/powerpoint/2012/main" xmlns:mc="http://schemas.openxmlformats.org/markup-compatibility/2006" type="twoObj" preserve="1">
+  <p:cSld name="Title, 2 Content">
+    <p:spTree>
+      <p:nvGrpSpPr>
+        <p:cNvPr id="1" name=""/>
+        <p:cNvGrpSpPr/>
+        <p:nvPr/>
+      </p:nvGrpSpPr>
+      <p:grpSpPr>
+        <a:xfrm>
+          <a:off x="0" y="0"/>
+          <a:ext cx="0" cy="0"/>
+          <a:chOff x="0" y="0"/>
+          <a:chExt cx="0" cy="0"/>
+        </a:xfrm>
+      </p:grpSpPr>
+      <p:sp>
+        <p:nvSpPr>
+          <p:cNvPr id="85" name="PlaceHolder 1"/>
+          <p:cNvSpPr>
+            <a:spLocks noGrp="1"/>
+          </p:cNvSpPr>
+          <p:nvPr>
+            <p:ph type="title"/>
+          </p:nvPr>
+        </p:nvSpPr>
+        <p:spPr>
+          <a:xfrm>
+            <a:off x="457200" y="273600"/>
+            <a:ext cx="8228880" cy="1144440"/>
+          </a:xfrm>
+          <a:prstGeom prst="rect">
+            <a:avLst/>
+          </a:prstGeom>
+        </p:spPr>
+        <p:txBody>
+          <a:bodyPr lIns="0" rIns="0" tIns="0" bIns="0" anchor="ctr"/>
+          <a:p>
+            <a:pPr algn="ctr"/>
+            <a:endParaRPr b="0" lang="en-US" sz="4400" spc="-1" strike="noStrike">
+              <a:solidFill>
+                <a:srgbClr val="000000"/>
+              </a:solidFill>
+              <a:uFill>
+                <a:solidFill>
+                  <a:srgbClr val="ffffff"/>
+                </a:solidFill>
+              </a:uFill>
+              <a:latin typeface="Arial"/>
+            </a:endParaRPr>
+          </a:p>
+        </p:txBody>
+      </p:sp>
+      <p:sp>
+        <p:nvSpPr>
+          <p:cNvPr id="86" name="PlaceHolder 2"/>
+          <p:cNvSpPr>
+            <a:spLocks noGrp="1"/>
+          </p:cNvSpPr>
+          <p:nvPr>
+            <p:ph type="body"/>
+          </p:nvPr>
+        </p:nvSpPr>
+        <p:spPr>
+          <a:xfrm>
+            <a:off x="457200" y="1604520"/>
+            <a:ext cx="1959480" cy="1896480"/>
+          </a:xfrm>
+          <a:prstGeom prst="rect">
+            <a:avLst/>
+          </a:prstGeom>
+        </p:spPr>
+        <p:txBody>
+          <a:bodyPr lIns="0" rIns="0" tIns="0" bIns="0"/>
+          <a:p>
+            <a:endParaRPr b="0" lang="en-US" sz="3200" spc="-1" strike="noStrike">
+              <a:solidFill>
+                <a:srgbClr val="000000"/>
+              </a:solidFill>
+              <a:uFill>
+                <a:solidFill>
+                  <a:srgbClr val="ffffff"/>
+                </a:solidFill>
+              </a:uFill>
+              <a:latin typeface="Arial"/>
+            </a:endParaRPr>
+          </a:p>
+        </p:txBody>
+      </p:sp>
+      <p:sp>
+        <p:nvSpPr>
+          <p:cNvPr id="87" name="PlaceHolder 3"/>
+          <p:cNvSpPr>
+            <a:spLocks noGrp="1"/>
+          </p:cNvSpPr>
+          <p:nvPr>
+            <p:ph type="body"/>
+          </p:nvPr>
+        </p:nvSpPr>
+        <p:spPr>
+          <a:xfrm>
+            <a:off x="2514960" y="1604520"/>
+            <a:ext cx="1959480" cy="1896480"/>
+          </a:xfrm>
+          <a:prstGeom prst="rect">
+            <a:avLst/>
+          </a:prstGeom>
+        </p:spPr>
+        <p:txBody>
+          <a:bodyPr lIns="0" rIns="0" tIns="0" bIns="0"/>
+          <a:p>
+            <a:endParaRPr b="0" lang="en-US" sz="3200" spc="-1" strike="noStrike">
+              <a:solidFill>
+                <a:srgbClr val="000000"/>
+              </a:solidFill>
+              <a:uFill>
+                <a:solidFill>
+                  <a:srgbClr val="ffffff"/>
+                </a:solidFill>
+              </a:uFill>
+              <a:latin typeface="Arial"/>
+            </a:endParaRPr>
+          </a:p>
+        </p:txBody>
+      </p:sp>
+    </p:spTree>
+  </p:cSld>
+</p:sldLayout>
+</file>
+
+<file path=ppt/slideLayouts/slideLayout29.xml><?xml version="1.0" encoding="utf-8"?>
+<p:sldLayout xmlns:a="http://schemas.openxmlformats.org/drawingml/2006/main" xmlns:p="http://schemas.openxmlformats.org/presentationml/2006/main" xmlns:r="http://schemas.openxmlformats.org/officeDocument/2006/relationships" xmlns:p14="http://schemas.microsoft.com/office/powerpoint/2010/main" xmlns:p15="http://schemas.microsoft.com/office/powerpoint/2012/main" xmlns:mc="http://schemas.openxmlformats.org/markup-compatibility/2006" type="titleOnly" preserve="1">
+  <p:cSld name="Title Only">
+    <p:spTree>
+      <p:nvGrpSpPr>
+        <p:cNvPr id="1" name=""/>
+        <p:cNvGrpSpPr/>
+        <p:nvPr/>
+      </p:nvGrpSpPr>
+      <p:grpSpPr>
+        <a:xfrm>
+          <a:off x="0" y="0"/>
+          <a:ext cx="0" cy="0"/>
+          <a:chOff x="0" y="0"/>
+          <a:chExt cx="0" cy="0"/>
+        </a:xfrm>
+      </p:grpSpPr>
+      <p:sp>
+        <p:nvSpPr>
+          <p:cNvPr id="88" name="PlaceHolder 1"/>
+          <p:cNvSpPr>
+            <a:spLocks noGrp="1"/>
+          </p:cNvSpPr>
+          <p:nvPr>
+            <p:ph type="title"/>
+          </p:nvPr>
+        </p:nvSpPr>
+        <p:spPr>
+          <a:xfrm>
+            <a:off x="457200" y="273600"/>
+            <a:ext cx="8228880" cy="1144440"/>
+          </a:xfrm>
+          <a:prstGeom prst="rect">
+            <a:avLst/>
+          </a:prstGeom>
+        </p:spPr>
+        <p:txBody>
+          <a:bodyPr lIns="0" rIns="0" tIns="0" bIns="0" anchor="ctr"/>
+          <a:p>
+            <a:pPr algn="ctr"/>
+            <a:endParaRPr b="0" lang="en-US" sz="4400" spc="-1" strike="noStrike">
+              <a:solidFill>
+                <a:srgbClr val="000000"/>
+              </a:solidFill>
+              <a:uFill>
+                <a:solidFill>
+                  <a:srgbClr val="ffffff"/>
+                </a:solidFill>
+              </a:uFill>
+              <a:latin typeface="Arial"/>
+            </a:endParaRPr>
+          </a:p>
+        </p:txBody>
+      </p:sp>
     </p:spTree>
   </p:cSld>
 </p:sldLayout>
@@ -2564,7 +2968,7 @@
         <p:spPr>
           <a:xfrm>
             <a:off x="457200" y="273600"/>
-            <a:ext cx="8229240" cy="1144800"/>
+            <a:ext cx="8228880" cy="1144440"/>
           </a:xfrm>
           <a:prstGeom prst="rect">
             <a:avLst/>
@@ -2601,7 +3005,7 @@
         <p:spPr>
           <a:xfrm>
             <a:off x="457200" y="1604520"/>
-            <a:ext cx="8229240" cy="3977280"/>
+            <a:ext cx="4015440" cy="1896480"/>
           </a:xfrm>
           <a:prstGeom prst="rect">
             <a:avLst/>
@@ -2624,6 +3028,1077 @@
           </a:p>
         </p:txBody>
       </p:sp>
+    </p:spTree>
+  </p:cSld>
+</p:sldLayout>
+</file>
+
+<file path=ppt/slideLayouts/slideLayout30.xml><?xml version="1.0" encoding="utf-8"?>
+<p:sldLayout xmlns:a="http://schemas.openxmlformats.org/drawingml/2006/main" xmlns:p="http://schemas.openxmlformats.org/presentationml/2006/main" xmlns:r="http://schemas.openxmlformats.org/officeDocument/2006/relationships" xmlns:p14="http://schemas.microsoft.com/office/powerpoint/2010/main" xmlns:p15="http://schemas.microsoft.com/office/powerpoint/2012/main" xmlns:mc="http://schemas.openxmlformats.org/markup-compatibility/2006" type="objOnly" preserve="1">
+  <p:cSld name="Centered Text">
+    <p:spTree>
+      <p:nvGrpSpPr>
+        <p:cNvPr id="1" name=""/>
+        <p:cNvGrpSpPr/>
+        <p:nvPr/>
+      </p:nvGrpSpPr>
+      <p:grpSpPr>
+        <a:xfrm>
+          <a:off x="0" y="0"/>
+          <a:ext cx="0" cy="0"/>
+          <a:chOff x="0" y="0"/>
+          <a:chExt cx="0" cy="0"/>
+        </a:xfrm>
+      </p:grpSpPr>
+      <p:sp>
+        <p:nvSpPr>
+          <p:cNvPr id="89" name="PlaceHolder 1"/>
+          <p:cNvSpPr>
+            <a:spLocks noGrp="1"/>
+          </p:cNvSpPr>
+          <p:nvPr>
+            <p:ph type="subTitle"/>
+          </p:nvPr>
+        </p:nvSpPr>
+        <p:spPr>
+          <a:xfrm>
+            <a:off x="457200" y="273600"/>
+            <a:ext cx="8228880" cy="5306400"/>
+          </a:xfrm>
+          <a:prstGeom prst="rect">
+            <a:avLst/>
+          </a:prstGeom>
+        </p:spPr>
+        <p:txBody>
+          <a:bodyPr lIns="0" rIns="0" tIns="0" bIns="0" anchor="ctr"/>
+          <a:p>
+            <a:pPr algn="ctr"/>
+            <a:endParaRPr b="0" lang="en-US" sz="3200" spc="-1" strike="noStrike">
+              <a:solidFill>
+                <a:srgbClr val="000000"/>
+              </a:solidFill>
+              <a:uFill>
+                <a:solidFill>
+                  <a:srgbClr val="ffffff"/>
+                </a:solidFill>
+              </a:uFill>
+              <a:latin typeface="Arial"/>
+            </a:endParaRPr>
+          </a:p>
+        </p:txBody>
+      </p:sp>
+    </p:spTree>
+  </p:cSld>
+</p:sldLayout>
+</file>
+
+<file path=ppt/slideLayouts/slideLayout31.xml><?xml version="1.0" encoding="utf-8"?>
+<p:sldLayout xmlns:a="http://schemas.openxmlformats.org/drawingml/2006/main" xmlns:p="http://schemas.openxmlformats.org/presentationml/2006/main" xmlns:r="http://schemas.openxmlformats.org/officeDocument/2006/relationships" xmlns:p14="http://schemas.microsoft.com/office/powerpoint/2010/main" xmlns:p15="http://schemas.microsoft.com/office/powerpoint/2012/main" xmlns:mc="http://schemas.openxmlformats.org/markup-compatibility/2006" type="twoObjAndObj" preserve="1">
+  <p:cSld name="Title, 2 Content and Content">
+    <p:spTree>
+      <p:nvGrpSpPr>
+        <p:cNvPr id="1" name=""/>
+        <p:cNvGrpSpPr/>
+        <p:nvPr/>
+      </p:nvGrpSpPr>
+      <p:grpSpPr>
+        <a:xfrm>
+          <a:off x="0" y="0"/>
+          <a:ext cx="0" cy="0"/>
+          <a:chOff x="0" y="0"/>
+          <a:chExt cx="0" cy="0"/>
+        </a:xfrm>
+      </p:grpSpPr>
+      <p:sp>
+        <p:nvSpPr>
+          <p:cNvPr id="90" name="PlaceHolder 1"/>
+          <p:cNvSpPr>
+            <a:spLocks noGrp="1"/>
+          </p:cNvSpPr>
+          <p:nvPr>
+            <p:ph type="title"/>
+          </p:nvPr>
+        </p:nvSpPr>
+        <p:spPr>
+          <a:xfrm>
+            <a:off x="457200" y="273600"/>
+            <a:ext cx="8228880" cy="1144440"/>
+          </a:xfrm>
+          <a:prstGeom prst="rect">
+            <a:avLst/>
+          </a:prstGeom>
+        </p:spPr>
+        <p:txBody>
+          <a:bodyPr lIns="0" rIns="0" tIns="0" bIns="0" anchor="ctr"/>
+          <a:p>
+            <a:pPr algn="ctr"/>
+            <a:endParaRPr b="0" lang="en-US" sz="4400" spc="-1" strike="noStrike">
+              <a:solidFill>
+                <a:srgbClr val="000000"/>
+              </a:solidFill>
+              <a:uFill>
+                <a:solidFill>
+                  <a:srgbClr val="ffffff"/>
+                </a:solidFill>
+              </a:uFill>
+              <a:latin typeface="Arial"/>
+            </a:endParaRPr>
+          </a:p>
+        </p:txBody>
+      </p:sp>
+      <p:sp>
+        <p:nvSpPr>
+          <p:cNvPr id="91" name="PlaceHolder 2"/>
+          <p:cNvSpPr>
+            <a:spLocks noGrp="1"/>
+          </p:cNvSpPr>
+          <p:nvPr>
+            <p:ph type="body"/>
+          </p:nvPr>
+        </p:nvSpPr>
+        <p:spPr>
+          <a:xfrm>
+            <a:off x="457200" y="1604520"/>
+            <a:ext cx="1959480" cy="904320"/>
+          </a:xfrm>
+          <a:prstGeom prst="rect">
+            <a:avLst/>
+          </a:prstGeom>
+        </p:spPr>
+        <p:txBody>
+          <a:bodyPr lIns="0" rIns="0" tIns="0" bIns="0"/>
+          <a:p>
+            <a:endParaRPr b="0" lang="en-US" sz="3200" spc="-1" strike="noStrike">
+              <a:solidFill>
+                <a:srgbClr val="000000"/>
+              </a:solidFill>
+              <a:uFill>
+                <a:solidFill>
+                  <a:srgbClr val="ffffff"/>
+                </a:solidFill>
+              </a:uFill>
+              <a:latin typeface="Arial"/>
+            </a:endParaRPr>
+          </a:p>
+        </p:txBody>
+      </p:sp>
+      <p:sp>
+        <p:nvSpPr>
+          <p:cNvPr id="92" name="PlaceHolder 3"/>
+          <p:cNvSpPr>
+            <a:spLocks noGrp="1"/>
+          </p:cNvSpPr>
+          <p:nvPr>
+            <p:ph type="body"/>
+          </p:nvPr>
+        </p:nvSpPr>
+        <p:spPr>
+          <a:xfrm>
+            <a:off x="457200" y="2595240"/>
+            <a:ext cx="1959480" cy="904320"/>
+          </a:xfrm>
+          <a:prstGeom prst="rect">
+            <a:avLst/>
+          </a:prstGeom>
+        </p:spPr>
+        <p:txBody>
+          <a:bodyPr lIns="0" rIns="0" tIns="0" bIns="0"/>
+          <a:p>
+            <a:endParaRPr b="0" lang="en-US" sz="3200" spc="-1" strike="noStrike">
+              <a:solidFill>
+                <a:srgbClr val="000000"/>
+              </a:solidFill>
+              <a:uFill>
+                <a:solidFill>
+                  <a:srgbClr val="ffffff"/>
+                </a:solidFill>
+              </a:uFill>
+              <a:latin typeface="Arial"/>
+            </a:endParaRPr>
+          </a:p>
+        </p:txBody>
+      </p:sp>
+      <p:sp>
+        <p:nvSpPr>
+          <p:cNvPr id="93" name="PlaceHolder 4"/>
+          <p:cNvSpPr>
+            <a:spLocks noGrp="1"/>
+          </p:cNvSpPr>
+          <p:nvPr>
+            <p:ph type="body"/>
+          </p:nvPr>
+        </p:nvSpPr>
+        <p:spPr>
+          <a:xfrm>
+            <a:off x="2514960" y="1604520"/>
+            <a:ext cx="1959480" cy="1896480"/>
+          </a:xfrm>
+          <a:prstGeom prst="rect">
+            <a:avLst/>
+          </a:prstGeom>
+        </p:spPr>
+        <p:txBody>
+          <a:bodyPr lIns="0" rIns="0" tIns="0" bIns="0"/>
+          <a:p>
+            <a:endParaRPr b="0" lang="en-US" sz="3200" spc="-1" strike="noStrike">
+              <a:solidFill>
+                <a:srgbClr val="000000"/>
+              </a:solidFill>
+              <a:uFill>
+                <a:solidFill>
+                  <a:srgbClr val="ffffff"/>
+                </a:solidFill>
+              </a:uFill>
+              <a:latin typeface="Arial"/>
+            </a:endParaRPr>
+          </a:p>
+        </p:txBody>
+      </p:sp>
+    </p:spTree>
+  </p:cSld>
+</p:sldLayout>
+</file>
+
+<file path=ppt/slideLayouts/slideLayout32.xml><?xml version="1.0" encoding="utf-8"?>
+<p:sldLayout xmlns:a="http://schemas.openxmlformats.org/drawingml/2006/main" xmlns:p="http://schemas.openxmlformats.org/presentationml/2006/main" xmlns:r="http://schemas.openxmlformats.org/officeDocument/2006/relationships" xmlns:p14="http://schemas.microsoft.com/office/powerpoint/2010/main" xmlns:p15="http://schemas.microsoft.com/office/powerpoint/2012/main" xmlns:mc="http://schemas.openxmlformats.org/markup-compatibility/2006" type="objAndTwoObj" preserve="1">
+  <p:cSld name="Title Content and 2 Content">
+    <p:spTree>
+      <p:nvGrpSpPr>
+        <p:cNvPr id="1" name=""/>
+        <p:cNvGrpSpPr/>
+        <p:nvPr/>
+      </p:nvGrpSpPr>
+      <p:grpSpPr>
+        <a:xfrm>
+          <a:off x="0" y="0"/>
+          <a:ext cx="0" cy="0"/>
+          <a:chOff x="0" y="0"/>
+          <a:chExt cx="0" cy="0"/>
+        </a:xfrm>
+      </p:grpSpPr>
+      <p:sp>
+        <p:nvSpPr>
+          <p:cNvPr id="94" name="PlaceHolder 1"/>
+          <p:cNvSpPr>
+            <a:spLocks noGrp="1"/>
+          </p:cNvSpPr>
+          <p:nvPr>
+            <p:ph type="title"/>
+          </p:nvPr>
+        </p:nvSpPr>
+        <p:spPr>
+          <a:xfrm>
+            <a:off x="457200" y="273600"/>
+            <a:ext cx="8228880" cy="1144440"/>
+          </a:xfrm>
+          <a:prstGeom prst="rect">
+            <a:avLst/>
+          </a:prstGeom>
+        </p:spPr>
+        <p:txBody>
+          <a:bodyPr lIns="0" rIns="0" tIns="0" bIns="0" anchor="ctr"/>
+          <a:p>
+            <a:pPr algn="ctr"/>
+            <a:endParaRPr b="0" lang="en-US" sz="4400" spc="-1" strike="noStrike">
+              <a:solidFill>
+                <a:srgbClr val="000000"/>
+              </a:solidFill>
+              <a:uFill>
+                <a:solidFill>
+                  <a:srgbClr val="ffffff"/>
+                </a:solidFill>
+              </a:uFill>
+              <a:latin typeface="Arial"/>
+            </a:endParaRPr>
+          </a:p>
+        </p:txBody>
+      </p:sp>
+      <p:sp>
+        <p:nvSpPr>
+          <p:cNvPr id="95" name="PlaceHolder 2"/>
+          <p:cNvSpPr>
+            <a:spLocks noGrp="1"/>
+          </p:cNvSpPr>
+          <p:nvPr>
+            <p:ph type="body"/>
+          </p:nvPr>
+        </p:nvSpPr>
+        <p:spPr>
+          <a:xfrm>
+            <a:off x="457200" y="1604520"/>
+            <a:ext cx="1959480" cy="1896480"/>
+          </a:xfrm>
+          <a:prstGeom prst="rect">
+            <a:avLst/>
+          </a:prstGeom>
+        </p:spPr>
+        <p:txBody>
+          <a:bodyPr lIns="0" rIns="0" tIns="0" bIns="0"/>
+          <a:p>
+            <a:endParaRPr b="0" lang="en-US" sz="3200" spc="-1" strike="noStrike">
+              <a:solidFill>
+                <a:srgbClr val="000000"/>
+              </a:solidFill>
+              <a:uFill>
+                <a:solidFill>
+                  <a:srgbClr val="ffffff"/>
+                </a:solidFill>
+              </a:uFill>
+              <a:latin typeface="Arial"/>
+            </a:endParaRPr>
+          </a:p>
+        </p:txBody>
+      </p:sp>
+      <p:sp>
+        <p:nvSpPr>
+          <p:cNvPr id="96" name="PlaceHolder 3"/>
+          <p:cNvSpPr>
+            <a:spLocks noGrp="1"/>
+          </p:cNvSpPr>
+          <p:nvPr>
+            <p:ph type="body"/>
+          </p:nvPr>
+        </p:nvSpPr>
+        <p:spPr>
+          <a:xfrm>
+            <a:off x="2514960" y="1604520"/>
+            <a:ext cx="1959480" cy="904320"/>
+          </a:xfrm>
+          <a:prstGeom prst="rect">
+            <a:avLst/>
+          </a:prstGeom>
+        </p:spPr>
+        <p:txBody>
+          <a:bodyPr lIns="0" rIns="0" tIns="0" bIns="0"/>
+          <a:p>
+            <a:endParaRPr b="0" lang="en-US" sz="3200" spc="-1" strike="noStrike">
+              <a:solidFill>
+                <a:srgbClr val="000000"/>
+              </a:solidFill>
+              <a:uFill>
+                <a:solidFill>
+                  <a:srgbClr val="ffffff"/>
+                </a:solidFill>
+              </a:uFill>
+              <a:latin typeface="Arial"/>
+            </a:endParaRPr>
+          </a:p>
+        </p:txBody>
+      </p:sp>
+      <p:sp>
+        <p:nvSpPr>
+          <p:cNvPr id="97" name="PlaceHolder 4"/>
+          <p:cNvSpPr>
+            <a:spLocks noGrp="1"/>
+          </p:cNvSpPr>
+          <p:nvPr>
+            <p:ph type="body"/>
+          </p:nvPr>
+        </p:nvSpPr>
+        <p:spPr>
+          <a:xfrm>
+            <a:off x="2514960" y="2595240"/>
+            <a:ext cx="1959480" cy="904320"/>
+          </a:xfrm>
+          <a:prstGeom prst="rect">
+            <a:avLst/>
+          </a:prstGeom>
+        </p:spPr>
+        <p:txBody>
+          <a:bodyPr lIns="0" rIns="0" tIns="0" bIns="0"/>
+          <a:p>
+            <a:endParaRPr b="0" lang="en-US" sz="3200" spc="-1" strike="noStrike">
+              <a:solidFill>
+                <a:srgbClr val="000000"/>
+              </a:solidFill>
+              <a:uFill>
+                <a:solidFill>
+                  <a:srgbClr val="ffffff"/>
+                </a:solidFill>
+              </a:uFill>
+              <a:latin typeface="Arial"/>
+            </a:endParaRPr>
+          </a:p>
+        </p:txBody>
+      </p:sp>
+    </p:spTree>
+  </p:cSld>
+</p:sldLayout>
+</file>
+
+<file path=ppt/slideLayouts/slideLayout33.xml><?xml version="1.0" encoding="utf-8"?>
+<p:sldLayout xmlns:a="http://schemas.openxmlformats.org/drawingml/2006/main" xmlns:p="http://schemas.openxmlformats.org/presentationml/2006/main" xmlns:r="http://schemas.openxmlformats.org/officeDocument/2006/relationships" xmlns:p14="http://schemas.microsoft.com/office/powerpoint/2010/main" xmlns:p15="http://schemas.microsoft.com/office/powerpoint/2012/main" xmlns:mc="http://schemas.openxmlformats.org/markup-compatibility/2006" type="twoObjOverTx" preserve="1">
+  <p:cSld name="Title, 2 Content over Content">
+    <p:spTree>
+      <p:nvGrpSpPr>
+        <p:cNvPr id="1" name=""/>
+        <p:cNvGrpSpPr/>
+        <p:nvPr/>
+      </p:nvGrpSpPr>
+      <p:grpSpPr>
+        <a:xfrm>
+          <a:off x="0" y="0"/>
+          <a:ext cx="0" cy="0"/>
+          <a:chOff x="0" y="0"/>
+          <a:chExt cx="0" cy="0"/>
+        </a:xfrm>
+      </p:grpSpPr>
+      <p:sp>
+        <p:nvSpPr>
+          <p:cNvPr id="98" name="PlaceHolder 1"/>
+          <p:cNvSpPr>
+            <a:spLocks noGrp="1"/>
+          </p:cNvSpPr>
+          <p:nvPr>
+            <p:ph type="title"/>
+          </p:nvPr>
+        </p:nvSpPr>
+        <p:spPr>
+          <a:xfrm>
+            <a:off x="457200" y="273600"/>
+            <a:ext cx="8228880" cy="1144440"/>
+          </a:xfrm>
+          <a:prstGeom prst="rect">
+            <a:avLst/>
+          </a:prstGeom>
+        </p:spPr>
+        <p:txBody>
+          <a:bodyPr lIns="0" rIns="0" tIns="0" bIns="0" anchor="ctr"/>
+          <a:p>
+            <a:pPr algn="ctr"/>
+            <a:endParaRPr b="0" lang="en-US" sz="4400" spc="-1" strike="noStrike">
+              <a:solidFill>
+                <a:srgbClr val="000000"/>
+              </a:solidFill>
+              <a:uFill>
+                <a:solidFill>
+                  <a:srgbClr val="ffffff"/>
+                </a:solidFill>
+              </a:uFill>
+              <a:latin typeface="Arial"/>
+            </a:endParaRPr>
+          </a:p>
+        </p:txBody>
+      </p:sp>
+      <p:sp>
+        <p:nvSpPr>
+          <p:cNvPr id="99" name="PlaceHolder 2"/>
+          <p:cNvSpPr>
+            <a:spLocks noGrp="1"/>
+          </p:cNvSpPr>
+          <p:nvPr>
+            <p:ph type="body"/>
+          </p:nvPr>
+        </p:nvSpPr>
+        <p:spPr>
+          <a:xfrm>
+            <a:off x="457200" y="1604520"/>
+            <a:ext cx="1959480" cy="904320"/>
+          </a:xfrm>
+          <a:prstGeom prst="rect">
+            <a:avLst/>
+          </a:prstGeom>
+        </p:spPr>
+        <p:txBody>
+          <a:bodyPr lIns="0" rIns="0" tIns="0" bIns="0"/>
+          <a:p>
+            <a:endParaRPr b="0" lang="en-US" sz="3200" spc="-1" strike="noStrike">
+              <a:solidFill>
+                <a:srgbClr val="000000"/>
+              </a:solidFill>
+              <a:uFill>
+                <a:solidFill>
+                  <a:srgbClr val="ffffff"/>
+                </a:solidFill>
+              </a:uFill>
+              <a:latin typeface="Arial"/>
+            </a:endParaRPr>
+          </a:p>
+        </p:txBody>
+      </p:sp>
+      <p:sp>
+        <p:nvSpPr>
+          <p:cNvPr id="100" name="PlaceHolder 3"/>
+          <p:cNvSpPr>
+            <a:spLocks noGrp="1"/>
+          </p:cNvSpPr>
+          <p:nvPr>
+            <p:ph type="body"/>
+          </p:nvPr>
+        </p:nvSpPr>
+        <p:spPr>
+          <a:xfrm>
+            <a:off x="2514960" y="1604520"/>
+            <a:ext cx="1959480" cy="904320"/>
+          </a:xfrm>
+          <a:prstGeom prst="rect">
+            <a:avLst/>
+          </a:prstGeom>
+        </p:spPr>
+        <p:txBody>
+          <a:bodyPr lIns="0" rIns="0" tIns="0" bIns="0"/>
+          <a:p>
+            <a:endParaRPr b="0" lang="en-US" sz="3200" spc="-1" strike="noStrike">
+              <a:solidFill>
+                <a:srgbClr val="000000"/>
+              </a:solidFill>
+              <a:uFill>
+                <a:solidFill>
+                  <a:srgbClr val="ffffff"/>
+                </a:solidFill>
+              </a:uFill>
+              <a:latin typeface="Arial"/>
+            </a:endParaRPr>
+          </a:p>
+        </p:txBody>
+      </p:sp>
+      <p:sp>
+        <p:nvSpPr>
+          <p:cNvPr id="101" name="PlaceHolder 4"/>
+          <p:cNvSpPr>
+            <a:spLocks noGrp="1"/>
+          </p:cNvSpPr>
+          <p:nvPr>
+            <p:ph type="body"/>
+          </p:nvPr>
+        </p:nvSpPr>
+        <p:spPr>
+          <a:xfrm>
+            <a:off x="457200" y="2595240"/>
+            <a:ext cx="4015440" cy="904320"/>
+          </a:xfrm>
+          <a:prstGeom prst="rect">
+            <a:avLst/>
+          </a:prstGeom>
+        </p:spPr>
+        <p:txBody>
+          <a:bodyPr lIns="0" rIns="0" tIns="0" bIns="0"/>
+          <a:p>
+            <a:endParaRPr b="0" lang="en-US" sz="3200" spc="-1" strike="noStrike">
+              <a:solidFill>
+                <a:srgbClr val="000000"/>
+              </a:solidFill>
+              <a:uFill>
+                <a:solidFill>
+                  <a:srgbClr val="ffffff"/>
+                </a:solidFill>
+              </a:uFill>
+              <a:latin typeface="Arial"/>
+            </a:endParaRPr>
+          </a:p>
+        </p:txBody>
+      </p:sp>
+    </p:spTree>
+  </p:cSld>
+</p:sldLayout>
+</file>
+
+<file path=ppt/slideLayouts/slideLayout34.xml><?xml version="1.0" encoding="utf-8"?>
+<p:sldLayout xmlns:a="http://schemas.openxmlformats.org/drawingml/2006/main" xmlns:p="http://schemas.openxmlformats.org/presentationml/2006/main" xmlns:r="http://schemas.openxmlformats.org/officeDocument/2006/relationships" xmlns:p14="http://schemas.microsoft.com/office/powerpoint/2010/main" xmlns:p15="http://schemas.microsoft.com/office/powerpoint/2012/main" xmlns:mc="http://schemas.openxmlformats.org/markup-compatibility/2006" type="objOverTx" preserve="1">
+  <p:cSld name="Title, Content over Content">
+    <p:spTree>
+      <p:nvGrpSpPr>
+        <p:cNvPr id="1" name=""/>
+        <p:cNvGrpSpPr/>
+        <p:nvPr/>
+      </p:nvGrpSpPr>
+      <p:grpSpPr>
+        <a:xfrm>
+          <a:off x="0" y="0"/>
+          <a:ext cx="0" cy="0"/>
+          <a:chOff x="0" y="0"/>
+          <a:chExt cx="0" cy="0"/>
+        </a:xfrm>
+      </p:grpSpPr>
+      <p:sp>
+        <p:nvSpPr>
+          <p:cNvPr id="102" name="PlaceHolder 1"/>
+          <p:cNvSpPr>
+            <a:spLocks noGrp="1"/>
+          </p:cNvSpPr>
+          <p:nvPr>
+            <p:ph type="title"/>
+          </p:nvPr>
+        </p:nvSpPr>
+        <p:spPr>
+          <a:xfrm>
+            <a:off x="457200" y="273600"/>
+            <a:ext cx="8228880" cy="1144440"/>
+          </a:xfrm>
+          <a:prstGeom prst="rect">
+            <a:avLst/>
+          </a:prstGeom>
+        </p:spPr>
+        <p:txBody>
+          <a:bodyPr lIns="0" rIns="0" tIns="0" bIns="0" anchor="ctr"/>
+          <a:p>
+            <a:pPr algn="ctr"/>
+            <a:endParaRPr b="0" lang="en-US" sz="4400" spc="-1" strike="noStrike">
+              <a:solidFill>
+                <a:srgbClr val="000000"/>
+              </a:solidFill>
+              <a:uFill>
+                <a:solidFill>
+                  <a:srgbClr val="ffffff"/>
+                </a:solidFill>
+              </a:uFill>
+              <a:latin typeface="Arial"/>
+            </a:endParaRPr>
+          </a:p>
+        </p:txBody>
+      </p:sp>
+      <p:sp>
+        <p:nvSpPr>
+          <p:cNvPr id="103" name="PlaceHolder 2"/>
+          <p:cNvSpPr>
+            <a:spLocks noGrp="1"/>
+          </p:cNvSpPr>
+          <p:nvPr>
+            <p:ph type="body"/>
+          </p:nvPr>
+        </p:nvSpPr>
+        <p:spPr>
+          <a:xfrm>
+            <a:off x="457200" y="1604520"/>
+            <a:ext cx="4015440" cy="904320"/>
+          </a:xfrm>
+          <a:prstGeom prst="rect">
+            <a:avLst/>
+          </a:prstGeom>
+        </p:spPr>
+        <p:txBody>
+          <a:bodyPr lIns="0" rIns="0" tIns="0" bIns="0"/>
+          <a:p>
+            <a:endParaRPr b="0" lang="en-US" sz="3200" spc="-1" strike="noStrike">
+              <a:solidFill>
+                <a:srgbClr val="000000"/>
+              </a:solidFill>
+              <a:uFill>
+                <a:solidFill>
+                  <a:srgbClr val="ffffff"/>
+                </a:solidFill>
+              </a:uFill>
+              <a:latin typeface="Arial"/>
+            </a:endParaRPr>
+          </a:p>
+        </p:txBody>
+      </p:sp>
+      <p:sp>
+        <p:nvSpPr>
+          <p:cNvPr id="104" name="PlaceHolder 3"/>
+          <p:cNvSpPr>
+            <a:spLocks noGrp="1"/>
+          </p:cNvSpPr>
+          <p:nvPr>
+            <p:ph type="body"/>
+          </p:nvPr>
+        </p:nvSpPr>
+        <p:spPr>
+          <a:xfrm>
+            <a:off x="457200" y="2595240"/>
+            <a:ext cx="4015440" cy="904320"/>
+          </a:xfrm>
+          <a:prstGeom prst="rect">
+            <a:avLst/>
+          </a:prstGeom>
+        </p:spPr>
+        <p:txBody>
+          <a:bodyPr lIns="0" rIns="0" tIns="0" bIns="0"/>
+          <a:p>
+            <a:endParaRPr b="0" lang="en-US" sz="3200" spc="-1" strike="noStrike">
+              <a:solidFill>
+                <a:srgbClr val="000000"/>
+              </a:solidFill>
+              <a:uFill>
+                <a:solidFill>
+                  <a:srgbClr val="ffffff"/>
+                </a:solidFill>
+              </a:uFill>
+              <a:latin typeface="Arial"/>
+            </a:endParaRPr>
+          </a:p>
+        </p:txBody>
+      </p:sp>
+    </p:spTree>
+  </p:cSld>
+</p:sldLayout>
+</file>
+
+<file path=ppt/slideLayouts/slideLayout35.xml><?xml version="1.0" encoding="utf-8"?>
+<p:sldLayout xmlns:a="http://schemas.openxmlformats.org/drawingml/2006/main" xmlns:p="http://schemas.openxmlformats.org/presentationml/2006/main" xmlns:r="http://schemas.openxmlformats.org/officeDocument/2006/relationships" xmlns:p14="http://schemas.microsoft.com/office/powerpoint/2010/main" xmlns:p15="http://schemas.microsoft.com/office/powerpoint/2012/main" xmlns:mc="http://schemas.openxmlformats.org/markup-compatibility/2006" type="fourObj" preserve="1">
+  <p:cSld name="Title, 4 Content">
+    <p:spTree>
+      <p:nvGrpSpPr>
+        <p:cNvPr id="1" name=""/>
+        <p:cNvGrpSpPr/>
+        <p:nvPr/>
+      </p:nvGrpSpPr>
+      <p:grpSpPr>
+        <a:xfrm>
+          <a:off x="0" y="0"/>
+          <a:ext cx="0" cy="0"/>
+          <a:chOff x="0" y="0"/>
+          <a:chExt cx="0" cy="0"/>
+        </a:xfrm>
+      </p:grpSpPr>
+      <p:sp>
+        <p:nvSpPr>
+          <p:cNvPr id="105" name="PlaceHolder 1"/>
+          <p:cNvSpPr>
+            <a:spLocks noGrp="1"/>
+          </p:cNvSpPr>
+          <p:nvPr>
+            <p:ph type="title"/>
+          </p:nvPr>
+        </p:nvSpPr>
+        <p:spPr>
+          <a:xfrm>
+            <a:off x="457200" y="273600"/>
+            <a:ext cx="8228880" cy="1144440"/>
+          </a:xfrm>
+          <a:prstGeom prst="rect">
+            <a:avLst/>
+          </a:prstGeom>
+        </p:spPr>
+        <p:txBody>
+          <a:bodyPr lIns="0" rIns="0" tIns="0" bIns="0" anchor="ctr"/>
+          <a:p>
+            <a:pPr algn="ctr"/>
+            <a:endParaRPr b="0" lang="en-US" sz="4400" spc="-1" strike="noStrike">
+              <a:solidFill>
+                <a:srgbClr val="000000"/>
+              </a:solidFill>
+              <a:uFill>
+                <a:solidFill>
+                  <a:srgbClr val="ffffff"/>
+                </a:solidFill>
+              </a:uFill>
+              <a:latin typeface="Arial"/>
+            </a:endParaRPr>
+          </a:p>
+        </p:txBody>
+      </p:sp>
+      <p:sp>
+        <p:nvSpPr>
+          <p:cNvPr id="106" name="PlaceHolder 2"/>
+          <p:cNvSpPr>
+            <a:spLocks noGrp="1"/>
+          </p:cNvSpPr>
+          <p:nvPr>
+            <p:ph type="body"/>
+          </p:nvPr>
+        </p:nvSpPr>
+        <p:spPr>
+          <a:xfrm>
+            <a:off x="457200" y="1604520"/>
+            <a:ext cx="1959480" cy="904320"/>
+          </a:xfrm>
+          <a:prstGeom prst="rect">
+            <a:avLst/>
+          </a:prstGeom>
+        </p:spPr>
+        <p:txBody>
+          <a:bodyPr lIns="0" rIns="0" tIns="0" bIns="0"/>
+          <a:p>
+            <a:endParaRPr b="0" lang="en-US" sz="3200" spc="-1" strike="noStrike">
+              <a:solidFill>
+                <a:srgbClr val="000000"/>
+              </a:solidFill>
+              <a:uFill>
+                <a:solidFill>
+                  <a:srgbClr val="ffffff"/>
+                </a:solidFill>
+              </a:uFill>
+              <a:latin typeface="Arial"/>
+            </a:endParaRPr>
+          </a:p>
+        </p:txBody>
+      </p:sp>
+      <p:sp>
+        <p:nvSpPr>
+          <p:cNvPr id="107" name="PlaceHolder 3"/>
+          <p:cNvSpPr>
+            <a:spLocks noGrp="1"/>
+          </p:cNvSpPr>
+          <p:nvPr>
+            <p:ph type="body"/>
+          </p:nvPr>
+        </p:nvSpPr>
+        <p:spPr>
+          <a:xfrm>
+            <a:off x="2514960" y="1604520"/>
+            <a:ext cx="1959480" cy="904320"/>
+          </a:xfrm>
+          <a:prstGeom prst="rect">
+            <a:avLst/>
+          </a:prstGeom>
+        </p:spPr>
+        <p:txBody>
+          <a:bodyPr lIns="0" rIns="0" tIns="0" bIns="0"/>
+          <a:p>
+            <a:endParaRPr b="0" lang="en-US" sz="3200" spc="-1" strike="noStrike">
+              <a:solidFill>
+                <a:srgbClr val="000000"/>
+              </a:solidFill>
+              <a:uFill>
+                <a:solidFill>
+                  <a:srgbClr val="ffffff"/>
+                </a:solidFill>
+              </a:uFill>
+              <a:latin typeface="Arial"/>
+            </a:endParaRPr>
+          </a:p>
+        </p:txBody>
+      </p:sp>
+      <p:sp>
+        <p:nvSpPr>
+          <p:cNvPr id="108" name="PlaceHolder 4"/>
+          <p:cNvSpPr>
+            <a:spLocks noGrp="1"/>
+          </p:cNvSpPr>
+          <p:nvPr>
+            <p:ph type="body"/>
+          </p:nvPr>
+        </p:nvSpPr>
+        <p:spPr>
+          <a:xfrm>
+            <a:off x="2514960" y="2595240"/>
+            <a:ext cx="1959480" cy="904320"/>
+          </a:xfrm>
+          <a:prstGeom prst="rect">
+            <a:avLst/>
+          </a:prstGeom>
+        </p:spPr>
+        <p:txBody>
+          <a:bodyPr lIns="0" rIns="0" tIns="0" bIns="0"/>
+          <a:p>
+            <a:endParaRPr b="0" lang="en-US" sz="3200" spc="-1" strike="noStrike">
+              <a:solidFill>
+                <a:srgbClr val="000000"/>
+              </a:solidFill>
+              <a:uFill>
+                <a:solidFill>
+                  <a:srgbClr val="ffffff"/>
+                </a:solidFill>
+              </a:uFill>
+              <a:latin typeface="Arial"/>
+            </a:endParaRPr>
+          </a:p>
+        </p:txBody>
+      </p:sp>
+      <p:sp>
+        <p:nvSpPr>
+          <p:cNvPr id="109" name="PlaceHolder 5"/>
+          <p:cNvSpPr>
+            <a:spLocks noGrp="1"/>
+          </p:cNvSpPr>
+          <p:nvPr>
+            <p:ph type="body"/>
+          </p:nvPr>
+        </p:nvSpPr>
+        <p:spPr>
+          <a:xfrm>
+            <a:off x="457200" y="2595240"/>
+            <a:ext cx="1959480" cy="904320"/>
+          </a:xfrm>
+          <a:prstGeom prst="rect">
+            <a:avLst/>
+          </a:prstGeom>
+        </p:spPr>
+        <p:txBody>
+          <a:bodyPr lIns="0" rIns="0" tIns="0" bIns="0"/>
+          <a:p>
+            <a:endParaRPr b="0" lang="en-US" sz="3200" spc="-1" strike="noStrike">
+              <a:solidFill>
+                <a:srgbClr val="000000"/>
+              </a:solidFill>
+              <a:uFill>
+                <a:solidFill>
+                  <a:srgbClr val="ffffff"/>
+                </a:solidFill>
+              </a:uFill>
+              <a:latin typeface="Arial"/>
+            </a:endParaRPr>
+          </a:p>
+        </p:txBody>
+      </p:sp>
+    </p:spTree>
+  </p:cSld>
+</p:sldLayout>
+</file>
+
+<file path=ppt/slideLayouts/slideLayout36.xml><?xml version="1.0" encoding="utf-8"?>
+<p:sldLayout xmlns:a="http://schemas.openxmlformats.org/drawingml/2006/main" xmlns:p="http://schemas.openxmlformats.org/presentationml/2006/main" xmlns:r="http://schemas.openxmlformats.org/officeDocument/2006/relationships" xmlns:p14="http://schemas.microsoft.com/office/powerpoint/2010/main" xmlns:p15="http://schemas.microsoft.com/office/powerpoint/2012/main" xmlns:mc="http://schemas.openxmlformats.org/markup-compatibility/2006" type="blank" preserve="1">
+  <p:cSld name="Title, 6 Content">
+    <p:spTree>
+      <p:nvGrpSpPr>
+        <p:cNvPr id="1" name=""/>
+        <p:cNvGrpSpPr/>
+        <p:nvPr/>
+      </p:nvGrpSpPr>
+      <p:grpSpPr>
+        <a:xfrm>
+          <a:off x="0" y="0"/>
+          <a:ext cx="0" cy="0"/>
+          <a:chOff x="0" y="0"/>
+          <a:chExt cx="0" cy="0"/>
+        </a:xfrm>
+      </p:grpSpPr>
+      <p:sp>
+        <p:nvSpPr>
+          <p:cNvPr id="110" name="PlaceHolder 1"/>
+          <p:cNvSpPr>
+            <a:spLocks noGrp="1"/>
+          </p:cNvSpPr>
+          <p:nvPr>
+            <p:ph type="title"/>
+          </p:nvPr>
+        </p:nvSpPr>
+        <p:spPr>
+          <a:xfrm>
+            <a:off x="457200" y="273600"/>
+            <a:ext cx="8228880" cy="1144440"/>
+          </a:xfrm>
+          <a:prstGeom prst="rect">
+            <a:avLst/>
+          </a:prstGeom>
+        </p:spPr>
+        <p:txBody>
+          <a:bodyPr lIns="0" rIns="0" tIns="0" bIns="0" anchor="ctr"/>
+          <a:p>
+            <a:pPr algn="ctr"/>
+            <a:endParaRPr b="0" lang="en-US" sz="4400" spc="-1" strike="noStrike">
+              <a:solidFill>
+                <a:srgbClr val="000000"/>
+              </a:solidFill>
+              <a:uFill>
+                <a:solidFill>
+                  <a:srgbClr val="ffffff"/>
+                </a:solidFill>
+              </a:uFill>
+              <a:latin typeface="Arial"/>
+            </a:endParaRPr>
+          </a:p>
+        </p:txBody>
+      </p:sp>
+      <p:sp>
+        <p:nvSpPr>
+          <p:cNvPr id="111" name="PlaceHolder 2"/>
+          <p:cNvSpPr>
+            <a:spLocks noGrp="1"/>
+          </p:cNvSpPr>
+          <p:nvPr>
+            <p:ph type="body"/>
+          </p:nvPr>
+        </p:nvSpPr>
+        <p:spPr>
+          <a:xfrm>
+            <a:off x="457200" y="1604520"/>
+            <a:ext cx="4015440" cy="1896480"/>
+          </a:xfrm>
+          <a:prstGeom prst="rect">
+            <a:avLst/>
+          </a:prstGeom>
+        </p:spPr>
+        <p:txBody>
+          <a:bodyPr lIns="0" rIns="0" tIns="0" bIns="0"/>
+          <a:p>
+            <a:endParaRPr b="0" lang="en-US" sz="3200" spc="-1" strike="noStrike">
+              <a:solidFill>
+                <a:srgbClr val="000000"/>
+              </a:solidFill>
+              <a:uFill>
+                <a:solidFill>
+                  <a:srgbClr val="ffffff"/>
+                </a:solidFill>
+              </a:uFill>
+              <a:latin typeface="Arial"/>
+            </a:endParaRPr>
+          </a:p>
+        </p:txBody>
+      </p:sp>
+      <p:sp>
+        <p:nvSpPr>
+          <p:cNvPr id="112" name="PlaceHolder 3"/>
+          <p:cNvSpPr>
+            <a:spLocks noGrp="1"/>
+          </p:cNvSpPr>
+          <p:nvPr>
+            <p:ph type="body"/>
+          </p:nvPr>
+        </p:nvSpPr>
+        <p:spPr>
+          <a:xfrm>
+            <a:off x="457200" y="1604520"/>
+            <a:ext cx="4015440" cy="1896480"/>
+          </a:xfrm>
+          <a:prstGeom prst="rect">
+            <a:avLst/>
+          </a:prstGeom>
+        </p:spPr>
+        <p:txBody>
+          <a:bodyPr lIns="0" rIns="0" tIns="0" bIns="0"/>
+          <a:p>
+            <a:endParaRPr b="0" lang="en-US" sz="3200" spc="-1" strike="noStrike">
+              <a:solidFill>
+                <a:srgbClr val="000000"/>
+              </a:solidFill>
+              <a:uFill>
+                <a:solidFill>
+                  <a:srgbClr val="ffffff"/>
+                </a:solidFill>
+              </a:uFill>
+              <a:latin typeface="Arial"/>
+            </a:endParaRPr>
+          </a:p>
+        </p:txBody>
+      </p:sp>
+      <p:pic>
+        <p:nvPicPr>
+          <p:cNvPr id="113" name="" descr=""/>
+          <p:cNvPicPr/>
+          <p:nvPr/>
+        </p:nvPicPr>
+        <p:blipFill>
+          <a:blip r:embed="rId2"/>
+          <a:stretch/>
+        </p:blipFill>
+        <p:spPr>
+          <a:xfrm>
+            <a:off x="1276560" y="1604520"/>
+            <a:ext cx="2376720" cy="1896480"/>
+          </a:xfrm>
+          <a:prstGeom prst="rect">
+            <a:avLst/>
+          </a:prstGeom>
+          <a:ln>
+            <a:noFill/>
+          </a:ln>
+        </p:spPr>
+      </p:pic>
+      <p:pic>
+        <p:nvPicPr>
+          <p:cNvPr id="114" name="" descr=""/>
+          <p:cNvPicPr/>
+          <p:nvPr/>
+        </p:nvPicPr>
+        <p:blipFill>
+          <a:blip r:embed="rId3"/>
+          <a:stretch/>
+        </p:blipFill>
+        <p:spPr>
+          <a:xfrm>
+            <a:off x="1276560" y="1604520"/>
+            <a:ext cx="2376720" cy="1896480"/>
+          </a:xfrm>
+          <a:prstGeom prst="rect">
+            <a:avLst/>
+          </a:prstGeom>
+          <a:ln>
+            <a:noFill/>
+          </a:ln>
+        </p:spPr>
+      </p:pic>
     </p:spTree>
   </p:cSld>
 </p:sldLayout>
@@ -2659,7 +4134,7 @@
         <p:spPr>
           <a:xfrm>
             <a:off x="457200" y="273600"/>
-            <a:ext cx="8229240" cy="1144800"/>
+            <a:ext cx="8228880" cy="1144440"/>
           </a:xfrm>
           <a:prstGeom prst="rect">
             <a:avLst/>
@@ -2696,7 +4171,7 @@
         <p:spPr>
           <a:xfrm>
             <a:off x="457200" y="1604520"/>
-            <a:ext cx="4015800" cy="3977280"/>
+            <a:ext cx="1959480" cy="1896480"/>
           </a:xfrm>
           <a:prstGeom prst="rect">
             <a:avLst/>
@@ -2731,8 +4206,8 @@
         </p:nvSpPr>
         <p:spPr>
           <a:xfrm>
-            <a:off x="4674240" y="1604520"/>
-            <a:ext cx="4015800" cy="3977280"/>
+            <a:off x="2514960" y="1604520"/>
+            <a:ext cx="1959480" cy="1896480"/>
           </a:xfrm>
           <a:prstGeom prst="rect">
             <a:avLst/>
@@ -2790,7 +4265,7 @@
         <p:spPr>
           <a:xfrm>
             <a:off x="457200" y="273600"/>
-            <a:ext cx="8229240" cy="1144800"/>
+            <a:ext cx="8228880" cy="1144440"/>
           </a:xfrm>
           <a:prstGeom prst="rect">
             <a:avLst/>
@@ -2849,7 +4324,7 @@
         <p:spPr>
           <a:xfrm>
             <a:off x="457200" y="273600"/>
-            <a:ext cx="8229240" cy="5307840"/>
+            <a:ext cx="8228880" cy="5306400"/>
           </a:xfrm>
           <a:prstGeom prst="rect">
             <a:avLst/>
@@ -2908,7 +4383,7 @@
         <p:spPr>
           <a:xfrm>
             <a:off x="457200" y="273600"/>
-            <a:ext cx="8229240" cy="1144800"/>
+            <a:ext cx="8228880" cy="1144440"/>
           </a:xfrm>
           <a:prstGeom prst="rect">
             <a:avLst/>
@@ -2945,7 +4420,7 @@
         <p:spPr>
           <a:xfrm>
             <a:off x="457200" y="1604520"/>
-            <a:ext cx="4015800" cy="1896840"/>
+            <a:ext cx="1959480" cy="904320"/>
           </a:xfrm>
           <a:prstGeom prst="rect">
             <a:avLst/>
@@ -2980,8 +4455,8 @@
         </p:nvSpPr>
         <p:spPr>
           <a:xfrm>
-            <a:off x="457200" y="3682080"/>
-            <a:ext cx="4015800" cy="1896840"/>
+            <a:off x="457200" y="2595240"/>
+            <a:ext cx="1959480" cy="904320"/>
           </a:xfrm>
           <a:prstGeom prst="rect">
             <a:avLst/>
@@ -3016,8 +4491,8 @@
         </p:nvSpPr>
         <p:spPr>
           <a:xfrm>
-            <a:off x="4674240" y="1604520"/>
-            <a:ext cx="4015800" cy="3977280"/>
+            <a:off x="2514960" y="1604520"/>
+            <a:ext cx="1959480" cy="1896480"/>
           </a:xfrm>
           <a:prstGeom prst="rect">
             <a:avLst/>
@@ -3075,7 +4550,7 @@
         <p:spPr>
           <a:xfrm>
             <a:off x="457200" y="273600"/>
-            <a:ext cx="8229240" cy="1144800"/>
+            <a:ext cx="8228880" cy="1144440"/>
           </a:xfrm>
           <a:prstGeom prst="rect">
             <a:avLst/>
@@ -3112,7 +4587,7 @@
         <p:spPr>
           <a:xfrm>
             <a:off x="457200" y="1604520"/>
-            <a:ext cx="4015800" cy="3977280"/>
+            <a:ext cx="1959480" cy="1896480"/>
           </a:xfrm>
           <a:prstGeom prst="rect">
             <a:avLst/>
@@ -3147,8 +4622,8 @@
         </p:nvSpPr>
         <p:spPr>
           <a:xfrm>
-            <a:off x="4674240" y="1604520"/>
-            <a:ext cx="4015800" cy="1896840"/>
+            <a:off x="2514960" y="1604520"/>
+            <a:ext cx="1959480" cy="904320"/>
           </a:xfrm>
           <a:prstGeom prst="rect">
             <a:avLst/>
@@ -3183,8 +4658,8 @@
         </p:nvSpPr>
         <p:spPr>
           <a:xfrm>
-            <a:off x="4674240" y="3682080"/>
-            <a:ext cx="4015800" cy="1896840"/>
+            <a:off x="2514960" y="2595240"/>
+            <a:ext cx="1959480" cy="904320"/>
           </a:xfrm>
           <a:prstGeom prst="rect">
             <a:avLst/>
@@ -3242,7 +4717,7 @@
         <p:spPr>
           <a:xfrm>
             <a:off x="457200" y="273600"/>
-            <a:ext cx="8229240" cy="1144800"/>
+            <a:ext cx="8228880" cy="1144440"/>
           </a:xfrm>
           <a:prstGeom prst="rect">
             <a:avLst/>
@@ -3279,7 +4754,7 @@
         <p:spPr>
           <a:xfrm>
             <a:off x="457200" y="1604520"/>
-            <a:ext cx="4015800" cy="1896840"/>
+            <a:ext cx="1959480" cy="904320"/>
           </a:xfrm>
           <a:prstGeom prst="rect">
             <a:avLst/>
@@ -3314,8 +4789,8 @@
         </p:nvSpPr>
         <p:spPr>
           <a:xfrm>
-            <a:off x="4674240" y="1604520"/>
-            <a:ext cx="4015800" cy="1896840"/>
+            <a:off x="2514960" y="1604520"/>
+            <a:ext cx="1959480" cy="904320"/>
           </a:xfrm>
           <a:prstGeom prst="rect">
             <a:avLst/>
@@ -3350,8 +4825,8 @@
         </p:nvSpPr>
         <p:spPr>
           <a:xfrm>
-            <a:off x="457200" y="3682080"/>
-            <a:ext cx="8229240" cy="1896840"/>
+            <a:off x="457200" y="2595240"/>
+            <a:ext cx="4015440" cy="904320"/>
           </a:xfrm>
           <a:prstGeom prst="rect">
             <a:avLst/>
@@ -3419,7 +4894,7 @@
         <p:spPr>
           <a:xfrm>
             <a:off x="-6480" y="0"/>
-            <a:ext cx="9155520" cy="6856920"/>
+            <a:ext cx="9155160" cy="6856560"/>
           </a:xfrm>
           <a:prstGeom prst="rect">
             <a:avLst/>
@@ -3442,7 +4917,7 @@
         <p:spPr>
           <a:xfrm>
             <a:off x="-6480" y="0"/>
-            <a:ext cx="9155520" cy="6856920"/>
+            <a:ext cx="9155160" cy="6856560"/>
           </a:xfrm>
           <a:prstGeom prst="rect">
             <a:avLst/>
@@ -3465,7 +4940,7 @@
         <p:spPr>
           <a:xfrm>
             <a:off x="-12600" y="0"/>
-            <a:ext cx="9155520" cy="6856920"/>
+            <a:ext cx="9155160" cy="6856560"/>
           </a:xfrm>
           <a:prstGeom prst="rect">
             <a:avLst/>
@@ -3488,7 +4963,7 @@
         <p:spPr>
           <a:xfrm>
             <a:off x="457200" y="273600"/>
-            <a:ext cx="8228880" cy="1144440"/>
+            <a:ext cx="8229240" cy="1144800"/>
           </a:xfrm>
           <a:prstGeom prst="rect">
             <a:avLst/>
@@ -3498,6 +4973,20 @@
           <a:bodyPr lIns="0" rIns="0" tIns="0" bIns="0" anchor="ctr"/>
           <a:p>
             <a:pPr algn="ctr"/>
+            <a:r>
+              <a:rPr b="0" lang="en-US" sz="4400" spc="-1" strike="noStrike">
+                <a:solidFill>
+                  <a:srgbClr val="000000"/>
+                </a:solidFill>
+                <a:uFill>
+                  <a:solidFill>
+                    <a:srgbClr val="ffffff"/>
+                  </a:solidFill>
+                </a:uFill>
+                <a:latin typeface="Arial"/>
+              </a:rPr>
+              <a:t>Click to edit the title text format</a:t>
+            </a:r>
             <a:endParaRPr b="0" lang="en-US" sz="4400" spc="-1" strike="noStrike">
               <a:solidFill>
                 <a:srgbClr val="000000"/>
@@ -3525,7 +5014,7 @@
         <p:spPr>
           <a:xfrm>
             <a:off x="457200" y="1604520"/>
-            <a:ext cx="8228880" cy="3976920"/>
+            <a:ext cx="8229240" cy="3977280"/>
           </a:xfrm>
           <a:prstGeom prst="rect">
             <a:avLst/>
@@ -3543,7 +5032,7 @@
               <a:buChar char=""/>
             </a:pPr>
             <a:r>
-              <a:rPr b="0" lang="en-US" sz="1800" spc="-1" strike="noStrike">
+              <a:rPr b="0" lang="en-US" sz="3200" spc="-1" strike="noStrike">
                 <a:solidFill>
                   <a:srgbClr val="000000"/>
                 </a:solidFill>
@@ -3556,7 +5045,7 @@
               </a:rPr>
               <a:t>Click to edit the outline text format</a:t>
             </a:r>
-            <a:endParaRPr b="0" lang="en-US" sz="1800" spc="-1" strike="noStrike">
+            <a:endParaRPr b="0" lang="en-US" sz="3200" spc="-1" strike="noStrike">
               <a:solidFill>
                 <a:srgbClr val="000000"/>
               </a:solidFill>
@@ -3578,7 +5067,7 @@
               <a:buChar char=""/>
             </a:pPr>
             <a:r>
-              <a:rPr b="0" lang="en-US" sz="1800" spc="-1" strike="noStrike">
+              <a:rPr b="0" lang="en-US" sz="2800" spc="-1" strike="noStrike">
                 <a:solidFill>
                   <a:srgbClr val="000000"/>
                 </a:solidFill>
@@ -3591,7 +5080,7 @@
               </a:rPr>
               <a:t>Second Outline Level</a:t>
             </a:r>
-            <a:endParaRPr b="0" lang="en-US" sz="1800" spc="-1" strike="noStrike">
+            <a:endParaRPr b="0" lang="en-US" sz="2800" spc="-1" strike="noStrike">
               <a:solidFill>
                 <a:srgbClr val="000000"/>
               </a:solidFill>
@@ -3613,7 +5102,7 @@
               <a:buChar char=""/>
             </a:pPr>
             <a:r>
-              <a:rPr b="0" lang="en-US" sz="1800" spc="-1" strike="noStrike">
+              <a:rPr b="0" lang="en-US" sz="2400" spc="-1" strike="noStrike">
                 <a:solidFill>
                   <a:srgbClr val="000000"/>
                 </a:solidFill>
@@ -3626,7 +5115,7 @@
               </a:rPr>
               <a:t>Third Outline Level</a:t>
             </a:r>
-            <a:endParaRPr b="0" lang="en-US" sz="1800" spc="-1" strike="noStrike">
+            <a:endParaRPr b="0" lang="en-US" sz="2400" spc="-1" strike="noStrike">
               <a:solidFill>
                 <a:srgbClr val="000000"/>
               </a:solidFill>
@@ -3648,7 +5137,7 @@
               <a:buChar char=""/>
             </a:pPr>
             <a:r>
-              <a:rPr b="0" lang="en-US" sz="1800" spc="-1" strike="noStrike">
+              <a:rPr b="0" lang="en-US" sz="2000" spc="-1" strike="noStrike">
                 <a:solidFill>
                   <a:srgbClr val="000000"/>
                 </a:solidFill>
@@ -3661,7 +5150,7 @@
               </a:rPr>
               <a:t>Fourth Outline Level</a:t>
             </a:r>
-            <a:endParaRPr b="0" lang="en-US" sz="1800" spc="-1" strike="noStrike">
+            <a:endParaRPr b="0" lang="en-US" sz="2000" spc="-1" strike="noStrike">
               <a:solidFill>
                 <a:srgbClr val="000000"/>
               </a:solidFill>
@@ -3683,7 +5172,7 @@
               <a:buChar char=""/>
             </a:pPr>
             <a:r>
-              <a:rPr b="0" lang="en-US" sz="1800" spc="-1" strike="noStrike">
+              <a:rPr b="0" lang="en-US" sz="2000" spc="-1" strike="noStrike">
                 <a:solidFill>
                   <a:srgbClr val="000000"/>
                 </a:solidFill>
@@ -3696,7 +5185,7 @@
               </a:rPr>
               <a:t>Fifth Outline Level</a:t>
             </a:r>
-            <a:endParaRPr b="0" lang="en-US" sz="1800" spc="-1" strike="noStrike">
+            <a:endParaRPr b="0" lang="en-US" sz="2000" spc="-1" strike="noStrike">
               <a:solidFill>
                 <a:srgbClr val="000000"/>
               </a:solidFill>
@@ -3718,7 +5207,7 @@
               <a:buChar char=""/>
             </a:pPr>
             <a:r>
-              <a:rPr b="0" lang="en-US" sz="1800" spc="-1" strike="noStrike">
+              <a:rPr b="0" lang="en-US" sz="2000" spc="-1" strike="noStrike">
                 <a:solidFill>
                   <a:srgbClr val="000000"/>
                 </a:solidFill>
@@ -3731,7 +5220,7 @@
               </a:rPr>
               <a:t>Sixth Outline Level</a:t>
             </a:r>
-            <a:endParaRPr b="0" lang="en-US" sz="1800" spc="-1" strike="noStrike">
+            <a:endParaRPr b="0" lang="en-US" sz="2000" spc="-1" strike="noStrike">
               <a:solidFill>
                 <a:srgbClr val="000000"/>
               </a:solidFill>
@@ -3753,7 +5242,7 @@
               <a:buChar char=""/>
             </a:pPr>
             <a:r>
-              <a:rPr b="0" lang="en-US" sz="1800" spc="-1" strike="noStrike">
+              <a:rPr b="0" lang="en-US" sz="2000" spc="-1" strike="noStrike">
                 <a:solidFill>
                   <a:srgbClr val="000000"/>
                 </a:solidFill>
@@ -3766,7 +5255,7 @@
               </a:rPr>
               <a:t>Seventh Outline Level</a:t>
             </a:r>
-            <a:endParaRPr b="0" lang="en-US" sz="1800" spc="-1" strike="noStrike">
+            <a:endParaRPr b="0" lang="en-US" sz="2000" spc="-1" strike="noStrike">
               <a:solidFill>
                 <a:srgbClr val="000000"/>
               </a:solidFill>
@@ -4200,6 +5689,928 @@
 </p:sldMaster>
 </file>
 
+<file path=ppt/slideMasters/slideMaster3.xml><?xml version="1.0" encoding="utf-8"?>
+<p:sldMaster xmlns:a="http://schemas.openxmlformats.org/drawingml/2006/main" xmlns:p="http://schemas.openxmlformats.org/presentationml/2006/main" xmlns:r="http://schemas.openxmlformats.org/officeDocument/2006/relationships" xmlns:p14="http://schemas.microsoft.com/office/powerpoint/2010/main" xmlns:p15="http://schemas.microsoft.com/office/powerpoint/2012/main" xmlns:mc="http://schemas.openxmlformats.org/markup-compatibility/2006">
+  <p:cSld>
+    <p:bg>
+      <p:bgPr>
+        <a:blipFill>
+          <a:blip r:embed="rId2"/>
+          <a:stretch>
+            <a:fillRect/>
+          </a:stretch>
+        </a:blipFill>
+      </p:bgPr>
+    </p:bg>
+    <p:spTree>
+      <p:nvGrpSpPr>
+        <p:cNvPr id="1" name=""/>
+        <p:cNvGrpSpPr/>
+        <p:nvPr/>
+      </p:nvGrpSpPr>
+      <p:grpSpPr>
+        <a:xfrm>
+          <a:off x="0" y="0"/>
+          <a:ext cx="0" cy="0"/>
+          <a:chOff x="0" y="0"/>
+          <a:chExt cx="0" cy="0"/>
+        </a:xfrm>
+      </p:grpSpPr>
+      <p:sp>
+        <p:nvSpPr>
+          <p:cNvPr id="76" name="Line 1"/>
+          <p:cNvSpPr/>
+          <p:nvPr/>
+        </p:nvSpPr>
+        <p:spPr>
+          <a:xfrm>
+            <a:off x="214200" y="1071360"/>
+            <a:ext cx="7929360" cy="1440"/>
+          </a:xfrm>
+          <a:prstGeom prst="line">
+            <a:avLst/>
+          </a:prstGeom>
+          <a:ln w="19080">
+            <a:solidFill>
+              <a:srgbClr val="002060"/>
+            </a:solidFill>
+            <a:round/>
+          </a:ln>
+        </p:spPr>
+        <p:style>
+          <a:lnRef idx="1">
+            <a:schemeClr val="accent1"/>
+          </a:lnRef>
+          <a:fillRef idx="0">
+            <a:schemeClr val="accent1"/>
+          </a:fillRef>
+          <a:effectRef idx="0">
+            <a:schemeClr val="accent1"/>
+          </a:effectRef>
+          <a:fontRef idx="minor"/>
+        </p:style>
+      </p:sp>
+      <p:sp>
+        <p:nvSpPr>
+          <p:cNvPr id="77" name="PlaceHolder 2"/>
+          <p:cNvSpPr>
+            <a:spLocks noGrp="1"/>
+          </p:cNvSpPr>
+          <p:nvPr>
+            <p:ph type="title"/>
+          </p:nvPr>
+        </p:nvSpPr>
+        <p:spPr>
+          <a:xfrm>
+            <a:off x="457200" y="273600"/>
+            <a:ext cx="8228880" cy="1144440"/>
+          </a:xfrm>
+          <a:prstGeom prst="rect">
+            <a:avLst/>
+          </a:prstGeom>
+        </p:spPr>
+        <p:txBody>
+          <a:bodyPr lIns="0" rIns="0" tIns="0" bIns="0" anchor="ctr"/>
+          <a:p>
+            <a:pPr algn="ctr"/>
+            <a:endParaRPr b="0" lang="en-US" sz="4400" spc="-1" strike="noStrike">
+              <a:solidFill>
+                <a:srgbClr val="000000"/>
+              </a:solidFill>
+              <a:uFill>
+                <a:solidFill>
+                  <a:srgbClr val="ffffff"/>
+                </a:solidFill>
+              </a:uFill>
+              <a:latin typeface="Arial"/>
+            </a:endParaRPr>
+          </a:p>
+        </p:txBody>
+      </p:sp>
+      <p:sp>
+        <p:nvSpPr>
+          <p:cNvPr id="78" name="PlaceHolder 3"/>
+          <p:cNvSpPr>
+            <a:spLocks noGrp="1"/>
+          </p:cNvSpPr>
+          <p:nvPr>
+            <p:ph type="body"/>
+          </p:nvPr>
+        </p:nvSpPr>
+        <p:spPr>
+          <a:xfrm>
+            <a:off x="457200" y="1604520"/>
+            <a:ext cx="4015440" cy="1896480"/>
+          </a:xfrm>
+          <a:prstGeom prst="rect">
+            <a:avLst/>
+          </a:prstGeom>
+        </p:spPr>
+        <p:txBody>
+          <a:bodyPr lIns="0" rIns="0" tIns="0" bIns="0"/>
+          <a:p>
+            <a:pPr marL="432000" indent="-324000">
+              <a:buClr>
+                <a:srgbClr val="000000"/>
+              </a:buClr>
+              <a:buSzPct val="45000"/>
+              <a:buFont typeface="Wingdings" charset="2"/>
+              <a:buChar char=""/>
+            </a:pPr>
+            <a:r>
+              <a:rPr b="0" lang="en-US" sz="1800" spc="-1" strike="noStrike">
+                <a:solidFill>
+                  <a:srgbClr val="000000"/>
+                </a:solidFill>
+                <a:uFill>
+                  <a:solidFill>
+                    <a:srgbClr val="ffffff"/>
+                  </a:solidFill>
+                </a:uFill>
+                <a:latin typeface="Arial"/>
+              </a:rPr>
+              <a:t>Click to edit the outline text format</a:t>
+            </a:r>
+            <a:endParaRPr b="0" lang="en-US" sz="1800" spc="-1" strike="noStrike">
+              <a:solidFill>
+                <a:srgbClr val="000000"/>
+              </a:solidFill>
+              <a:uFill>
+                <a:solidFill>
+                  <a:srgbClr val="ffffff"/>
+                </a:solidFill>
+              </a:uFill>
+              <a:latin typeface="Arial"/>
+            </a:endParaRPr>
+          </a:p>
+          <a:p>
+            <a:pPr lvl="1" marL="864000" indent="-324000">
+              <a:buClr>
+                <a:srgbClr val="000000"/>
+              </a:buClr>
+              <a:buSzPct val="75000"/>
+              <a:buFont typeface="Symbol" charset="2"/>
+              <a:buChar char=""/>
+            </a:pPr>
+            <a:r>
+              <a:rPr b="0" lang="en-US" sz="1800" spc="-1" strike="noStrike">
+                <a:solidFill>
+                  <a:srgbClr val="000000"/>
+                </a:solidFill>
+                <a:uFill>
+                  <a:solidFill>
+                    <a:srgbClr val="ffffff"/>
+                  </a:solidFill>
+                </a:uFill>
+                <a:latin typeface="Arial"/>
+              </a:rPr>
+              <a:t>Second Outline Level</a:t>
+            </a:r>
+            <a:endParaRPr b="0" lang="en-US" sz="1800" spc="-1" strike="noStrike">
+              <a:solidFill>
+                <a:srgbClr val="000000"/>
+              </a:solidFill>
+              <a:uFill>
+                <a:solidFill>
+                  <a:srgbClr val="ffffff"/>
+                </a:solidFill>
+              </a:uFill>
+              <a:latin typeface="Arial"/>
+            </a:endParaRPr>
+          </a:p>
+          <a:p>
+            <a:pPr lvl="2" marL="1296000" indent="-288000">
+              <a:buClr>
+                <a:srgbClr val="000000"/>
+              </a:buClr>
+              <a:buSzPct val="45000"/>
+              <a:buFont typeface="Wingdings" charset="2"/>
+              <a:buChar char=""/>
+            </a:pPr>
+            <a:r>
+              <a:rPr b="0" lang="en-US" sz="1800" spc="-1" strike="noStrike">
+                <a:solidFill>
+                  <a:srgbClr val="000000"/>
+                </a:solidFill>
+                <a:uFill>
+                  <a:solidFill>
+                    <a:srgbClr val="ffffff"/>
+                  </a:solidFill>
+                </a:uFill>
+                <a:latin typeface="Arial"/>
+              </a:rPr>
+              <a:t>Third Outline Level</a:t>
+            </a:r>
+            <a:endParaRPr b="0" lang="en-US" sz="1800" spc="-1" strike="noStrike">
+              <a:solidFill>
+                <a:srgbClr val="000000"/>
+              </a:solidFill>
+              <a:uFill>
+                <a:solidFill>
+                  <a:srgbClr val="ffffff"/>
+                </a:solidFill>
+              </a:uFill>
+              <a:latin typeface="Arial"/>
+            </a:endParaRPr>
+          </a:p>
+          <a:p>
+            <a:pPr lvl="3" marL="1728000" indent="-216000">
+              <a:buClr>
+                <a:srgbClr val="000000"/>
+              </a:buClr>
+              <a:buSzPct val="75000"/>
+              <a:buFont typeface="Symbol" charset="2"/>
+              <a:buChar char=""/>
+            </a:pPr>
+            <a:r>
+              <a:rPr b="0" lang="en-US" sz="1800" spc="-1" strike="noStrike">
+                <a:solidFill>
+                  <a:srgbClr val="000000"/>
+                </a:solidFill>
+                <a:uFill>
+                  <a:solidFill>
+                    <a:srgbClr val="ffffff"/>
+                  </a:solidFill>
+                </a:uFill>
+                <a:latin typeface="Arial"/>
+              </a:rPr>
+              <a:t>Fourth Outline Level</a:t>
+            </a:r>
+            <a:endParaRPr b="0" lang="en-US" sz="1800" spc="-1" strike="noStrike">
+              <a:solidFill>
+                <a:srgbClr val="000000"/>
+              </a:solidFill>
+              <a:uFill>
+                <a:solidFill>
+                  <a:srgbClr val="ffffff"/>
+                </a:solidFill>
+              </a:uFill>
+              <a:latin typeface="Arial"/>
+            </a:endParaRPr>
+          </a:p>
+          <a:p>
+            <a:pPr lvl="4" marL="2160000" indent="-216000">
+              <a:buClr>
+                <a:srgbClr val="000000"/>
+              </a:buClr>
+              <a:buSzPct val="45000"/>
+              <a:buFont typeface="Wingdings" charset="2"/>
+              <a:buChar char=""/>
+            </a:pPr>
+            <a:r>
+              <a:rPr b="0" lang="en-US" sz="1800" spc="-1" strike="noStrike">
+                <a:solidFill>
+                  <a:srgbClr val="000000"/>
+                </a:solidFill>
+                <a:uFill>
+                  <a:solidFill>
+                    <a:srgbClr val="ffffff"/>
+                  </a:solidFill>
+                </a:uFill>
+                <a:latin typeface="Arial"/>
+              </a:rPr>
+              <a:t>Fifth Outline Level</a:t>
+            </a:r>
+            <a:endParaRPr b="0" lang="en-US" sz="1800" spc="-1" strike="noStrike">
+              <a:solidFill>
+                <a:srgbClr val="000000"/>
+              </a:solidFill>
+              <a:uFill>
+                <a:solidFill>
+                  <a:srgbClr val="ffffff"/>
+                </a:solidFill>
+              </a:uFill>
+              <a:latin typeface="Arial"/>
+            </a:endParaRPr>
+          </a:p>
+          <a:p>
+            <a:pPr lvl="5" marL="2592000" indent="-216000">
+              <a:buClr>
+                <a:srgbClr val="000000"/>
+              </a:buClr>
+              <a:buSzPct val="45000"/>
+              <a:buFont typeface="Wingdings" charset="2"/>
+              <a:buChar char=""/>
+            </a:pPr>
+            <a:r>
+              <a:rPr b="0" lang="en-US" sz="1800" spc="-1" strike="noStrike">
+                <a:solidFill>
+                  <a:srgbClr val="000000"/>
+                </a:solidFill>
+                <a:uFill>
+                  <a:solidFill>
+                    <a:srgbClr val="ffffff"/>
+                  </a:solidFill>
+                </a:uFill>
+                <a:latin typeface="Arial"/>
+              </a:rPr>
+              <a:t>Sixth Outline Level</a:t>
+            </a:r>
+            <a:endParaRPr b="0" lang="en-US" sz="1800" spc="-1" strike="noStrike">
+              <a:solidFill>
+                <a:srgbClr val="000000"/>
+              </a:solidFill>
+              <a:uFill>
+                <a:solidFill>
+                  <a:srgbClr val="ffffff"/>
+                </a:solidFill>
+              </a:uFill>
+              <a:latin typeface="Arial"/>
+            </a:endParaRPr>
+          </a:p>
+          <a:p>
+            <a:pPr lvl="6" marL="3024000" indent="-216000">
+              <a:buClr>
+                <a:srgbClr val="000000"/>
+              </a:buClr>
+              <a:buSzPct val="45000"/>
+              <a:buFont typeface="Wingdings" charset="2"/>
+              <a:buChar char=""/>
+            </a:pPr>
+            <a:r>
+              <a:rPr b="0" lang="en-US" sz="1800" spc="-1" strike="noStrike">
+                <a:solidFill>
+                  <a:srgbClr val="000000"/>
+                </a:solidFill>
+                <a:uFill>
+                  <a:solidFill>
+                    <a:srgbClr val="ffffff"/>
+                  </a:solidFill>
+                </a:uFill>
+                <a:latin typeface="Arial"/>
+              </a:rPr>
+              <a:t>Seventh Outline Level</a:t>
+            </a:r>
+            <a:endParaRPr b="0" lang="en-US" sz="1800" spc="-1" strike="noStrike">
+              <a:solidFill>
+                <a:srgbClr val="000000"/>
+              </a:solidFill>
+              <a:uFill>
+                <a:solidFill>
+                  <a:srgbClr val="ffffff"/>
+                </a:solidFill>
+              </a:uFill>
+              <a:latin typeface="Arial"/>
+            </a:endParaRPr>
+          </a:p>
+        </p:txBody>
+      </p:sp>
+      <p:sp>
+        <p:nvSpPr>
+          <p:cNvPr id="79" name="PlaceHolder 4"/>
+          <p:cNvSpPr>
+            <a:spLocks noGrp="1"/>
+          </p:cNvSpPr>
+          <p:nvPr>
+            <p:ph type="body"/>
+          </p:nvPr>
+        </p:nvSpPr>
+        <p:spPr>
+          <a:xfrm>
+            <a:off x="4674240" y="1604520"/>
+            <a:ext cx="4015440" cy="1896480"/>
+          </a:xfrm>
+          <a:prstGeom prst="rect">
+            <a:avLst/>
+          </a:prstGeom>
+        </p:spPr>
+        <p:txBody>
+          <a:bodyPr lIns="0" rIns="0" tIns="0" bIns="0"/>
+          <a:p>
+            <a:pPr marL="432000" indent="-324000">
+              <a:buClr>
+                <a:srgbClr val="000000"/>
+              </a:buClr>
+              <a:buSzPct val="45000"/>
+              <a:buFont typeface="Wingdings" charset="2"/>
+              <a:buChar char=""/>
+            </a:pPr>
+            <a:r>
+              <a:rPr b="0" lang="en-US" sz="1800" spc="-1" strike="noStrike">
+                <a:solidFill>
+                  <a:srgbClr val="000000"/>
+                </a:solidFill>
+                <a:uFill>
+                  <a:solidFill>
+                    <a:srgbClr val="ffffff"/>
+                  </a:solidFill>
+                </a:uFill>
+                <a:latin typeface="Arial"/>
+              </a:rPr>
+              <a:t>Click to edit the outline text format</a:t>
+            </a:r>
+            <a:endParaRPr b="0" lang="en-US" sz="1800" spc="-1" strike="noStrike">
+              <a:solidFill>
+                <a:srgbClr val="000000"/>
+              </a:solidFill>
+              <a:uFill>
+                <a:solidFill>
+                  <a:srgbClr val="ffffff"/>
+                </a:solidFill>
+              </a:uFill>
+              <a:latin typeface="Arial"/>
+            </a:endParaRPr>
+          </a:p>
+          <a:p>
+            <a:pPr lvl="1" marL="864000" indent="-324000">
+              <a:buClr>
+                <a:srgbClr val="000000"/>
+              </a:buClr>
+              <a:buSzPct val="75000"/>
+              <a:buFont typeface="Symbol" charset="2"/>
+              <a:buChar char=""/>
+            </a:pPr>
+            <a:r>
+              <a:rPr b="0" lang="en-US" sz="1800" spc="-1" strike="noStrike">
+                <a:solidFill>
+                  <a:srgbClr val="000000"/>
+                </a:solidFill>
+                <a:uFill>
+                  <a:solidFill>
+                    <a:srgbClr val="ffffff"/>
+                  </a:solidFill>
+                </a:uFill>
+                <a:latin typeface="Arial"/>
+              </a:rPr>
+              <a:t>Second Outline Level</a:t>
+            </a:r>
+            <a:endParaRPr b="0" lang="en-US" sz="1800" spc="-1" strike="noStrike">
+              <a:solidFill>
+                <a:srgbClr val="000000"/>
+              </a:solidFill>
+              <a:uFill>
+                <a:solidFill>
+                  <a:srgbClr val="ffffff"/>
+                </a:solidFill>
+              </a:uFill>
+              <a:latin typeface="Arial"/>
+            </a:endParaRPr>
+          </a:p>
+          <a:p>
+            <a:pPr lvl="2" marL="1296000" indent="-288000">
+              <a:buClr>
+                <a:srgbClr val="000000"/>
+              </a:buClr>
+              <a:buSzPct val="45000"/>
+              <a:buFont typeface="Wingdings" charset="2"/>
+              <a:buChar char=""/>
+            </a:pPr>
+            <a:r>
+              <a:rPr b="0" lang="en-US" sz="1800" spc="-1" strike="noStrike">
+                <a:solidFill>
+                  <a:srgbClr val="000000"/>
+                </a:solidFill>
+                <a:uFill>
+                  <a:solidFill>
+                    <a:srgbClr val="ffffff"/>
+                  </a:solidFill>
+                </a:uFill>
+                <a:latin typeface="Arial"/>
+              </a:rPr>
+              <a:t>Third Outline Level</a:t>
+            </a:r>
+            <a:endParaRPr b="0" lang="en-US" sz="1800" spc="-1" strike="noStrike">
+              <a:solidFill>
+                <a:srgbClr val="000000"/>
+              </a:solidFill>
+              <a:uFill>
+                <a:solidFill>
+                  <a:srgbClr val="ffffff"/>
+                </a:solidFill>
+              </a:uFill>
+              <a:latin typeface="Arial"/>
+            </a:endParaRPr>
+          </a:p>
+          <a:p>
+            <a:pPr lvl="3" marL="1728000" indent="-216000">
+              <a:buClr>
+                <a:srgbClr val="000000"/>
+              </a:buClr>
+              <a:buSzPct val="75000"/>
+              <a:buFont typeface="Symbol" charset="2"/>
+              <a:buChar char=""/>
+            </a:pPr>
+            <a:r>
+              <a:rPr b="0" lang="en-US" sz="1800" spc="-1" strike="noStrike">
+                <a:solidFill>
+                  <a:srgbClr val="000000"/>
+                </a:solidFill>
+                <a:uFill>
+                  <a:solidFill>
+                    <a:srgbClr val="ffffff"/>
+                  </a:solidFill>
+                </a:uFill>
+                <a:latin typeface="Arial"/>
+              </a:rPr>
+              <a:t>Fourth Outline Level</a:t>
+            </a:r>
+            <a:endParaRPr b="0" lang="en-US" sz="1800" spc="-1" strike="noStrike">
+              <a:solidFill>
+                <a:srgbClr val="000000"/>
+              </a:solidFill>
+              <a:uFill>
+                <a:solidFill>
+                  <a:srgbClr val="ffffff"/>
+                </a:solidFill>
+              </a:uFill>
+              <a:latin typeface="Arial"/>
+            </a:endParaRPr>
+          </a:p>
+          <a:p>
+            <a:pPr lvl="4" marL="2160000" indent="-216000">
+              <a:buClr>
+                <a:srgbClr val="000000"/>
+              </a:buClr>
+              <a:buSzPct val="45000"/>
+              <a:buFont typeface="Wingdings" charset="2"/>
+              <a:buChar char=""/>
+            </a:pPr>
+            <a:r>
+              <a:rPr b="0" lang="en-US" sz="1800" spc="-1" strike="noStrike">
+                <a:solidFill>
+                  <a:srgbClr val="000000"/>
+                </a:solidFill>
+                <a:uFill>
+                  <a:solidFill>
+                    <a:srgbClr val="ffffff"/>
+                  </a:solidFill>
+                </a:uFill>
+                <a:latin typeface="Arial"/>
+              </a:rPr>
+              <a:t>Fifth Outline Level</a:t>
+            </a:r>
+            <a:endParaRPr b="0" lang="en-US" sz="1800" spc="-1" strike="noStrike">
+              <a:solidFill>
+                <a:srgbClr val="000000"/>
+              </a:solidFill>
+              <a:uFill>
+                <a:solidFill>
+                  <a:srgbClr val="ffffff"/>
+                </a:solidFill>
+              </a:uFill>
+              <a:latin typeface="Arial"/>
+            </a:endParaRPr>
+          </a:p>
+          <a:p>
+            <a:pPr lvl="5" marL="2592000" indent="-216000">
+              <a:buClr>
+                <a:srgbClr val="000000"/>
+              </a:buClr>
+              <a:buSzPct val="45000"/>
+              <a:buFont typeface="Wingdings" charset="2"/>
+              <a:buChar char=""/>
+            </a:pPr>
+            <a:r>
+              <a:rPr b="0" lang="en-US" sz="1800" spc="-1" strike="noStrike">
+                <a:solidFill>
+                  <a:srgbClr val="000000"/>
+                </a:solidFill>
+                <a:uFill>
+                  <a:solidFill>
+                    <a:srgbClr val="ffffff"/>
+                  </a:solidFill>
+                </a:uFill>
+                <a:latin typeface="Arial"/>
+              </a:rPr>
+              <a:t>Sixth Outline Level</a:t>
+            </a:r>
+            <a:endParaRPr b="0" lang="en-US" sz="1800" spc="-1" strike="noStrike">
+              <a:solidFill>
+                <a:srgbClr val="000000"/>
+              </a:solidFill>
+              <a:uFill>
+                <a:solidFill>
+                  <a:srgbClr val="ffffff"/>
+                </a:solidFill>
+              </a:uFill>
+              <a:latin typeface="Arial"/>
+            </a:endParaRPr>
+          </a:p>
+          <a:p>
+            <a:pPr lvl="6" marL="3024000" indent="-216000">
+              <a:buClr>
+                <a:srgbClr val="000000"/>
+              </a:buClr>
+              <a:buSzPct val="45000"/>
+              <a:buFont typeface="Wingdings" charset="2"/>
+              <a:buChar char=""/>
+            </a:pPr>
+            <a:r>
+              <a:rPr b="0" lang="en-US" sz="1800" spc="-1" strike="noStrike">
+                <a:solidFill>
+                  <a:srgbClr val="000000"/>
+                </a:solidFill>
+                <a:uFill>
+                  <a:solidFill>
+                    <a:srgbClr val="ffffff"/>
+                  </a:solidFill>
+                </a:uFill>
+                <a:latin typeface="Arial"/>
+              </a:rPr>
+              <a:t>Seventh Outline Level</a:t>
+            </a:r>
+            <a:endParaRPr b="0" lang="en-US" sz="1800" spc="-1" strike="noStrike">
+              <a:solidFill>
+                <a:srgbClr val="000000"/>
+              </a:solidFill>
+              <a:uFill>
+                <a:solidFill>
+                  <a:srgbClr val="ffffff"/>
+                </a:solidFill>
+              </a:uFill>
+              <a:latin typeface="Arial"/>
+            </a:endParaRPr>
+          </a:p>
+        </p:txBody>
+      </p:sp>
+      <p:sp>
+        <p:nvSpPr>
+          <p:cNvPr id="80" name="PlaceHolder 5"/>
+          <p:cNvSpPr>
+            <a:spLocks noGrp="1"/>
+          </p:cNvSpPr>
+          <p:nvPr>
+            <p:ph type="body"/>
+          </p:nvPr>
+        </p:nvSpPr>
+        <p:spPr>
+          <a:xfrm>
+            <a:off x="457200" y="3682080"/>
+            <a:ext cx="8228880" cy="1896480"/>
+          </a:xfrm>
+          <a:prstGeom prst="rect">
+            <a:avLst/>
+          </a:prstGeom>
+        </p:spPr>
+        <p:txBody>
+          <a:bodyPr lIns="0" rIns="0" tIns="0" bIns="0"/>
+          <a:p>
+            <a:pPr marL="432000" indent="-324000">
+              <a:buClr>
+                <a:srgbClr val="000000"/>
+              </a:buClr>
+              <a:buSzPct val="45000"/>
+              <a:buFont typeface="Wingdings" charset="2"/>
+              <a:buChar char=""/>
+            </a:pPr>
+            <a:r>
+              <a:rPr b="0" lang="en-US" sz="1800" spc="-1" strike="noStrike">
+                <a:solidFill>
+                  <a:srgbClr val="000000"/>
+                </a:solidFill>
+                <a:uFill>
+                  <a:solidFill>
+                    <a:srgbClr val="ffffff"/>
+                  </a:solidFill>
+                </a:uFill>
+                <a:latin typeface="Arial"/>
+              </a:rPr>
+              <a:t>Click to edit the outline text format</a:t>
+            </a:r>
+            <a:endParaRPr b="0" lang="en-US" sz="1800" spc="-1" strike="noStrike">
+              <a:solidFill>
+                <a:srgbClr val="000000"/>
+              </a:solidFill>
+              <a:uFill>
+                <a:solidFill>
+                  <a:srgbClr val="ffffff"/>
+                </a:solidFill>
+              </a:uFill>
+              <a:latin typeface="Arial"/>
+            </a:endParaRPr>
+          </a:p>
+          <a:p>
+            <a:pPr lvl="1" marL="864000" indent="-324000">
+              <a:buClr>
+                <a:srgbClr val="000000"/>
+              </a:buClr>
+              <a:buSzPct val="75000"/>
+              <a:buFont typeface="Symbol" charset="2"/>
+              <a:buChar char=""/>
+            </a:pPr>
+            <a:r>
+              <a:rPr b="0" lang="en-US" sz="1800" spc="-1" strike="noStrike">
+                <a:solidFill>
+                  <a:srgbClr val="000000"/>
+                </a:solidFill>
+                <a:uFill>
+                  <a:solidFill>
+                    <a:srgbClr val="ffffff"/>
+                  </a:solidFill>
+                </a:uFill>
+                <a:latin typeface="Arial"/>
+              </a:rPr>
+              <a:t>Second Outline Level</a:t>
+            </a:r>
+            <a:endParaRPr b="0" lang="en-US" sz="1800" spc="-1" strike="noStrike">
+              <a:solidFill>
+                <a:srgbClr val="000000"/>
+              </a:solidFill>
+              <a:uFill>
+                <a:solidFill>
+                  <a:srgbClr val="ffffff"/>
+                </a:solidFill>
+              </a:uFill>
+              <a:latin typeface="Arial"/>
+            </a:endParaRPr>
+          </a:p>
+          <a:p>
+            <a:pPr lvl="2" marL="1296000" indent="-288000">
+              <a:buClr>
+                <a:srgbClr val="000000"/>
+              </a:buClr>
+              <a:buSzPct val="45000"/>
+              <a:buFont typeface="Wingdings" charset="2"/>
+              <a:buChar char=""/>
+            </a:pPr>
+            <a:r>
+              <a:rPr b="0" lang="en-US" sz="1800" spc="-1" strike="noStrike">
+                <a:solidFill>
+                  <a:srgbClr val="000000"/>
+                </a:solidFill>
+                <a:uFill>
+                  <a:solidFill>
+                    <a:srgbClr val="ffffff"/>
+                  </a:solidFill>
+                </a:uFill>
+                <a:latin typeface="Arial"/>
+              </a:rPr>
+              <a:t>Third Outline Level</a:t>
+            </a:r>
+            <a:endParaRPr b="0" lang="en-US" sz="1800" spc="-1" strike="noStrike">
+              <a:solidFill>
+                <a:srgbClr val="000000"/>
+              </a:solidFill>
+              <a:uFill>
+                <a:solidFill>
+                  <a:srgbClr val="ffffff"/>
+                </a:solidFill>
+              </a:uFill>
+              <a:latin typeface="Arial"/>
+            </a:endParaRPr>
+          </a:p>
+          <a:p>
+            <a:pPr lvl="3" marL="1728000" indent="-216000">
+              <a:buClr>
+                <a:srgbClr val="000000"/>
+              </a:buClr>
+              <a:buSzPct val="75000"/>
+              <a:buFont typeface="Symbol" charset="2"/>
+              <a:buChar char=""/>
+            </a:pPr>
+            <a:r>
+              <a:rPr b="0" lang="en-US" sz="1800" spc="-1" strike="noStrike">
+                <a:solidFill>
+                  <a:srgbClr val="000000"/>
+                </a:solidFill>
+                <a:uFill>
+                  <a:solidFill>
+                    <a:srgbClr val="ffffff"/>
+                  </a:solidFill>
+                </a:uFill>
+                <a:latin typeface="Arial"/>
+              </a:rPr>
+              <a:t>Fourth Outline Level</a:t>
+            </a:r>
+            <a:endParaRPr b="0" lang="en-US" sz="1800" spc="-1" strike="noStrike">
+              <a:solidFill>
+                <a:srgbClr val="000000"/>
+              </a:solidFill>
+              <a:uFill>
+                <a:solidFill>
+                  <a:srgbClr val="ffffff"/>
+                </a:solidFill>
+              </a:uFill>
+              <a:latin typeface="Arial"/>
+            </a:endParaRPr>
+          </a:p>
+          <a:p>
+            <a:pPr lvl="4" marL="2160000" indent="-216000">
+              <a:buClr>
+                <a:srgbClr val="000000"/>
+              </a:buClr>
+              <a:buSzPct val="45000"/>
+              <a:buFont typeface="Wingdings" charset="2"/>
+              <a:buChar char=""/>
+            </a:pPr>
+            <a:r>
+              <a:rPr b="0" lang="en-US" sz="1800" spc="-1" strike="noStrike">
+                <a:solidFill>
+                  <a:srgbClr val="000000"/>
+                </a:solidFill>
+                <a:uFill>
+                  <a:solidFill>
+                    <a:srgbClr val="ffffff"/>
+                  </a:solidFill>
+                </a:uFill>
+                <a:latin typeface="Arial"/>
+              </a:rPr>
+              <a:t>Fifth Outline Level</a:t>
+            </a:r>
+            <a:endParaRPr b="0" lang="en-US" sz="1800" spc="-1" strike="noStrike">
+              <a:solidFill>
+                <a:srgbClr val="000000"/>
+              </a:solidFill>
+              <a:uFill>
+                <a:solidFill>
+                  <a:srgbClr val="ffffff"/>
+                </a:solidFill>
+              </a:uFill>
+              <a:latin typeface="Arial"/>
+            </a:endParaRPr>
+          </a:p>
+          <a:p>
+            <a:pPr lvl="5" marL="2592000" indent="-216000">
+              <a:buClr>
+                <a:srgbClr val="000000"/>
+              </a:buClr>
+              <a:buSzPct val="45000"/>
+              <a:buFont typeface="Wingdings" charset="2"/>
+              <a:buChar char=""/>
+            </a:pPr>
+            <a:r>
+              <a:rPr b="0" lang="en-US" sz="1800" spc="-1" strike="noStrike">
+                <a:solidFill>
+                  <a:srgbClr val="000000"/>
+                </a:solidFill>
+                <a:uFill>
+                  <a:solidFill>
+                    <a:srgbClr val="ffffff"/>
+                  </a:solidFill>
+                </a:uFill>
+                <a:latin typeface="Arial"/>
+              </a:rPr>
+              <a:t>Sixth Outline Level</a:t>
+            </a:r>
+            <a:endParaRPr b="0" lang="en-US" sz="1800" spc="-1" strike="noStrike">
+              <a:solidFill>
+                <a:srgbClr val="000000"/>
+              </a:solidFill>
+              <a:uFill>
+                <a:solidFill>
+                  <a:srgbClr val="ffffff"/>
+                </a:solidFill>
+              </a:uFill>
+              <a:latin typeface="Arial"/>
+            </a:endParaRPr>
+          </a:p>
+          <a:p>
+            <a:pPr lvl="6" marL="3024000" indent="-216000">
+              <a:buClr>
+                <a:srgbClr val="000000"/>
+              </a:buClr>
+              <a:buSzPct val="45000"/>
+              <a:buFont typeface="Wingdings" charset="2"/>
+              <a:buChar char=""/>
+            </a:pPr>
+            <a:r>
+              <a:rPr b="0" lang="en-US" sz="1800" spc="-1" strike="noStrike">
+                <a:solidFill>
+                  <a:srgbClr val="000000"/>
+                </a:solidFill>
+                <a:uFill>
+                  <a:solidFill>
+                    <a:srgbClr val="ffffff"/>
+                  </a:solidFill>
+                </a:uFill>
+                <a:latin typeface="Arial"/>
+              </a:rPr>
+              <a:t>Seventh Outline Level</a:t>
+            </a:r>
+            <a:endParaRPr b="0" lang="en-US" sz="1800" spc="-1" strike="noStrike">
+              <a:solidFill>
+                <a:srgbClr val="000000"/>
+              </a:solidFill>
+              <a:uFill>
+                <a:solidFill>
+                  <a:srgbClr val="ffffff"/>
+                </a:solidFill>
+              </a:uFill>
+              <a:latin typeface="Arial"/>
+            </a:endParaRPr>
+          </a:p>
+        </p:txBody>
+      </p:sp>
+    </p:spTree>
+  </p:cSld>
+  <p:clrMap bg1="lt1" bg2="lt2" tx1="dk1" tx2="dk2" accent1="accent1" accent2="accent2" accent3="accent3" accent4="accent4" accent5="accent5" accent6="accent6" hlink="hlink" folHlink="folHlink"/>
+  <p:sldLayoutIdLst>
+    <p:sldLayoutId id="2147483675" r:id="rId3"/>
+    <p:sldLayoutId id="2147483676" r:id="rId4"/>
+    <p:sldLayoutId id="2147483677" r:id="rId5"/>
+    <p:sldLayoutId id="2147483678" r:id="rId6"/>
+    <p:sldLayoutId id="2147483679" r:id="rId7"/>
+    <p:sldLayoutId id="2147483680" r:id="rId8"/>
+    <p:sldLayoutId id="2147483681" r:id="rId9"/>
+    <p:sldLayoutId id="2147483682" r:id="rId10"/>
+    <p:sldLayoutId id="2147483683" r:id="rId11"/>
+    <p:sldLayoutId id="2147483684" r:id="rId12"/>
+    <p:sldLayoutId id="2147483685" r:id="rId13"/>
+    <p:sldLayoutId id="2147483686" r:id="rId14"/>
+  </p:sldLayoutIdLst>
+</p:sldMaster>
+</file>
+
 <file path=ppt/slides/slide1.xml><?xml version="1.0" encoding="utf-8"?>
 <p:sld xmlns:a="http://schemas.openxmlformats.org/drawingml/2006/main" xmlns:p="http://schemas.openxmlformats.org/presentationml/2006/main" xmlns:r="http://schemas.openxmlformats.org/officeDocument/2006/relationships" xmlns:p14="http://schemas.microsoft.com/office/powerpoint/2010/main" xmlns:p15="http://schemas.microsoft.com/office/powerpoint/2012/main" xmlns:mc="http://schemas.openxmlformats.org/markup-compatibility/2006">
   <p:cSld>
@@ -4219,14 +6630,14 @@
       </p:grpSpPr>
       <p:sp>
         <p:nvSpPr>
-          <p:cNvPr id="81" name="CustomShape 1"/>
+          <p:cNvPr id="120" name="CustomShape 1"/>
           <p:cNvSpPr/>
           <p:nvPr/>
         </p:nvSpPr>
         <p:spPr>
           <a:xfrm>
             <a:off x="1391400" y="864360"/>
-            <a:ext cx="6360120" cy="455400"/>
+            <a:ext cx="6359760" cy="455040"/>
           </a:xfrm>
           <a:prstGeom prst="rect">
             <a:avLst/>
@@ -4281,14 +6692,14 @@
       </p:sp>
       <p:sp>
         <p:nvSpPr>
-          <p:cNvPr id="82" name="CustomShape 2"/>
+          <p:cNvPr id="121" name="CustomShape 2"/>
           <p:cNvSpPr/>
           <p:nvPr/>
         </p:nvSpPr>
         <p:spPr>
           <a:xfrm>
             <a:off x="590760" y="3990600"/>
-            <a:ext cx="3145320" cy="912600"/>
+            <a:ext cx="3144960" cy="912240"/>
           </a:xfrm>
           <a:prstGeom prst="rect">
             <a:avLst/>
@@ -4394,14 +6805,14 @@
       </p:sp>
       <p:sp>
         <p:nvSpPr>
-          <p:cNvPr id="83" name="CustomShape 3"/>
+          <p:cNvPr id="122" name="CustomShape 3"/>
           <p:cNvSpPr/>
           <p:nvPr/>
         </p:nvSpPr>
         <p:spPr>
           <a:xfrm>
             <a:off x="2794680" y="2365920"/>
-            <a:ext cx="3553560" cy="394560"/>
+            <a:ext cx="3553200" cy="394200"/>
           </a:xfrm>
           <a:prstGeom prst="rect">
             <a:avLst/>
@@ -4456,14 +6867,14 @@
       </p:sp>
       <p:sp>
         <p:nvSpPr>
-          <p:cNvPr id="84" name="CustomShape 4"/>
+          <p:cNvPr id="123" name="CustomShape 4"/>
           <p:cNvSpPr/>
           <p:nvPr/>
         </p:nvSpPr>
         <p:spPr>
           <a:xfrm>
             <a:off x="590760" y="4908600"/>
-            <a:ext cx="6140160" cy="1544040"/>
+            <a:ext cx="6139800" cy="1543680"/>
           </a:xfrm>
           <a:prstGeom prst="rect">
             <a:avLst/>
@@ -4600,14 +7011,14 @@
       </p:grpSpPr>
       <p:sp>
         <p:nvSpPr>
-          <p:cNvPr id="135" name="CustomShape 1"/>
+          <p:cNvPr id="174" name="CustomShape 1"/>
           <p:cNvSpPr/>
           <p:nvPr/>
         </p:nvSpPr>
         <p:spPr>
           <a:xfrm>
             <a:off x="2319120" y="501840"/>
-            <a:ext cx="4479480" cy="577080"/>
+            <a:ext cx="4479120" cy="576720"/>
           </a:xfrm>
           <a:prstGeom prst="rect">
             <a:avLst/>
@@ -4662,14 +7073,14 @@
       </p:sp>
       <p:sp>
         <p:nvSpPr>
-          <p:cNvPr id="136" name="CustomShape 2"/>
+          <p:cNvPr id="175" name="CustomShape 2"/>
           <p:cNvSpPr/>
           <p:nvPr/>
         </p:nvSpPr>
         <p:spPr>
           <a:xfrm>
             <a:off x="2082240" y="1086840"/>
-            <a:ext cx="44640" cy="5790240"/>
+            <a:ext cx="44280" cy="5789880"/>
           </a:xfrm>
           <a:prstGeom prst="rect">
             <a:avLst/>
@@ -4695,14 +7106,14 @@
       </p:sp>
       <p:sp>
         <p:nvSpPr>
-          <p:cNvPr id="137" name="CustomShape 3"/>
+          <p:cNvPr id="176" name="CustomShape 3"/>
           <p:cNvSpPr/>
           <p:nvPr/>
         </p:nvSpPr>
         <p:spPr>
           <a:xfrm>
             <a:off x="6553080" y="6356520"/>
-            <a:ext cx="2132640" cy="363960"/>
+            <a:ext cx="2132280" cy="363600"/>
           </a:xfrm>
           <a:prstGeom prst="rect">
             <a:avLst/>
@@ -4726,7 +7137,7 @@
                 <a:spcPct val="100000"/>
               </a:lnSpc>
             </a:pPr>
-            <a:fld id="{7470469E-7239-4073-A904-8AB2DB6AF078}" type="slidenum">
+            <a:fld id="{4686E8D9-5AC6-466F-B4DD-75073F0FA6EE}" type="slidenum">
               <a:rPr b="0" lang="en-US" sz="900" spc="-1" strike="noStrike">
                 <a:solidFill>
                   <a:srgbClr val="898c9d"/>
@@ -4757,14 +7168,14 @@
       </p:sp>
       <p:sp>
         <p:nvSpPr>
-          <p:cNvPr id="138" name="CustomShape 4"/>
+          <p:cNvPr id="177" name="CustomShape 4"/>
           <p:cNvSpPr/>
           <p:nvPr/>
         </p:nvSpPr>
         <p:spPr>
           <a:xfrm>
             <a:off x="0" y="1673640"/>
-            <a:ext cx="2074320" cy="2860200"/>
+            <a:ext cx="2073960" cy="2859840"/>
           </a:xfrm>
           <a:prstGeom prst="rect">
             <a:avLst/>
@@ -5023,14 +7434,14 @@
       </p:sp>
       <p:sp>
         <p:nvSpPr>
-          <p:cNvPr id="139" name="CustomShape 5"/>
+          <p:cNvPr id="178" name="CustomShape 5"/>
           <p:cNvSpPr/>
           <p:nvPr/>
         </p:nvSpPr>
         <p:spPr>
           <a:xfrm>
             <a:off x="2319120" y="1541160"/>
-            <a:ext cx="6267240" cy="927360"/>
+            <a:ext cx="6266880" cy="927000"/>
           </a:xfrm>
           <a:prstGeom prst="rect">
             <a:avLst/>
@@ -5085,14 +7496,14 @@
       </p:sp>
       <p:sp>
         <p:nvSpPr>
-          <p:cNvPr id="140" name="CustomShape 6"/>
+          <p:cNvPr id="179" name="CustomShape 6"/>
           <p:cNvSpPr/>
           <p:nvPr/>
         </p:nvSpPr>
         <p:spPr>
           <a:xfrm>
             <a:off x="-6840" y="3474720"/>
-            <a:ext cx="2081160" cy="44640"/>
+            <a:ext cx="2080800" cy="44280"/>
           </a:xfrm>
           <a:prstGeom prst="rect">
             <a:avLst/>
@@ -5118,7 +7529,7 @@
       </p:sp>
       <p:pic>
         <p:nvPicPr>
-          <p:cNvPr id="141" name="" descr=""/>
+          <p:cNvPr id="180" name="" descr=""/>
           <p:cNvPicPr/>
           <p:nvPr/>
         </p:nvPicPr>
@@ -5130,7 +7541,7 @@
         <p:spPr>
           <a:xfrm>
             <a:off x="2560320" y="2271960"/>
-            <a:ext cx="5760720" cy="3580200"/>
+            <a:ext cx="5760360" cy="3579840"/>
           </a:xfrm>
           <a:prstGeom prst="rect">
             <a:avLst/>
@@ -5191,14 +7602,14 @@
       </p:grpSpPr>
       <p:sp>
         <p:nvSpPr>
-          <p:cNvPr id="142" name="CustomShape 1"/>
+          <p:cNvPr id="181" name="CustomShape 1"/>
           <p:cNvSpPr/>
           <p:nvPr/>
         </p:nvSpPr>
         <p:spPr>
           <a:xfrm>
             <a:off x="2319120" y="501840"/>
-            <a:ext cx="4479480" cy="577080"/>
+            <a:ext cx="4479120" cy="576720"/>
           </a:xfrm>
           <a:prstGeom prst="rect">
             <a:avLst/>
@@ -5253,14 +7664,14 @@
       </p:sp>
       <p:sp>
         <p:nvSpPr>
-          <p:cNvPr id="143" name="CustomShape 2"/>
+          <p:cNvPr id="182" name="CustomShape 2"/>
           <p:cNvSpPr/>
           <p:nvPr/>
         </p:nvSpPr>
         <p:spPr>
           <a:xfrm>
             <a:off x="2082240" y="1086840"/>
-            <a:ext cx="44640" cy="5790240"/>
+            <a:ext cx="44280" cy="5789880"/>
           </a:xfrm>
           <a:prstGeom prst="rect">
             <a:avLst/>
@@ -5286,14 +7697,14 @@
       </p:sp>
       <p:sp>
         <p:nvSpPr>
-          <p:cNvPr id="144" name="CustomShape 3"/>
+          <p:cNvPr id="183" name="CustomShape 3"/>
           <p:cNvSpPr/>
           <p:nvPr/>
         </p:nvSpPr>
         <p:spPr>
           <a:xfrm>
             <a:off x="6553080" y="6356520"/>
-            <a:ext cx="2132640" cy="363960"/>
+            <a:ext cx="2132280" cy="363600"/>
           </a:xfrm>
           <a:prstGeom prst="rect">
             <a:avLst/>
@@ -5317,7 +7728,7 @@
                 <a:spcPct val="100000"/>
               </a:lnSpc>
             </a:pPr>
-            <a:fld id="{F00BF644-48FC-4965-864B-BB83431A2007}" type="slidenum">
+            <a:fld id="{15147F86-32A0-45E9-A315-97A1A1A2C018}" type="slidenum">
               <a:rPr b="0" lang="en-US" sz="900" spc="-1" strike="noStrike">
                 <a:solidFill>
                   <a:srgbClr val="898c9d"/>
@@ -5348,14 +7759,14 @@
       </p:sp>
       <p:sp>
         <p:nvSpPr>
-          <p:cNvPr id="145" name="CustomShape 4"/>
+          <p:cNvPr id="184" name="CustomShape 4"/>
           <p:cNvSpPr/>
           <p:nvPr/>
         </p:nvSpPr>
         <p:spPr>
           <a:xfrm>
             <a:off x="0" y="1673640"/>
-            <a:ext cx="2074320" cy="2860200"/>
+            <a:ext cx="2073960" cy="2859840"/>
           </a:xfrm>
           <a:prstGeom prst="rect">
             <a:avLst/>
@@ -5614,14 +8025,14 @@
       </p:sp>
       <p:sp>
         <p:nvSpPr>
-          <p:cNvPr id="146" name="CustomShape 5"/>
+          <p:cNvPr id="185" name="CustomShape 5"/>
           <p:cNvSpPr/>
           <p:nvPr/>
         </p:nvSpPr>
         <p:spPr>
           <a:xfrm>
             <a:off x="2319120" y="1541160"/>
-            <a:ext cx="6267240" cy="927360"/>
+            <a:ext cx="6266880" cy="927000"/>
           </a:xfrm>
           <a:prstGeom prst="rect">
             <a:avLst/>
@@ -5676,7 +8087,7 @@
       </p:sp>
       <p:pic>
         <p:nvPicPr>
-          <p:cNvPr id="147" name="" descr=""/>
+          <p:cNvPr id="186" name="" descr=""/>
           <p:cNvPicPr/>
           <p:nvPr/>
         </p:nvPicPr>
@@ -5687,7 +8098,7 @@
         <p:spPr>
           <a:xfrm>
             <a:off x="3383280" y="2194560"/>
-            <a:ext cx="4501080" cy="3675960"/>
+            <a:ext cx="4500720" cy="3675600"/>
           </a:xfrm>
           <a:prstGeom prst="rect">
             <a:avLst/>
@@ -5699,14 +8110,14 @@
       </p:pic>
       <p:sp>
         <p:nvSpPr>
-          <p:cNvPr id="148" name="CustomShape 6"/>
+          <p:cNvPr id="187" name="CustomShape 6"/>
           <p:cNvSpPr/>
           <p:nvPr/>
         </p:nvSpPr>
         <p:spPr>
           <a:xfrm>
             <a:off x="-6840" y="3474720"/>
-            <a:ext cx="2081160" cy="44640"/>
+            <a:ext cx="2080800" cy="44280"/>
           </a:xfrm>
           <a:prstGeom prst="rect">
             <a:avLst/>
@@ -5781,14 +8192,14 @@
       </p:grpSpPr>
       <p:sp>
         <p:nvSpPr>
-          <p:cNvPr id="149" name="CustomShape 1"/>
+          <p:cNvPr id="188" name="CustomShape 1"/>
           <p:cNvSpPr/>
           <p:nvPr/>
         </p:nvSpPr>
         <p:spPr>
           <a:xfrm>
             <a:off x="2319120" y="501840"/>
-            <a:ext cx="4479480" cy="577080"/>
+            <a:ext cx="4479120" cy="576720"/>
           </a:xfrm>
           <a:prstGeom prst="rect">
             <a:avLst/>
@@ -5843,14 +8254,14 @@
       </p:sp>
       <p:sp>
         <p:nvSpPr>
-          <p:cNvPr id="150" name="CustomShape 2"/>
+          <p:cNvPr id="189" name="CustomShape 2"/>
           <p:cNvSpPr/>
           <p:nvPr/>
         </p:nvSpPr>
         <p:spPr>
           <a:xfrm>
             <a:off x="2082240" y="1086840"/>
-            <a:ext cx="44640" cy="5790240"/>
+            <a:ext cx="44280" cy="5789880"/>
           </a:xfrm>
           <a:prstGeom prst="rect">
             <a:avLst/>
@@ -5876,14 +8287,14 @@
       </p:sp>
       <p:sp>
         <p:nvSpPr>
-          <p:cNvPr id="151" name="CustomShape 3"/>
+          <p:cNvPr id="190" name="CustomShape 3"/>
           <p:cNvSpPr/>
           <p:nvPr/>
         </p:nvSpPr>
         <p:spPr>
           <a:xfrm>
             <a:off x="6553080" y="6356520"/>
-            <a:ext cx="2132640" cy="363960"/>
+            <a:ext cx="2132280" cy="363600"/>
           </a:xfrm>
           <a:prstGeom prst="rect">
             <a:avLst/>
@@ -5907,7 +8318,7 @@
                 <a:spcPct val="100000"/>
               </a:lnSpc>
             </a:pPr>
-            <a:fld id="{88364338-A0F7-4219-9E7A-F239D0885824}" type="slidenum">
+            <a:fld id="{AD9CC244-5501-4ABC-A919-3FDA0265AF3D}" type="slidenum">
               <a:rPr b="0" lang="en-US" sz="900" spc="-1" strike="noStrike">
                 <a:solidFill>
                   <a:srgbClr val="898c9d"/>
@@ -5938,14 +8349,14 @@
       </p:sp>
       <p:sp>
         <p:nvSpPr>
-          <p:cNvPr id="152" name="CustomShape 4"/>
+          <p:cNvPr id="191" name="CustomShape 4"/>
           <p:cNvSpPr/>
           <p:nvPr/>
         </p:nvSpPr>
         <p:spPr>
           <a:xfrm>
             <a:off x="0" y="1673640"/>
-            <a:ext cx="2074320" cy="2860200"/>
+            <a:ext cx="2073960" cy="2859840"/>
           </a:xfrm>
           <a:prstGeom prst="rect">
             <a:avLst/>
@@ -6204,14 +8615,14 @@
       </p:sp>
       <p:sp>
         <p:nvSpPr>
-          <p:cNvPr id="153" name="CustomShape 5"/>
+          <p:cNvPr id="192" name="CustomShape 5"/>
           <p:cNvSpPr/>
           <p:nvPr/>
         </p:nvSpPr>
         <p:spPr>
           <a:xfrm>
             <a:off x="2319120" y="1541160"/>
-            <a:ext cx="6267240" cy="927360"/>
+            <a:ext cx="6266880" cy="927000"/>
           </a:xfrm>
           <a:prstGeom prst="rect">
             <a:avLst/>
@@ -6326,14 +8737,14 @@
       </p:sp>
       <p:sp>
         <p:nvSpPr>
-          <p:cNvPr id="154" name="CustomShape 6"/>
+          <p:cNvPr id="193" name="CustomShape 6"/>
           <p:cNvSpPr/>
           <p:nvPr/>
         </p:nvSpPr>
         <p:spPr>
           <a:xfrm>
             <a:off x="-6840" y="3474720"/>
-            <a:ext cx="2081160" cy="44640"/>
+            <a:ext cx="2080800" cy="44280"/>
           </a:xfrm>
           <a:prstGeom prst="rect">
             <a:avLst/>
@@ -6359,7 +8770,7 @@
       </p:sp>
       <p:pic>
         <p:nvPicPr>
-          <p:cNvPr id="155" name="" descr=""/>
+          <p:cNvPr id="194" name="" descr=""/>
           <p:cNvPicPr/>
           <p:nvPr/>
         </p:nvPicPr>
@@ -6370,7 +8781,7 @@
         <p:spPr>
           <a:xfrm>
             <a:off x="2377440" y="4732200"/>
-            <a:ext cx="6133680" cy="1485720"/>
+            <a:ext cx="6133320" cy="1485360"/>
           </a:xfrm>
           <a:prstGeom prst="rect">
             <a:avLst/>
@@ -6431,14 +8842,14 @@
       </p:grpSpPr>
       <p:sp>
         <p:nvSpPr>
-          <p:cNvPr id="156" name="CustomShape 1"/>
+          <p:cNvPr id="195" name="CustomShape 1"/>
           <p:cNvSpPr/>
           <p:nvPr/>
         </p:nvSpPr>
         <p:spPr>
           <a:xfrm>
             <a:off x="2319120" y="501840"/>
-            <a:ext cx="4479480" cy="577080"/>
+            <a:ext cx="4479120" cy="576720"/>
           </a:xfrm>
           <a:prstGeom prst="rect">
             <a:avLst/>
@@ -6493,14 +8904,14 @@
       </p:sp>
       <p:sp>
         <p:nvSpPr>
-          <p:cNvPr id="157" name="CustomShape 2"/>
+          <p:cNvPr id="196" name="CustomShape 2"/>
           <p:cNvSpPr/>
           <p:nvPr/>
         </p:nvSpPr>
         <p:spPr>
           <a:xfrm>
             <a:off x="2082240" y="1086840"/>
-            <a:ext cx="44640" cy="5790240"/>
+            <a:ext cx="44280" cy="5789880"/>
           </a:xfrm>
           <a:prstGeom prst="rect">
             <a:avLst/>
@@ -6526,14 +8937,14 @@
       </p:sp>
       <p:sp>
         <p:nvSpPr>
-          <p:cNvPr id="158" name="CustomShape 3"/>
+          <p:cNvPr id="197" name="CustomShape 3"/>
           <p:cNvSpPr/>
           <p:nvPr/>
         </p:nvSpPr>
         <p:spPr>
           <a:xfrm>
             <a:off x="6553080" y="6356520"/>
-            <a:ext cx="2132640" cy="363960"/>
+            <a:ext cx="2132280" cy="363600"/>
           </a:xfrm>
           <a:prstGeom prst="rect">
             <a:avLst/>
@@ -6557,7 +8968,7 @@
                 <a:spcPct val="100000"/>
               </a:lnSpc>
             </a:pPr>
-            <a:fld id="{B7FFE693-2E60-4FBC-8DB2-F9CEBA742E90}" type="slidenum">
+            <a:fld id="{567E8575-5F88-471D-81CB-DEDB0CA6A2B9}" type="slidenum">
               <a:rPr b="0" lang="en-US" sz="900" spc="-1" strike="noStrike">
                 <a:solidFill>
                   <a:srgbClr val="898c9d"/>
@@ -6588,14 +8999,14 @@
       </p:sp>
       <p:sp>
         <p:nvSpPr>
-          <p:cNvPr id="159" name="CustomShape 4"/>
+          <p:cNvPr id="198" name="CustomShape 4"/>
           <p:cNvSpPr/>
           <p:nvPr/>
         </p:nvSpPr>
         <p:spPr>
           <a:xfrm>
             <a:off x="0" y="1673640"/>
-            <a:ext cx="2074320" cy="2860200"/>
+            <a:ext cx="2073960" cy="2859840"/>
           </a:xfrm>
           <a:prstGeom prst="rect">
             <a:avLst/>
@@ -6854,14 +9265,14 @@
       </p:sp>
       <p:sp>
         <p:nvSpPr>
-          <p:cNvPr id="160" name="CustomShape 5"/>
+          <p:cNvPr id="199" name="CustomShape 5"/>
           <p:cNvSpPr/>
           <p:nvPr/>
         </p:nvSpPr>
         <p:spPr>
           <a:xfrm>
             <a:off x="2319120" y="1541160"/>
-            <a:ext cx="4172760" cy="927360"/>
+            <a:ext cx="4172400" cy="927000"/>
           </a:xfrm>
           <a:prstGeom prst="rect">
             <a:avLst/>
@@ -6916,7 +9327,7 @@
       </p:sp>
       <p:pic>
         <p:nvPicPr>
-          <p:cNvPr id="161" name="" descr=""/>
+          <p:cNvPr id="200" name="" descr=""/>
           <p:cNvPicPr/>
           <p:nvPr/>
         </p:nvPicPr>
@@ -6927,7 +9338,7 @@
         <p:spPr>
           <a:xfrm>
             <a:off x="6675120" y="1571400"/>
-            <a:ext cx="1703160" cy="4777560"/>
+            <a:ext cx="1702800" cy="4777200"/>
           </a:xfrm>
           <a:prstGeom prst="rect">
             <a:avLst/>
@@ -6988,14 +9399,14 @@
       </p:grpSpPr>
       <p:sp>
         <p:nvSpPr>
-          <p:cNvPr id="162" name="CustomShape 1"/>
+          <p:cNvPr id="201" name="CustomShape 1"/>
           <p:cNvSpPr/>
           <p:nvPr/>
         </p:nvSpPr>
         <p:spPr>
           <a:xfrm>
             <a:off x="3006720" y="536040"/>
-            <a:ext cx="3444480" cy="577080"/>
+            <a:ext cx="3444120" cy="576720"/>
           </a:xfrm>
           <a:prstGeom prst="rect">
             <a:avLst/>
@@ -7050,14 +9461,14 @@
       </p:sp>
       <p:sp>
         <p:nvSpPr>
-          <p:cNvPr id="163" name="CustomShape 2"/>
+          <p:cNvPr id="202" name="CustomShape 2"/>
           <p:cNvSpPr/>
           <p:nvPr/>
         </p:nvSpPr>
         <p:spPr>
           <a:xfrm>
             <a:off x="2082240" y="1086840"/>
-            <a:ext cx="44640" cy="5790240"/>
+            <a:ext cx="44280" cy="5789880"/>
           </a:xfrm>
           <a:prstGeom prst="rect">
             <a:avLst/>
@@ -7083,14 +9494,14 @@
       </p:sp>
       <p:sp>
         <p:nvSpPr>
-          <p:cNvPr id="164" name="CustomShape 3"/>
+          <p:cNvPr id="203" name="CustomShape 3"/>
           <p:cNvSpPr/>
           <p:nvPr/>
         </p:nvSpPr>
         <p:spPr>
           <a:xfrm>
             <a:off x="0" y="4252680"/>
-            <a:ext cx="2081160" cy="44640"/>
+            <a:ext cx="2080800" cy="44280"/>
           </a:xfrm>
           <a:prstGeom prst="rect">
             <a:avLst/>
@@ -7116,14 +9527,14 @@
       </p:sp>
       <p:sp>
         <p:nvSpPr>
-          <p:cNvPr id="165" name="CustomShape 4"/>
+          <p:cNvPr id="204" name="CustomShape 4"/>
           <p:cNvSpPr/>
           <p:nvPr/>
         </p:nvSpPr>
         <p:spPr>
           <a:xfrm>
             <a:off x="6553080" y="6356520"/>
-            <a:ext cx="2132640" cy="363960"/>
+            <a:ext cx="2132280" cy="363600"/>
           </a:xfrm>
           <a:prstGeom prst="rect">
             <a:avLst/>
@@ -7147,7 +9558,7 @@
                 <a:spcPct val="100000"/>
               </a:lnSpc>
             </a:pPr>
-            <a:fld id="{83D4CEC7-8968-4080-AADD-DA762B66CD6F}" type="slidenum">
+            <a:fld id="{823B0685-7441-4A05-A74D-6DD0DAD17817}" type="slidenum">
               <a:rPr b="0" lang="en-US" sz="900" spc="-1" strike="noStrike">
                 <a:solidFill>
                   <a:srgbClr val="898c9d"/>
@@ -7178,14 +9589,14 @@
       </p:sp>
       <p:sp>
         <p:nvSpPr>
-          <p:cNvPr id="166" name="CustomShape 5"/>
+          <p:cNvPr id="205" name="CustomShape 5"/>
           <p:cNvSpPr/>
           <p:nvPr/>
         </p:nvSpPr>
         <p:spPr>
           <a:xfrm>
             <a:off x="0" y="1673640"/>
-            <a:ext cx="2074320" cy="2860200"/>
+            <a:ext cx="2073960" cy="2859840"/>
           </a:xfrm>
           <a:prstGeom prst="rect">
             <a:avLst/>
@@ -7444,14 +9855,14 @@
       </p:sp>
       <p:sp>
         <p:nvSpPr>
-          <p:cNvPr id="167" name="CustomShape 6"/>
+          <p:cNvPr id="206" name="CustomShape 6"/>
           <p:cNvSpPr/>
           <p:nvPr/>
         </p:nvSpPr>
         <p:spPr>
           <a:xfrm>
             <a:off x="2327760" y="1541160"/>
-            <a:ext cx="6267240" cy="927360"/>
+            <a:ext cx="6266880" cy="927000"/>
           </a:xfrm>
           <a:prstGeom prst="rect">
             <a:avLst/>
@@ -7816,14 +10227,14 @@
       </p:grpSpPr>
       <p:sp>
         <p:nvSpPr>
-          <p:cNvPr id="168" name="CustomShape 1"/>
+          <p:cNvPr id="207" name="CustomShape 1"/>
           <p:cNvSpPr/>
           <p:nvPr/>
         </p:nvSpPr>
         <p:spPr>
           <a:xfrm>
             <a:off x="3006720" y="536040"/>
-            <a:ext cx="3444480" cy="577080"/>
+            <a:ext cx="3444120" cy="576720"/>
           </a:xfrm>
           <a:prstGeom prst="rect">
             <a:avLst/>
@@ -7878,14 +10289,14 @@
       </p:sp>
       <p:sp>
         <p:nvSpPr>
-          <p:cNvPr id="169" name="CustomShape 2"/>
+          <p:cNvPr id="208" name="CustomShape 2"/>
           <p:cNvSpPr/>
           <p:nvPr/>
         </p:nvSpPr>
         <p:spPr>
           <a:xfrm>
             <a:off x="2082240" y="1086840"/>
-            <a:ext cx="44640" cy="5790240"/>
+            <a:ext cx="44280" cy="5789880"/>
           </a:xfrm>
           <a:prstGeom prst="rect">
             <a:avLst/>
@@ -7911,14 +10322,14 @@
       </p:sp>
       <p:sp>
         <p:nvSpPr>
-          <p:cNvPr id="170" name="CustomShape 3"/>
+          <p:cNvPr id="209" name="CustomShape 3"/>
           <p:cNvSpPr/>
           <p:nvPr/>
         </p:nvSpPr>
         <p:spPr>
           <a:xfrm>
             <a:off x="0" y="4252680"/>
-            <a:ext cx="2081160" cy="44640"/>
+            <a:ext cx="2080800" cy="44280"/>
           </a:xfrm>
           <a:prstGeom prst="rect">
             <a:avLst/>
@@ -7944,14 +10355,14 @@
       </p:sp>
       <p:sp>
         <p:nvSpPr>
-          <p:cNvPr id="171" name="CustomShape 4"/>
+          <p:cNvPr id="210" name="CustomShape 4"/>
           <p:cNvSpPr/>
           <p:nvPr/>
         </p:nvSpPr>
         <p:spPr>
           <a:xfrm>
             <a:off x="6553080" y="6356520"/>
-            <a:ext cx="2132640" cy="363960"/>
+            <a:ext cx="2132280" cy="363600"/>
           </a:xfrm>
           <a:prstGeom prst="rect">
             <a:avLst/>
@@ -7975,7 +10386,7 @@
                 <a:spcPct val="100000"/>
               </a:lnSpc>
             </a:pPr>
-            <a:fld id="{CC85EF7F-5E86-4F45-A122-571F366E7DF8}" type="slidenum">
+            <a:fld id="{46D7C701-B403-4FC6-9876-CC4771AF720D}" type="slidenum">
               <a:rPr b="0" lang="en-US" sz="900" spc="-1" strike="noStrike">
                 <a:solidFill>
                   <a:srgbClr val="898c9d"/>
@@ -8006,14 +10417,14 @@
       </p:sp>
       <p:sp>
         <p:nvSpPr>
-          <p:cNvPr id="172" name="CustomShape 5"/>
+          <p:cNvPr id="211" name="CustomShape 5"/>
           <p:cNvSpPr/>
           <p:nvPr/>
         </p:nvSpPr>
         <p:spPr>
           <a:xfrm>
             <a:off x="0" y="1673640"/>
-            <a:ext cx="2074320" cy="2860200"/>
+            <a:ext cx="2073960" cy="2859840"/>
           </a:xfrm>
           <a:prstGeom prst="rect">
             <a:avLst/>
@@ -8272,14 +10683,14 @@
       </p:sp>
       <p:sp>
         <p:nvSpPr>
-          <p:cNvPr id="173" name="CustomShape 6"/>
+          <p:cNvPr id="212" name="CustomShape 6"/>
           <p:cNvSpPr/>
           <p:nvPr/>
         </p:nvSpPr>
         <p:spPr>
           <a:xfrm>
             <a:off x="2327760" y="1541160"/>
-            <a:ext cx="6267240" cy="927360"/>
+            <a:ext cx="6266880" cy="927000"/>
           </a:xfrm>
           <a:prstGeom prst="rect">
             <a:avLst/>
@@ -8298,7 +10709,7 @@
         <p:txBody>
           <a:bodyPr lIns="90000" rIns="90000" tIns="45000" bIns="45000"/>
           <a:p>
-            <a:pPr marL="216000" indent="-215640" algn="just">
+            <a:pPr marL="216000" indent="-215280" algn="just">
               <a:lnSpc>
                 <a:spcPct val="100000"/>
               </a:lnSpc>
@@ -8367,7 +10778,7 @@
             </a:endParaRPr>
           </a:p>
           <a:p>
-            <a:pPr marL="216000" indent="-215640" algn="just">
+            <a:pPr marL="216000" indent="-215280" algn="just">
               <a:lnSpc>
                 <a:spcPct val="100000"/>
               </a:lnSpc>
@@ -8406,7 +10817,7 @@
             </a:endParaRPr>
           </a:p>
           <a:p>
-            <a:pPr marL="216000" indent="-215640" algn="just">
+            <a:pPr marL="216000" indent="-215280" algn="just">
               <a:lnSpc>
                 <a:spcPct val="100000"/>
               </a:lnSpc>
@@ -8445,7 +10856,7 @@
             </a:endParaRPr>
           </a:p>
           <a:p>
-            <a:pPr marL="216000" indent="-215640" algn="just">
+            <a:pPr marL="216000" indent="-215280" algn="just">
               <a:lnSpc>
                 <a:spcPct val="100000"/>
               </a:lnSpc>
@@ -8554,14 +10965,14 @@
       </p:grpSpPr>
       <p:sp>
         <p:nvSpPr>
-          <p:cNvPr id="174" name="CustomShape 1"/>
+          <p:cNvPr id="213" name="CustomShape 1"/>
           <p:cNvSpPr/>
           <p:nvPr/>
         </p:nvSpPr>
         <p:spPr>
           <a:xfrm>
             <a:off x="3006720" y="536040"/>
-            <a:ext cx="3444480" cy="577080"/>
+            <a:ext cx="3444120" cy="576720"/>
           </a:xfrm>
           <a:prstGeom prst="rect">
             <a:avLst/>
@@ -8616,14 +11027,14 @@
       </p:sp>
       <p:sp>
         <p:nvSpPr>
-          <p:cNvPr id="175" name="CustomShape 2"/>
+          <p:cNvPr id="214" name="CustomShape 2"/>
           <p:cNvSpPr/>
           <p:nvPr/>
         </p:nvSpPr>
         <p:spPr>
           <a:xfrm>
             <a:off x="2082240" y="1086840"/>
-            <a:ext cx="44640" cy="5790240"/>
+            <a:ext cx="44280" cy="5789880"/>
           </a:xfrm>
           <a:prstGeom prst="rect">
             <a:avLst/>
@@ -8649,14 +11060,14 @@
       </p:sp>
       <p:sp>
         <p:nvSpPr>
-          <p:cNvPr id="176" name="CustomShape 3"/>
+          <p:cNvPr id="215" name="CustomShape 3"/>
           <p:cNvSpPr/>
           <p:nvPr/>
         </p:nvSpPr>
         <p:spPr>
           <a:xfrm>
             <a:off x="0" y="4252680"/>
-            <a:ext cx="2081160" cy="44640"/>
+            <a:ext cx="2080800" cy="44280"/>
           </a:xfrm>
           <a:prstGeom prst="rect">
             <a:avLst/>
@@ -8682,14 +11093,14 @@
       </p:sp>
       <p:sp>
         <p:nvSpPr>
-          <p:cNvPr id="177" name="CustomShape 4"/>
+          <p:cNvPr id="216" name="CustomShape 4"/>
           <p:cNvSpPr/>
           <p:nvPr/>
         </p:nvSpPr>
         <p:spPr>
           <a:xfrm>
             <a:off x="6553080" y="6356520"/>
-            <a:ext cx="2132640" cy="363960"/>
+            <a:ext cx="2132280" cy="363600"/>
           </a:xfrm>
           <a:prstGeom prst="rect">
             <a:avLst/>
@@ -8713,7 +11124,7 @@
                 <a:spcPct val="100000"/>
               </a:lnSpc>
             </a:pPr>
-            <a:fld id="{27982D17-C8EA-4F0F-B5C5-C7356C716345}" type="slidenum">
+            <a:fld id="{CF5F1BCE-8E54-474E-8848-75295E679B70}" type="slidenum">
               <a:rPr b="0" lang="en-US" sz="900" spc="-1" strike="noStrike">
                 <a:solidFill>
                   <a:srgbClr val="898c9d"/>
@@ -8744,14 +11155,14 @@
       </p:sp>
       <p:sp>
         <p:nvSpPr>
-          <p:cNvPr id="178" name="CustomShape 5"/>
+          <p:cNvPr id="217" name="CustomShape 5"/>
           <p:cNvSpPr/>
           <p:nvPr/>
         </p:nvSpPr>
         <p:spPr>
           <a:xfrm>
             <a:off x="0" y="1673640"/>
-            <a:ext cx="2074320" cy="2860200"/>
+            <a:ext cx="2073960" cy="2859840"/>
           </a:xfrm>
           <a:prstGeom prst="rect">
             <a:avLst/>
@@ -9010,14 +11421,14 @@
       </p:sp>
       <p:sp>
         <p:nvSpPr>
-          <p:cNvPr id="179" name="CustomShape 6"/>
+          <p:cNvPr id="218" name="CustomShape 6"/>
           <p:cNvSpPr/>
           <p:nvPr/>
         </p:nvSpPr>
         <p:spPr>
           <a:xfrm>
             <a:off x="2327760" y="1541160"/>
-            <a:ext cx="6267240" cy="927360"/>
+            <a:ext cx="6266880" cy="927000"/>
           </a:xfrm>
           <a:prstGeom prst="rect">
             <a:avLst/>
@@ -9036,7 +11447,7 @@
         <p:txBody>
           <a:bodyPr lIns="90000" rIns="90000" tIns="45000" bIns="45000"/>
           <a:p>
-            <a:pPr marL="216000" indent="-215640" algn="just">
+            <a:pPr marL="216000" indent="-215280" algn="just">
               <a:lnSpc>
                 <a:spcPct val="100000"/>
               </a:lnSpc>
@@ -9075,7 +11486,7 @@
             </a:endParaRPr>
           </a:p>
           <a:p>
-            <a:pPr marL="216000" indent="-215640" algn="just">
+            <a:pPr marL="216000" indent="-215280" algn="just">
               <a:lnSpc>
                 <a:spcPct val="100000"/>
               </a:lnSpc>
@@ -9114,7 +11525,7 @@
             </a:endParaRPr>
           </a:p>
           <a:p>
-            <a:pPr marL="216000" indent="-215640" algn="just">
+            <a:pPr marL="216000" indent="-215280" algn="just">
               <a:lnSpc>
                 <a:spcPct val="100000"/>
               </a:lnSpc>
@@ -9223,14 +11634,14 @@
       </p:grpSpPr>
       <p:sp>
         <p:nvSpPr>
-          <p:cNvPr id="180" name="CustomShape 1"/>
+          <p:cNvPr id="219" name="CustomShape 1"/>
           <p:cNvSpPr/>
           <p:nvPr/>
         </p:nvSpPr>
         <p:spPr>
           <a:xfrm>
             <a:off x="3006720" y="536040"/>
-            <a:ext cx="3444480" cy="577080"/>
+            <a:ext cx="3444120" cy="576720"/>
           </a:xfrm>
           <a:prstGeom prst="rect">
             <a:avLst/>
@@ -9285,14 +11696,14 @@
       </p:sp>
       <p:sp>
         <p:nvSpPr>
-          <p:cNvPr id="181" name="CustomShape 2"/>
+          <p:cNvPr id="220" name="CustomShape 2"/>
           <p:cNvSpPr/>
           <p:nvPr/>
         </p:nvSpPr>
         <p:spPr>
           <a:xfrm>
             <a:off x="2082240" y="1086840"/>
-            <a:ext cx="44640" cy="5790240"/>
+            <a:ext cx="44280" cy="5789880"/>
           </a:xfrm>
           <a:prstGeom prst="rect">
             <a:avLst/>
@@ -9318,14 +11729,14 @@
       </p:sp>
       <p:sp>
         <p:nvSpPr>
-          <p:cNvPr id="182" name="CustomShape 3"/>
+          <p:cNvPr id="221" name="CustomShape 3"/>
           <p:cNvSpPr/>
           <p:nvPr/>
         </p:nvSpPr>
         <p:spPr>
           <a:xfrm>
             <a:off x="0" y="4252680"/>
-            <a:ext cx="2081160" cy="44640"/>
+            <a:ext cx="2080800" cy="44280"/>
           </a:xfrm>
           <a:prstGeom prst="rect">
             <a:avLst/>
@@ -9351,14 +11762,14 @@
       </p:sp>
       <p:sp>
         <p:nvSpPr>
-          <p:cNvPr id="183" name="CustomShape 4"/>
+          <p:cNvPr id="222" name="CustomShape 4"/>
           <p:cNvSpPr/>
           <p:nvPr/>
         </p:nvSpPr>
         <p:spPr>
           <a:xfrm>
             <a:off x="6553080" y="6356520"/>
-            <a:ext cx="2132640" cy="363960"/>
+            <a:ext cx="2132280" cy="363600"/>
           </a:xfrm>
           <a:prstGeom prst="rect">
             <a:avLst/>
@@ -9382,7 +11793,7 @@
                 <a:spcPct val="100000"/>
               </a:lnSpc>
             </a:pPr>
-            <a:fld id="{5CE84FB3-1FA0-4BAA-8257-4DB931FD9C39}" type="slidenum">
+            <a:fld id="{25C4569F-0219-4D4E-BE82-8BEA5EAD9818}" type="slidenum">
               <a:rPr b="0" lang="en-US" sz="900" spc="-1" strike="noStrike">
                 <a:solidFill>
                   <a:srgbClr val="898c9d"/>
@@ -9413,14 +11824,14 @@
       </p:sp>
       <p:sp>
         <p:nvSpPr>
-          <p:cNvPr id="184" name="CustomShape 5"/>
+          <p:cNvPr id="223" name="CustomShape 5"/>
           <p:cNvSpPr/>
           <p:nvPr/>
         </p:nvSpPr>
         <p:spPr>
           <a:xfrm>
             <a:off x="0" y="1673640"/>
-            <a:ext cx="2074320" cy="2860200"/>
+            <a:ext cx="2073960" cy="2859840"/>
           </a:xfrm>
           <a:prstGeom prst="rect">
             <a:avLst/>
@@ -9679,14 +12090,14 @@
       </p:sp>
       <p:sp>
         <p:nvSpPr>
-          <p:cNvPr id="185" name="CustomShape 6"/>
+          <p:cNvPr id="224" name="CustomShape 6"/>
           <p:cNvSpPr/>
           <p:nvPr/>
         </p:nvSpPr>
         <p:spPr>
           <a:xfrm>
             <a:off x="2327760" y="1541160"/>
-            <a:ext cx="6267240" cy="927360"/>
+            <a:ext cx="6266880" cy="927000"/>
           </a:xfrm>
           <a:prstGeom prst="rect">
             <a:avLst/>
@@ -9705,7 +12116,7 @@
         <p:txBody>
           <a:bodyPr lIns="90000" rIns="90000" tIns="45000" bIns="45000"/>
           <a:p>
-            <a:pPr marL="216000" indent="-215640" algn="just">
+            <a:pPr marL="216000" indent="-215280" algn="just">
               <a:lnSpc>
                 <a:spcPct val="100000"/>
               </a:lnSpc>
@@ -9729,46 +12140,7 @@
                 <a:latin typeface="Arial"/>
                 <a:ea typeface="Arial"/>
               </a:rPr>
-              <a:t>A aplicação distribuída foi implantada na rede de testes Rinkeby sob protocolo de consenso Prova-de-Autoridade para simular uma eleição real em funcionamento no blockchain.</a:t>
-            </a:r>
-            <a:endParaRPr b="0" lang="en-US" sz="1800" spc="-1" strike="noStrike">
-              <a:solidFill>
-                <a:srgbClr val="000000"/>
-              </a:solidFill>
-              <a:uFill>
-                <a:solidFill>
-                  <a:srgbClr val="ffffff"/>
-                </a:solidFill>
-              </a:uFill>
-              <a:latin typeface="Arial"/>
-            </a:endParaRPr>
-          </a:p>
-          <a:p>
-            <a:pPr marL="216000" indent="-215640" algn="just">
-              <a:lnSpc>
-                <a:spcPct val="100000"/>
-              </a:lnSpc>
-              <a:buClr>
-                <a:srgbClr val="000000"/>
-              </a:buClr>
-              <a:buSzPct val="45000"/>
-              <a:buFont typeface="Wingdings" charset="2"/>
-              <a:buChar char=""/>
-            </a:pPr>
-            <a:r>
-              <a:rPr b="0" lang="en-US" sz="2200" spc="-1" strike="noStrike">
-                <a:solidFill>
-                  <a:srgbClr val="002060"/>
-                </a:solidFill>
-                <a:uFill>
-                  <a:solidFill>
-                    <a:srgbClr val="ffffff"/>
-                  </a:solidFill>
-                </a:uFill>
-                <a:latin typeface="Arial"/>
-                <a:ea typeface="Arial"/>
-              </a:rPr>
-              <a:t> </a:t>
+              <a:t>A aplicação distribuída foi implantada na rede de testes Rinkeby sob protocolo de consenso Prova-de-Autoridade para simular uma eleição real em funcionamento no blockchain. </a:t>
             </a:r>
             <a:endParaRPr b="0" lang="en-US" sz="1800" spc="-1" strike="noStrike">
               <a:solidFill>
@@ -9804,19 +12176,19 @@
       </p:sp>
       <p:pic>
         <p:nvPicPr>
-          <p:cNvPr id="186" name="" descr=""/>
+          <p:cNvPr id="225" name="" descr=""/>
           <p:cNvPicPr/>
           <p:nvPr/>
         </p:nvPicPr>
         <p:blipFill>
           <a:blip r:embed="rId1"/>
-          <a:srcRect l="50293" t="36161" r="20713" b="40719"/>
+          <a:srcRect l="50299" t="36166" r="20716" b="40723"/>
           <a:stretch/>
         </p:blipFill>
         <p:spPr>
           <a:xfrm>
             <a:off x="2651760" y="3108960"/>
-            <a:ext cx="5037120" cy="2257200"/>
+            <a:ext cx="5036760" cy="2256840"/>
           </a:xfrm>
           <a:prstGeom prst="rect">
             <a:avLst/>
@@ -9877,14 +12249,14 @@
       </p:grpSpPr>
       <p:sp>
         <p:nvSpPr>
-          <p:cNvPr id="187" name="CustomShape 1"/>
+          <p:cNvPr id="226" name="CustomShape 1"/>
           <p:cNvSpPr/>
           <p:nvPr/>
         </p:nvSpPr>
         <p:spPr>
           <a:xfrm>
             <a:off x="3006720" y="536040"/>
-            <a:ext cx="3444480" cy="577080"/>
+            <a:ext cx="3444120" cy="576720"/>
           </a:xfrm>
           <a:prstGeom prst="rect">
             <a:avLst/>
@@ -9939,14 +12311,14 @@
       </p:sp>
       <p:sp>
         <p:nvSpPr>
-          <p:cNvPr id="188" name="CustomShape 2"/>
+          <p:cNvPr id="227" name="CustomShape 2"/>
           <p:cNvSpPr/>
           <p:nvPr/>
         </p:nvSpPr>
         <p:spPr>
           <a:xfrm>
             <a:off x="2082240" y="1086840"/>
-            <a:ext cx="44640" cy="5790240"/>
+            <a:ext cx="44280" cy="5789880"/>
           </a:xfrm>
           <a:prstGeom prst="rect">
             <a:avLst/>
@@ -9972,14 +12344,14 @@
       </p:sp>
       <p:sp>
         <p:nvSpPr>
-          <p:cNvPr id="189" name="CustomShape 3"/>
+          <p:cNvPr id="228" name="CustomShape 3"/>
           <p:cNvSpPr/>
           <p:nvPr/>
         </p:nvSpPr>
         <p:spPr>
           <a:xfrm>
             <a:off x="0" y="4252680"/>
-            <a:ext cx="2081160" cy="44640"/>
+            <a:ext cx="2080800" cy="44280"/>
           </a:xfrm>
           <a:prstGeom prst="rect">
             <a:avLst/>
@@ -10005,14 +12377,14 @@
       </p:sp>
       <p:sp>
         <p:nvSpPr>
-          <p:cNvPr id="190" name="CustomShape 4"/>
+          <p:cNvPr id="229" name="CustomShape 4"/>
           <p:cNvSpPr/>
           <p:nvPr/>
         </p:nvSpPr>
         <p:spPr>
           <a:xfrm>
             <a:off x="6553080" y="6356520"/>
-            <a:ext cx="2132640" cy="363960"/>
+            <a:ext cx="2132280" cy="363600"/>
           </a:xfrm>
           <a:prstGeom prst="rect">
             <a:avLst/>
@@ -10036,7 +12408,7 @@
                 <a:spcPct val="100000"/>
               </a:lnSpc>
             </a:pPr>
-            <a:fld id="{C9239192-BF40-431F-9A89-4E1EE629FED8}" type="slidenum">
+            <a:fld id="{80510F63-98D7-444C-9129-8646B3E3B18E}" type="slidenum">
               <a:rPr b="0" lang="en-US" sz="900" spc="-1" strike="noStrike">
                 <a:solidFill>
                   <a:srgbClr val="898c9d"/>
@@ -10067,14 +12439,14 @@
       </p:sp>
       <p:sp>
         <p:nvSpPr>
-          <p:cNvPr id="191" name="CustomShape 5"/>
+          <p:cNvPr id="230" name="CustomShape 5"/>
           <p:cNvSpPr/>
           <p:nvPr/>
         </p:nvSpPr>
         <p:spPr>
           <a:xfrm>
             <a:off x="0" y="1673640"/>
-            <a:ext cx="2074320" cy="2860200"/>
+            <a:ext cx="2073960" cy="2859840"/>
           </a:xfrm>
           <a:prstGeom prst="rect">
             <a:avLst/>
@@ -10333,7 +12705,7 @@
       </p:sp>
       <p:pic>
         <p:nvPicPr>
-          <p:cNvPr id="192" name="" descr=""/>
+          <p:cNvPr id="231" name="" descr=""/>
           <p:cNvPicPr/>
           <p:nvPr/>
         </p:nvPicPr>
@@ -10345,7 +12717,7 @@
         <p:spPr>
           <a:xfrm>
             <a:off x="2286000" y="1266480"/>
-            <a:ext cx="6607440" cy="3670920"/>
+            <a:ext cx="6607080" cy="3670560"/>
           </a:xfrm>
           <a:prstGeom prst="rect">
             <a:avLst/>
@@ -10357,19 +12729,19 @@
       </p:pic>
       <p:pic>
         <p:nvPicPr>
-          <p:cNvPr id="193" name="" descr=""/>
+          <p:cNvPr id="232" name="" descr=""/>
           <p:cNvPicPr/>
           <p:nvPr/>
         </p:nvPicPr>
         <p:blipFill>
           <a:blip r:embed="rId2"/>
-          <a:srcRect l="6737" t="36038" r="8992" b="26831"/>
+          <a:srcRect l="6737" t="36043" r="8992" b="26836"/>
           <a:stretch/>
         </p:blipFill>
         <p:spPr>
           <a:xfrm>
             <a:off x="2286000" y="4937760"/>
-            <a:ext cx="6643080" cy="1645200"/>
+            <a:ext cx="6642720" cy="1644840"/>
           </a:xfrm>
           <a:prstGeom prst="rect">
             <a:avLst/>
@@ -10430,14 +12802,14 @@
       </p:grpSpPr>
       <p:sp>
         <p:nvSpPr>
-          <p:cNvPr id="194" name="CustomShape 1"/>
+          <p:cNvPr id="233" name="CustomShape 1"/>
           <p:cNvSpPr/>
           <p:nvPr/>
         </p:nvSpPr>
         <p:spPr>
           <a:xfrm>
             <a:off x="3006720" y="536040"/>
-            <a:ext cx="3444480" cy="577080"/>
+            <a:ext cx="3444120" cy="576720"/>
           </a:xfrm>
           <a:prstGeom prst="rect">
             <a:avLst/>
@@ -10492,14 +12864,14 @@
       </p:sp>
       <p:sp>
         <p:nvSpPr>
-          <p:cNvPr id="195" name="CustomShape 2"/>
+          <p:cNvPr id="234" name="CustomShape 2"/>
           <p:cNvSpPr/>
           <p:nvPr/>
         </p:nvSpPr>
         <p:spPr>
           <a:xfrm>
             <a:off x="2082240" y="1086840"/>
-            <a:ext cx="44640" cy="5790240"/>
+            <a:ext cx="44280" cy="5789880"/>
           </a:xfrm>
           <a:prstGeom prst="rect">
             <a:avLst/>
@@ -10525,14 +12897,14 @@
       </p:sp>
       <p:sp>
         <p:nvSpPr>
-          <p:cNvPr id="196" name="CustomShape 3"/>
+          <p:cNvPr id="235" name="CustomShape 3"/>
           <p:cNvSpPr/>
           <p:nvPr/>
         </p:nvSpPr>
         <p:spPr>
           <a:xfrm>
             <a:off x="0" y="4252680"/>
-            <a:ext cx="2081160" cy="44640"/>
+            <a:ext cx="2080800" cy="44280"/>
           </a:xfrm>
           <a:prstGeom prst="rect">
             <a:avLst/>
@@ -10558,14 +12930,14 @@
       </p:sp>
       <p:sp>
         <p:nvSpPr>
-          <p:cNvPr id="197" name="CustomShape 4"/>
+          <p:cNvPr id="236" name="CustomShape 4"/>
           <p:cNvSpPr/>
           <p:nvPr/>
         </p:nvSpPr>
         <p:spPr>
           <a:xfrm>
             <a:off x="6553080" y="6356520"/>
-            <a:ext cx="2132640" cy="363960"/>
+            <a:ext cx="2132280" cy="363600"/>
           </a:xfrm>
           <a:prstGeom prst="rect">
             <a:avLst/>
@@ -10589,7 +12961,7 @@
                 <a:spcPct val="100000"/>
               </a:lnSpc>
             </a:pPr>
-            <a:fld id="{0A2B4CAF-A07D-4F7B-8B61-AD432AD19807}" type="slidenum">
+            <a:fld id="{4CB6EAFC-72A0-4AB7-BCAC-2FF9C3A8DBFE}" type="slidenum">
               <a:rPr b="0" lang="en-US" sz="900" spc="-1" strike="noStrike">
                 <a:solidFill>
                   <a:srgbClr val="898c9d"/>
@@ -10620,14 +12992,14 @@
       </p:sp>
       <p:sp>
         <p:nvSpPr>
-          <p:cNvPr id="198" name="CustomShape 5"/>
+          <p:cNvPr id="237" name="CustomShape 5"/>
           <p:cNvSpPr/>
           <p:nvPr/>
         </p:nvSpPr>
         <p:spPr>
           <a:xfrm>
             <a:off x="0" y="1673640"/>
-            <a:ext cx="2074320" cy="2860200"/>
+            <a:ext cx="2073960" cy="2859840"/>
           </a:xfrm>
           <a:prstGeom prst="rect">
             <a:avLst/>
@@ -10886,7 +13258,7 @@
       </p:sp>
       <p:pic>
         <p:nvPicPr>
-          <p:cNvPr id="199" name="" descr=""/>
+          <p:cNvPr id="238" name="" descr=""/>
           <p:cNvPicPr/>
           <p:nvPr/>
         </p:nvPicPr>
@@ -10898,7 +13270,7 @@
         <p:spPr>
           <a:xfrm>
             <a:off x="2127240" y="1097280"/>
-            <a:ext cx="7016400" cy="5851440"/>
+            <a:ext cx="7016040" cy="5851080"/>
           </a:xfrm>
           <a:prstGeom prst="rect">
             <a:avLst/>
@@ -10959,14 +13331,14 @@
       </p:grpSpPr>
       <p:sp>
         <p:nvSpPr>
-          <p:cNvPr id="85" name="CustomShape 1"/>
+          <p:cNvPr id="124" name="CustomShape 1"/>
           <p:cNvSpPr/>
           <p:nvPr/>
         </p:nvSpPr>
         <p:spPr>
           <a:xfrm>
             <a:off x="3079440" y="536040"/>
-            <a:ext cx="2984040" cy="577080"/>
+            <a:ext cx="2983680" cy="576720"/>
           </a:xfrm>
           <a:prstGeom prst="rect">
             <a:avLst/>
@@ -11021,14 +13393,14 @@
       </p:sp>
       <p:sp>
         <p:nvSpPr>
-          <p:cNvPr id="86" name="CustomShape 2"/>
+          <p:cNvPr id="125" name="CustomShape 2"/>
           <p:cNvSpPr/>
           <p:nvPr/>
         </p:nvSpPr>
         <p:spPr>
           <a:xfrm>
             <a:off x="2319120" y="1645200"/>
-            <a:ext cx="6267240" cy="927360"/>
+            <a:ext cx="6266880" cy="927000"/>
           </a:xfrm>
           <a:prstGeom prst="rect">
             <a:avLst/>
@@ -11233,14 +13605,14 @@
       </p:sp>
       <p:sp>
         <p:nvSpPr>
-          <p:cNvPr id="87" name="CustomShape 3"/>
+          <p:cNvPr id="126" name="CustomShape 3"/>
           <p:cNvSpPr/>
           <p:nvPr/>
         </p:nvSpPr>
         <p:spPr>
           <a:xfrm>
             <a:off x="2082240" y="1086840"/>
-            <a:ext cx="44640" cy="5790240"/>
+            <a:ext cx="44280" cy="5789880"/>
           </a:xfrm>
           <a:prstGeom prst="rect">
             <a:avLst/>
@@ -11266,14 +13638,14 @@
       </p:sp>
       <p:sp>
         <p:nvSpPr>
-          <p:cNvPr id="88" name="CustomShape 4"/>
+          <p:cNvPr id="127" name="CustomShape 4"/>
           <p:cNvSpPr/>
           <p:nvPr/>
         </p:nvSpPr>
         <p:spPr>
           <a:xfrm>
             <a:off x="0" y="2017080"/>
-            <a:ext cx="2081160" cy="44640"/>
+            <a:ext cx="2080800" cy="44280"/>
           </a:xfrm>
           <a:prstGeom prst="rect">
             <a:avLst/>
@@ -11299,14 +13671,14 @@
       </p:sp>
       <p:sp>
         <p:nvSpPr>
-          <p:cNvPr id="89" name="CustomShape 5"/>
+          <p:cNvPr id="128" name="CustomShape 5"/>
           <p:cNvSpPr/>
           <p:nvPr/>
         </p:nvSpPr>
         <p:spPr>
           <a:xfrm>
             <a:off x="6553080" y="6356520"/>
-            <a:ext cx="2132640" cy="363960"/>
+            <a:ext cx="2132280" cy="363600"/>
           </a:xfrm>
           <a:prstGeom prst="rect">
             <a:avLst/>
@@ -11330,7 +13702,7 @@
                 <a:spcPct val="100000"/>
               </a:lnSpc>
             </a:pPr>
-            <a:fld id="{5C43B7F4-0096-49E9-90F3-98A565409DBB}" type="slidenum">
+            <a:fld id="{9CE5823F-826E-47A9-AE5B-C951954E049C}" type="slidenum">
               <a:rPr b="0" lang="en-US" sz="900" spc="-1" strike="noStrike">
                 <a:solidFill>
                   <a:srgbClr val="898c9d"/>
@@ -11361,14 +13733,14 @@
       </p:sp>
       <p:sp>
         <p:nvSpPr>
-          <p:cNvPr id="90" name="CustomShape 6"/>
+          <p:cNvPr id="129" name="CustomShape 6"/>
           <p:cNvSpPr/>
           <p:nvPr/>
         </p:nvSpPr>
         <p:spPr>
           <a:xfrm>
             <a:off x="0" y="1673640"/>
-            <a:ext cx="2074320" cy="2860200"/>
+            <a:ext cx="2073960" cy="2859840"/>
           </a:xfrm>
           <a:prstGeom prst="rect">
             <a:avLst/>
@@ -11676,14 +14048,14 @@
       </p:grpSpPr>
       <p:sp>
         <p:nvSpPr>
-          <p:cNvPr id="200" name="CustomShape 1"/>
+          <p:cNvPr id="239" name="CustomShape 1"/>
           <p:cNvSpPr/>
           <p:nvPr/>
         </p:nvSpPr>
         <p:spPr>
           <a:xfrm>
             <a:off x="1383840" y="536040"/>
-            <a:ext cx="6103080" cy="577080"/>
+            <a:ext cx="6102720" cy="576720"/>
           </a:xfrm>
           <a:prstGeom prst="rect">
             <a:avLst/>
@@ -11738,14 +14110,14 @@
       </p:sp>
       <p:sp>
         <p:nvSpPr>
-          <p:cNvPr id="201" name="CustomShape 2"/>
+          <p:cNvPr id="240" name="CustomShape 2"/>
           <p:cNvSpPr/>
           <p:nvPr/>
         </p:nvSpPr>
         <p:spPr>
           <a:xfrm>
             <a:off x="2082240" y="1086840"/>
-            <a:ext cx="44640" cy="5790240"/>
+            <a:ext cx="44280" cy="5789880"/>
           </a:xfrm>
           <a:prstGeom prst="rect">
             <a:avLst/>
@@ -11771,14 +14143,14 @@
       </p:sp>
       <p:sp>
         <p:nvSpPr>
-          <p:cNvPr id="202" name="CustomShape 3"/>
+          <p:cNvPr id="241" name="CustomShape 3"/>
           <p:cNvSpPr/>
           <p:nvPr/>
         </p:nvSpPr>
         <p:spPr>
           <a:xfrm>
             <a:off x="0" y="4984200"/>
-            <a:ext cx="2081160" cy="44640"/>
+            <a:ext cx="2080800" cy="44280"/>
           </a:xfrm>
           <a:prstGeom prst="rect">
             <a:avLst/>
@@ -11804,14 +14176,14 @@
       </p:sp>
       <p:sp>
         <p:nvSpPr>
-          <p:cNvPr id="203" name="CustomShape 4"/>
+          <p:cNvPr id="242" name="CustomShape 4"/>
           <p:cNvSpPr/>
           <p:nvPr/>
         </p:nvSpPr>
         <p:spPr>
           <a:xfrm>
             <a:off x="6553080" y="6356520"/>
-            <a:ext cx="2132640" cy="363960"/>
+            <a:ext cx="2132280" cy="363600"/>
           </a:xfrm>
           <a:prstGeom prst="rect">
             <a:avLst/>
@@ -11835,7 +14207,7 @@
                 <a:spcPct val="100000"/>
               </a:lnSpc>
             </a:pPr>
-            <a:fld id="{54CDA556-46A7-4305-A422-13BB3CA782C6}" type="slidenum">
+            <a:fld id="{889A43FF-FEF4-4D6B-AB73-006B9CE32569}" type="slidenum">
               <a:rPr b="0" lang="en-US" sz="900" spc="-1" strike="noStrike">
                 <a:solidFill>
                   <a:srgbClr val="898c9d"/>
@@ -11866,14 +14238,14 @@
       </p:sp>
       <p:sp>
         <p:nvSpPr>
-          <p:cNvPr id="204" name="CustomShape 5"/>
+          <p:cNvPr id="243" name="CustomShape 5"/>
           <p:cNvSpPr/>
           <p:nvPr/>
         </p:nvSpPr>
         <p:spPr>
           <a:xfrm>
             <a:off x="0" y="1673640"/>
-            <a:ext cx="2074320" cy="2860200"/>
+            <a:ext cx="2073960" cy="2859840"/>
           </a:xfrm>
           <a:prstGeom prst="rect">
             <a:avLst/>
@@ -12132,14 +14504,14 @@
       </p:sp>
       <p:sp>
         <p:nvSpPr>
-          <p:cNvPr id="205" name="CustomShape 6"/>
+          <p:cNvPr id="244" name="CustomShape 6"/>
           <p:cNvSpPr/>
           <p:nvPr/>
         </p:nvSpPr>
         <p:spPr>
           <a:xfrm>
             <a:off x="2327760" y="1751040"/>
-            <a:ext cx="6267240" cy="927360"/>
+            <a:ext cx="6266880" cy="927000"/>
           </a:xfrm>
           <a:prstGeom prst="rect">
             <a:avLst/>
@@ -12260,46 +14632,7 @@
                 <a:latin typeface="Arial"/>
                 <a:ea typeface="Arial"/>
               </a:rPr>
-              <a:t>Votos são finitos e cada voto é rastreável desde a sua emissão e distribuição para as carteiras das urnas até a carteira que representa o candidato.</a:t>
-            </a:r>
-            <a:endParaRPr b="0" lang="en-US" sz="1800" spc="-1" strike="noStrike">
-              <a:solidFill>
-                <a:srgbClr val="000000"/>
-              </a:solidFill>
-              <a:uFill>
-                <a:solidFill>
-                  <a:srgbClr val="ffffff"/>
-                </a:solidFill>
-              </a:uFill>
-              <a:latin typeface="Arial"/>
-            </a:endParaRPr>
-          </a:p>
-          <a:p>
-            <a:pPr marL="216000" indent="-215640" algn="just">
-              <a:lnSpc>
-                <a:spcPct val="100000"/>
-              </a:lnSpc>
-              <a:buClr>
-                <a:srgbClr val="000000"/>
-              </a:buClr>
-              <a:buSzPct val="45000"/>
-              <a:buFont typeface="Wingdings" charset="2"/>
-              <a:buChar char=""/>
-            </a:pPr>
-            <a:r>
-              <a:rPr b="0" lang="en-US" sz="2200" spc="-1" strike="noStrike">
-                <a:solidFill>
-                  <a:srgbClr val="002060"/>
-                </a:solidFill>
-                <a:uFill>
-                  <a:solidFill>
-                    <a:srgbClr val="ffffff"/>
-                  </a:solidFill>
-                </a:uFill>
-                <a:latin typeface="Arial"/>
-                <a:ea typeface="Arial"/>
-              </a:rPr>
-              <a:t> </a:t>
+              <a:t>Votos são finitos e cada voto é rastreável desde a sua emissão e distribuição para as carteiras das urnas até a carteira que representa o candidato. </a:t>
             </a:r>
             <a:endParaRPr b="0" lang="en-US" sz="1800" spc="-1" strike="noStrike">
               <a:solidFill>
@@ -12384,14 +14717,14 @@
       </p:grpSpPr>
       <p:sp>
         <p:nvSpPr>
-          <p:cNvPr id="206" name="CustomShape 1"/>
+          <p:cNvPr id="245" name="CustomShape 1"/>
           <p:cNvSpPr/>
           <p:nvPr/>
         </p:nvSpPr>
         <p:spPr>
           <a:xfrm>
             <a:off x="1596600" y="3004560"/>
-            <a:ext cx="6267240" cy="927360"/>
+            <a:ext cx="6266880" cy="927000"/>
           </a:xfrm>
           <a:prstGeom prst="rect">
             <a:avLst/>
@@ -12449,9 +14782,9 @@
               </a:lnSpc>
             </a:pPr>
             <a:r>
-              <a:rPr b="0" lang="en-US" sz="2200" spc="-1" strike="noStrike">
-                <a:solidFill>
-                  <a:srgbClr val="002060"/>
+              <a:rPr b="0" lang="en-US" sz="2200" spc="-1" strike="noStrike" u="sng">
+                <a:solidFill>
+                  <a:srgbClr val="0000ff"/>
                 </a:solidFill>
                 <a:uFill>
                   <a:solidFill>
@@ -12509,75 +14842,18 @@
               <a:latin typeface="Arial"/>
             </a:endParaRPr>
           </a:p>
-          <a:p>
-            <a:pPr marL="216000" indent="-215640" algn="just">
-              <a:lnSpc>
-                <a:spcPct val="100000"/>
-              </a:lnSpc>
-              <a:buClr>
-                <a:srgbClr val="000000"/>
-              </a:buClr>
-              <a:buSzPct val="45000"/>
-              <a:buFont typeface="Wingdings" charset="2"/>
-              <a:buChar char=""/>
-            </a:pPr>
-            <a:r>
-              <a:rPr b="0" lang="en-US" sz="2200" spc="-1" strike="noStrike">
-                <a:solidFill>
-                  <a:srgbClr val="002060"/>
-                </a:solidFill>
-                <a:uFill>
-                  <a:solidFill>
-                    <a:srgbClr val="ffffff"/>
-                  </a:solidFill>
-                </a:uFill>
-                <a:latin typeface="Arial"/>
-                <a:ea typeface="Arial"/>
-              </a:rPr>
-              <a:t> </a:t>
-            </a:r>
-            <a:endParaRPr b="0" lang="en-US" sz="1800" spc="-1" strike="noStrike">
-              <a:solidFill>
-                <a:srgbClr val="000000"/>
-              </a:solidFill>
-              <a:uFill>
-                <a:solidFill>
-                  <a:srgbClr val="ffffff"/>
-                </a:solidFill>
-              </a:uFill>
-              <a:latin typeface="Arial"/>
-            </a:endParaRPr>
-          </a:p>
-          <a:p>
-            <a:pPr algn="just">
-              <a:lnSpc>
-                <a:spcPct val="100000"/>
-              </a:lnSpc>
-            </a:pPr>
-            <a:endParaRPr b="0" lang="en-US" sz="1800" spc="-1" strike="noStrike">
-              <a:solidFill>
-                <a:srgbClr val="000000"/>
-              </a:solidFill>
-              <a:uFill>
-                <a:solidFill>
-                  <a:srgbClr val="ffffff"/>
-                </a:solidFill>
-              </a:uFill>
-              <a:latin typeface="Arial"/>
-            </a:endParaRPr>
-          </a:p>
         </p:txBody>
       </p:sp>
       <p:sp>
         <p:nvSpPr>
-          <p:cNvPr id="207" name="CustomShape 2"/>
+          <p:cNvPr id="246" name="CustomShape 2"/>
           <p:cNvSpPr/>
           <p:nvPr/>
         </p:nvSpPr>
         <p:spPr>
           <a:xfrm>
             <a:off x="1383840" y="536040"/>
-            <a:ext cx="6103080" cy="577080"/>
+            <a:ext cx="6102720" cy="576720"/>
           </a:xfrm>
           <a:prstGeom prst="rect">
             <a:avLst/>
@@ -12596,14 +14872,14 @@
       </p:sp>
       <p:sp>
         <p:nvSpPr>
-          <p:cNvPr id="208" name="CustomShape 3"/>
+          <p:cNvPr id="247" name="CustomShape 3"/>
           <p:cNvSpPr/>
           <p:nvPr/>
         </p:nvSpPr>
         <p:spPr>
           <a:xfrm>
             <a:off x="91440" y="1005840"/>
-            <a:ext cx="8138160" cy="182880"/>
+            <a:ext cx="8137800" cy="182520"/>
           </a:xfrm>
           <a:prstGeom prst="rect">
             <a:avLst/>
@@ -12624,14 +14900,14 @@
       </p:sp>
       <p:sp>
         <p:nvSpPr>
-          <p:cNvPr id="209" name="CustomShape 4"/>
+          <p:cNvPr id="248" name="CustomShape 4"/>
           <p:cNvSpPr/>
           <p:nvPr/>
         </p:nvSpPr>
         <p:spPr>
           <a:xfrm>
             <a:off x="1463040" y="1891800"/>
-            <a:ext cx="6103080" cy="577080"/>
+            <a:ext cx="6102720" cy="576720"/>
           </a:xfrm>
           <a:prstGeom prst="rect">
             <a:avLst/>
@@ -12735,14 +15011,14 @@
       </p:grpSpPr>
       <p:sp>
         <p:nvSpPr>
-          <p:cNvPr id="91" name="CustomShape 1"/>
+          <p:cNvPr id="130" name="CustomShape 1"/>
           <p:cNvSpPr/>
           <p:nvPr/>
         </p:nvSpPr>
         <p:spPr>
           <a:xfrm>
             <a:off x="3079440" y="536040"/>
-            <a:ext cx="2984040" cy="577080"/>
+            <a:ext cx="2983680" cy="576720"/>
           </a:xfrm>
           <a:prstGeom prst="rect">
             <a:avLst/>
@@ -12797,14 +15073,14 @@
       </p:sp>
       <p:sp>
         <p:nvSpPr>
-          <p:cNvPr id="92" name="CustomShape 2"/>
+          <p:cNvPr id="131" name="CustomShape 2"/>
           <p:cNvSpPr/>
           <p:nvPr/>
         </p:nvSpPr>
         <p:spPr>
           <a:xfrm>
             <a:off x="2319120" y="1645200"/>
-            <a:ext cx="6267240" cy="2936880"/>
+            <a:ext cx="6266880" cy="2936520"/>
           </a:xfrm>
           <a:prstGeom prst="rect">
             <a:avLst/>
@@ -12856,7 +15132,7 @@
             </a:endParaRPr>
           </a:p>
           <a:p>
-            <a:pPr marL="257040" indent="-255960">
+            <a:pPr marL="257040" indent="-255600">
               <a:lnSpc>
                 <a:spcPct val="150000"/>
               </a:lnSpc>
@@ -12895,7 +15171,7 @@
             </a:endParaRPr>
           </a:p>
           <a:p>
-            <a:pPr marL="257040" indent="-255960">
+            <a:pPr marL="257040" indent="-255600">
               <a:lnSpc>
                 <a:spcPct val="150000"/>
               </a:lnSpc>
@@ -12934,7 +15210,7 @@
             </a:endParaRPr>
           </a:p>
           <a:p>
-            <a:pPr marL="257040" indent="-255960">
+            <a:pPr marL="257040" indent="-255600">
               <a:lnSpc>
                 <a:spcPct val="150000"/>
               </a:lnSpc>
@@ -12973,7 +15249,7 @@
             </a:endParaRPr>
           </a:p>
           <a:p>
-            <a:pPr marL="257040" indent="-255960">
+            <a:pPr marL="257040" indent="-255600">
               <a:lnSpc>
                 <a:spcPct val="150000"/>
               </a:lnSpc>
@@ -13012,7 +15288,7 @@
             </a:endParaRPr>
           </a:p>
           <a:p>
-            <a:pPr marL="257040" indent="-255960">
+            <a:pPr marL="257040" indent="-255600">
               <a:lnSpc>
                 <a:spcPct val="150000"/>
               </a:lnSpc>
@@ -13036,64 +15312,25 @@
                 <a:latin typeface="Arial"/>
                 <a:ea typeface="DejaVu Sans"/>
               </a:rPr>
-              <a:t>Descrição das causas facilitadoras de fraude</a:t>
-            </a:r>
-            <a:endParaRPr b="0" lang="en-US" sz="1800" spc="-1" strike="noStrike">
-              <a:solidFill>
-                <a:srgbClr val="000000"/>
-              </a:solidFill>
-              <a:uFill>
-                <a:solidFill>
-                  <a:srgbClr val="ffffff"/>
-                </a:solidFill>
-              </a:uFill>
-              <a:latin typeface="Arial"/>
-            </a:endParaRPr>
-          </a:p>
-          <a:p>
-            <a:pPr marL="257040" indent="-255960">
+              <a:t>Inviável auditar o código que está sendo executado em produção</a:t>
+            </a:r>
+            <a:endParaRPr b="0" lang="en-US" sz="1800" spc="-1" strike="noStrike">
+              <a:solidFill>
+                <a:srgbClr val="000000"/>
+              </a:solidFill>
+              <a:uFill>
+                <a:solidFill>
+                  <a:srgbClr val="ffffff"/>
+                </a:solidFill>
+              </a:uFill>
+              <a:latin typeface="Arial"/>
+            </a:endParaRPr>
+          </a:p>
+          <a:p>
+            <a:pPr>
               <a:lnSpc>
                 <a:spcPct val="150000"/>
               </a:lnSpc>
-              <a:buClr>
-                <a:srgbClr val="002060"/>
-              </a:buClr>
-              <a:buSzPct val="130000"/>
-              <a:buFont typeface="Arial"/>
-              <a:buChar char="•"/>
-            </a:pPr>
-            <a:r>
-              <a:rPr b="0" lang="en-US" sz="2200" spc="-1" strike="noStrike">
-                <a:solidFill>
-                  <a:srgbClr val="002060"/>
-                </a:solidFill>
-                <a:uFill>
-                  <a:solidFill>
-                    <a:srgbClr val="ffffff"/>
-                  </a:solidFill>
-                </a:uFill>
-                <a:latin typeface="Arial"/>
-                <a:ea typeface="DejaVu Sans"/>
-              </a:rPr>
-              <a:t>Inviável auditar o código que está sendo executado em produção</a:t>
-            </a:r>
-            <a:endParaRPr b="0" lang="en-US" sz="1800" spc="-1" strike="noStrike">
-              <a:solidFill>
-                <a:srgbClr val="000000"/>
-              </a:solidFill>
-              <a:uFill>
-                <a:solidFill>
-                  <a:srgbClr val="ffffff"/>
-                </a:solidFill>
-              </a:uFill>
-              <a:latin typeface="Arial"/>
-            </a:endParaRPr>
-          </a:p>
-          <a:p>
-            <a:pPr>
-              <a:lnSpc>
-                <a:spcPct val="150000"/>
-              </a:lnSpc>
             </a:pPr>
             <a:endParaRPr b="0" lang="en-US" sz="1800" spc="-1" strike="noStrike">
               <a:solidFill>
@@ -13111,14 +15348,14 @@
       </p:sp>
       <p:sp>
         <p:nvSpPr>
-          <p:cNvPr id="93" name="CustomShape 3"/>
+          <p:cNvPr id="132" name="CustomShape 3"/>
           <p:cNvSpPr/>
           <p:nvPr/>
         </p:nvSpPr>
         <p:spPr>
           <a:xfrm>
             <a:off x="2082240" y="1086840"/>
-            <a:ext cx="44640" cy="5790240"/>
+            <a:ext cx="44280" cy="5789880"/>
           </a:xfrm>
           <a:prstGeom prst="rect">
             <a:avLst/>
@@ -13144,14 +15381,14 @@
       </p:sp>
       <p:sp>
         <p:nvSpPr>
-          <p:cNvPr id="94" name="CustomShape 4"/>
+          <p:cNvPr id="133" name="CustomShape 4"/>
           <p:cNvSpPr/>
           <p:nvPr/>
         </p:nvSpPr>
         <p:spPr>
           <a:xfrm>
             <a:off x="0" y="2017080"/>
-            <a:ext cx="2081160" cy="44640"/>
+            <a:ext cx="2080800" cy="44280"/>
           </a:xfrm>
           <a:prstGeom prst="rect">
             <a:avLst/>
@@ -13177,14 +15414,14 @@
       </p:sp>
       <p:sp>
         <p:nvSpPr>
-          <p:cNvPr id="95" name="CustomShape 5"/>
+          <p:cNvPr id="134" name="CustomShape 5"/>
           <p:cNvSpPr/>
           <p:nvPr/>
         </p:nvSpPr>
         <p:spPr>
           <a:xfrm>
             <a:off x="6553080" y="6356520"/>
-            <a:ext cx="2132640" cy="363960"/>
+            <a:ext cx="2132280" cy="363600"/>
           </a:xfrm>
           <a:prstGeom prst="rect">
             <a:avLst/>
@@ -13208,7 +15445,7 @@
                 <a:spcPct val="100000"/>
               </a:lnSpc>
             </a:pPr>
-            <a:fld id="{52C8FC43-CE77-4CE5-8987-0999BEC8C897}" type="slidenum">
+            <a:fld id="{EE39AE3C-3603-47F5-931B-58F9753691E0}" type="slidenum">
               <a:rPr b="0" lang="en-US" sz="900" spc="-1" strike="noStrike">
                 <a:solidFill>
                   <a:srgbClr val="898c9d"/>
@@ -13239,14 +15476,14 @@
       </p:sp>
       <p:sp>
         <p:nvSpPr>
-          <p:cNvPr id="96" name="CustomShape 6"/>
+          <p:cNvPr id="135" name="CustomShape 6"/>
           <p:cNvSpPr/>
           <p:nvPr/>
         </p:nvSpPr>
         <p:spPr>
           <a:xfrm>
             <a:off x="0" y="1673640"/>
-            <a:ext cx="2074320" cy="2860200"/>
+            <a:ext cx="2073960" cy="2859840"/>
           </a:xfrm>
           <a:prstGeom prst="rect">
             <a:avLst/>
@@ -13554,14 +15791,14 @@
       </p:grpSpPr>
       <p:sp>
         <p:nvSpPr>
-          <p:cNvPr id="97" name="CustomShape 1"/>
+          <p:cNvPr id="136" name="CustomShape 1"/>
           <p:cNvSpPr/>
           <p:nvPr/>
         </p:nvSpPr>
         <p:spPr>
           <a:xfrm>
             <a:off x="3079440" y="536040"/>
-            <a:ext cx="2984040" cy="577080"/>
+            <a:ext cx="2983680" cy="576720"/>
           </a:xfrm>
           <a:prstGeom prst="rect">
             <a:avLst/>
@@ -13616,14 +15853,14 @@
       </p:sp>
       <p:sp>
         <p:nvSpPr>
-          <p:cNvPr id="98" name="CustomShape 2"/>
+          <p:cNvPr id="137" name="CustomShape 2"/>
           <p:cNvSpPr/>
           <p:nvPr/>
         </p:nvSpPr>
         <p:spPr>
           <a:xfrm>
             <a:off x="2319120" y="1645200"/>
-            <a:ext cx="6267240" cy="4444560"/>
+            <a:ext cx="6266880" cy="4444200"/>
           </a:xfrm>
           <a:prstGeom prst="rect">
             <a:avLst/>
@@ -13675,7 +15912,7 @@
             </a:endParaRPr>
           </a:p>
           <a:p>
-            <a:pPr lvl="1" marL="432000" indent="-215280">
+            <a:pPr lvl="1" marL="432000" indent="-214920">
               <a:lnSpc>
                 <a:spcPct val="150000"/>
               </a:lnSpc>
@@ -13714,7 +15951,7 @@
             </a:endParaRPr>
           </a:p>
           <a:p>
-            <a:pPr lvl="1" marL="432000" indent="-215280">
+            <a:pPr lvl="1" marL="432000" indent="-214920">
               <a:lnSpc>
                 <a:spcPct val="150000"/>
               </a:lnSpc>
@@ -13753,7 +15990,7 @@
             </a:endParaRPr>
           </a:p>
           <a:p>
-            <a:pPr lvl="1" marL="432000" indent="-215280">
+            <a:pPr lvl="1" marL="432000" indent="-214920">
               <a:lnSpc>
                 <a:spcPct val="150000"/>
               </a:lnSpc>
@@ -13792,7 +16029,7 @@
             </a:endParaRPr>
           </a:p>
           <a:p>
-            <a:pPr lvl="1" marL="432000" indent="-215280">
+            <a:pPr lvl="1" marL="432000" indent="-214920">
               <a:lnSpc>
                 <a:spcPct val="150000"/>
               </a:lnSpc>
@@ -13831,7 +16068,7 @@
             </a:endParaRPr>
           </a:p>
           <a:p>
-            <a:pPr lvl="1" marL="432000" indent="-215280">
+            <a:pPr lvl="1" marL="432000" indent="-214920">
               <a:lnSpc>
                 <a:spcPct val="150000"/>
               </a:lnSpc>
@@ -13891,14 +16128,14 @@
       </p:sp>
       <p:sp>
         <p:nvSpPr>
-          <p:cNvPr id="99" name="CustomShape 3"/>
+          <p:cNvPr id="138" name="CustomShape 3"/>
           <p:cNvSpPr/>
           <p:nvPr/>
         </p:nvSpPr>
         <p:spPr>
           <a:xfrm>
             <a:off x="2082240" y="1086840"/>
-            <a:ext cx="44640" cy="5790240"/>
+            <a:ext cx="44280" cy="5789880"/>
           </a:xfrm>
           <a:prstGeom prst="rect">
             <a:avLst/>
@@ -13924,14 +16161,14 @@
       </p:sp>
       <p:sp>
         <p:nvSpPr>
-          <p:cNvPr id="100" name="CustomShape 4"/>
+          <p:cNvPr id="139" name="CustomShape 4"/>
           <p:cNvSpPr/>
           <p:nvPr/>
         </p:nvSpPr>
         <p:spPr>
           <a:xfrm>
             <a:off x="0" y="2017080"/>
-            <a:ext cx="2081160" cy="44640"/>
+            <a:ext cx="2080800" cy="44280"/>
           </a:xfrm>
           <a:prstGeom prst="rect">
             <a:avLst/>
@@ -13957,14 +16194,14 @@
       </p:sp>
       <p:sp>
         <p:nvSpPr>
-          <p:cNvPr id="101" name="CustomShape 5"/>
+          <p:cNvPr id="140" name="CustomShape 5"/>
           <p:cNvSpPr/>
           <p:nvPr/>
         </p:nvSpPr>
         <p:spPr>
           <a:xfrm>
             <a:off x="6553080" y="6356520"/>
-            <a:ext cx="2132640" cy="363960"/>
+            <a:ext cx="2132280" cy="363600"/>
           </a:xfrm>
           <a:prstGeom prst="rect">
             <a:avLst/>
@@ -13988,7 +16225,7 @@
                 <a:spcPct val="100000"/>
               </a:lnSpc>
             </a:pPr>
-            <a:fld id="{E95EFF68-7109-4E57-9E1A-CEA73B1BD9CF}" type="slidenum">
+            <a:fld id="{A96B6846-6F48-4AA2-8A90-325668B8AD25}" type="slidenum">
               <a:rPr b="0" lang="en-US" sz="900" spc="-1" strike="noStrike">
                 <a:solidFill>
                   <a:srgbClr val="898c9d"/>
@@ -14019,14 +16256,14 @@
       </p:sp>
       <p:sp>
         <p:nvSpPr>
-          <p:cNvPr id="102" name="CustomShape 6"/>
+          <p:cNvPr id="141" name="CustomShape 6"/>
           <p:cNvSpPr/>
           <p:nvPr/>
         </p:nvSpPr>
         <p:spPr>
           <a:xfrm>
             <a:off x="0" y="1673640"/>
-            <a:ext cx="2074320" cy="2860200"/>
+            <a:ext cx="2073960" cy="2859840"/>
           </a:xfrm>
           <a:prstGeom prst="rect">
             <a:avLst/>
@@ -14334,14 +16571,14 @@
       </p:grpSpPr>
       <p:sp>
         <p:nvSpPr>
-          <p:cNvPr id="103" name="CustomShape 1"/>
+          <p:cNvPr id="142" name="CustomShape 1"/>
           <p:cNvSpPr/>
           <p:nvPr/>
         </p:nvSpPr>
         <p:spPr>
           <a:xfrm>
             <a:off x="3079440" y="536040"/>
-            <a:ext cx="2984040" cy="577080"/>
+            <a:ext cx="2983680" cy="576720"/>
           </a:xfrm>
           <a:prstGeom prst="rect">
             <a:avLst/>
@@ -14396,14 +16633,14 @@
       </p:sp>
       <p:sp>
         <p:nvSpPr>
-          <p:cNvPr id="104" name="CustomShape 2"/>
+          <p:cNvPr id="143" name="CustomShape 2"/>
           <p:cNvSpPr/>
           <p:nvPr/>
         </p:nvSpPr>
         <p:spPr>
           <a:xfrm>
             <a:off x="2319120" y="1645200"/>
-            <a:ext cx="6267240" cy="1429200"/>
+            <a:ext cx="6266880" cy="1428840"/>
           </a:xfrm>
           <a:prstGeom prst="rect">
             <a:avLst/>
@@ -14455,7 +16692,7 @@
             </a:endParaRPr>
           </a:p>
           <a:p>
-            <a:pPr marL="257040" indent="-255960">
+            <a:pPr marL="257040" indent="-255600">
               <a:lnSpc>
                 <a:spcPct val="150000"/>
               </a:lnSpc>
@@ -14494,7 +16731,7 @@
             </a:endParaRPr>
           </a:p>
           <a:p>
-            <a:pPr marL="257040" indent="-255960">
+            <a:pPr marL="257040" indent="-255600">
               <a:lnSpc>
                 <a:spcPct val="150000"/>
               </a:lnSpc>
@@ -14533,7 +16770,7 @@
             </a:endParaRPr>
           </a:p>
           <a:p>
-            <a:pPr marL="257040" indent="-255960">
+            <a:pPr marL="257040" indent="-255600">
               <a:lnSpc>
                 <a:spcPct val="150000"/>
               </a:lnSpc>
@@ -14593,14 +16830,14 @@
       </p:sp>
       <p:sp>
         <p:nvSpPr>
-          <p:cNvPr id="105" name="CustomShape 3"/>
+          <p:cNvPr id="144" name="CustomShape 3"/>
           <p:cNvSpPr/>
           <p:nvPr/>
         </p:nvSpPr>
         <p:spPr>
           <a:xfrm>
             <a:off x="2082240" y="1086840"/>
-            <a:ext cx="44640" cy="5790240"/>
+            <a:ext cx="44280" cy="5789880"/>
           </a:xfrm>
           <a:prstGeom prst="rect">
             <a:avLst/>
@@ -14626,14 +16863,14 @@
       </p:sp>
       <p:sp>
         <p:nvSpPr>
-          <p:cNvPr id="106" name="CustomShape 4"/>
+          <p:cNvPr id="145" name="CustomShape 4"/>
           <p:cNvSpPr/>
           <p:nvPr/>
         </p:nvSpPr>
         <p:spPr>
           <a:xfrm>
             <a:off x="0" y="2017080"/>
-            <a:ext cx="2081160" cy="44640"/>
+            <a:ext cx="2080800" cy="44280"/>
           </a:xfrm>
           <a:prstGeom prst="rect">
             <a:avLst/>
@@ -14659,14 +16896,14 @@
       </p:sp>
       <p:sp>
         <p:nvSpPr>
-          <p:cNvPr id="107" name="CustomShape 5"/>
+          <p:cNvPr id="146" name="CustomShape 5"/>
           <p:cNvSpPr/>
           <p:nvPr/>
         </p:nvSpPr>
         <p:spPr>
           <a:xfrm>
             <a:off x="6553080" y="6356520"/>
-            <a:ext cx="2132640" cy="363960"/>
+            <a:ext cx="2132280" cy="363600"/>
           </a:xfrm>
           <a:prstGeom prst="rect">
             <a:avLst/>
@@ -14690,7 +16927,7 @@
                 <a:spcPct val="100000"/>
               </a:lnSpc>
             </a:pPr>
-            <a:fld id="{B2978DDB-9FEF-4970-9B91-D7FABE4A832D}" type="slidenum">
+            <a:fld id="{F795F9CC-438A-4EFF-A3DF-5FB6608F3489}" type="slidenum">
               <a:rPr b="0" lang="en-US" sz="900" spc="-1" strike="noStrike">
                 <a:solidFill>
                   <a:srgbClr val="898c9d"/>
@@ -14721,14 +16958,14 @@
       </p:sp>
       <p:sp>
         <p:nvSpPr>
-          <p:cNvPr id="108" name="CustomShape 6"/>
+          <p:cNvPr id="147" name="CustomShape 6"/>
           <p:cNvSpPr/>
           <p:nvPr/>
         </p:nvSpPr>
         <p:spPr>
           <a:xfrm>
             <a:off x="0" y="1673640"/>
-            <a:ext cx="2074320" cy="2860200"/>
+            <a:ext cx="2073960" cy="2859840"/>
           </a:xfrm>
           <a:prstGeom prst="rect">
             <a:avLst/>
@@ -14987,14 +17224,14 @@
       </p:sp>
       <p:sp>
         <p:nvSpPr>
-          <p:cNvPr id="109" name="CustomShape 7"/>
+          <p:cNvPr id="148" name="CustomShape 7"/>
           <p:cNvSpPr/>
           <p:nvPr/>
         </p:nvSpPr>
         <p:spPr>
           <a:xfrm>
             <a:off x="3749040" y="5852160"/>
-            <a:ext cx="4822560" cy="346320"/>
+            <a:ext cx="4822200" cy="345960"/>
           </a:xfrm>
           <a:prstGeom prst="rect">
             <a:avLst/>
@@ -15024,6 +17261,7 @@
                   </a:solidFill>
                 </a:uFill>
                 <a:latin typeface="Arial"/>
+                <a:ea typeface="DejaVu Sans"/>
               </a:rPr>
               <a:t>Fonte: Financial Times. AHMED, Murad. 2014</a:t>
             </a:r>
@@ -15092,14 +17330,14 @@
       </p:grpSpPr>
       <p:sp>
         <p:nvSpPr>
-          <p:cNvPr id="110" name="CustomShape 1"/>
+          <p:cNvPr id="149" name="CustomShape 1"/>
           <p:cNvSpPr/>
           <p:nvPr/>
         </p:nvSpPr>
         <p:spPr>
           <a:xfrm>
             <a:off x="3079440" y="536040"/>
-            <a:ext cx="2984040" cy="577080"/>
+            <a:ext cx="2983680" cy="576720"/>
           </a:xfrm>
           <a:prstGeom prst="rect">
             <a:avLst/>
@@ -15154,14 +17392,14 @@
       </p:sp>
       <p:sp>
         <p:nvSpPr>
-          <p:cNvPr id="111" name="CustomShape 2"/>
+          <p:cNvPr id="150" name="CustomShape 2"/>
           <p:cNvSpPr/>
           <p:nvPr/>
         </p:nvSpPr>
         <p:spPr>
           <a:xfrm>
             <a:off x="2327400" y="2378520"/>
-            <a:ext cx="6267240" cy="2832840"/>
+            <a:ext cx="6266880" cy="2832480"/>
           </a:xfrm>
           <a:prstGeom prst="rect">
             <a:avLst/>
@@ -15216,14 +17454,14 @@
       </p:sp>
       <p:sp>
         <p:nvSpPr>
-          <p:cNvPr id="112" name="CustomShape 3"/>
+          <p:cNvPr id="151" name="CustomShape 3"/>
           <p:cNvSpPr/>
           <p:nvPr/>
         </p:nvSpPr>
         <p:spPr>
           <a:xfrm>
             <a:off x="2082240" y="1086840"/>
-            <a:ext cx="44640" cy="5790240"/>
+            <a:ext cx="44280" cy="5789880"/>
           </a:xfrm>
           <a:prstGeom prst="rect">
             <a:avLst/>
@@ -15249,14 +17487,14 @@
       </p:sp>
       <p:sp>
         <p:nvSpPr>
-          <p:cNvPr id="113" name="CustomShape 4"/>
+          <p:cNvPr id="152" name="CustomShape 4"/>
           <p:cNvSpPr/>
           <p:nvPr/>
         </p:nvSpPr>
         <p:spPr>
           <a:xfrm>
             <a:off x="23040" y="2661480"/>
-            <a:ext cx="2081160" cy="44640"/>
+            <a:ext cx="2080800" cy="44280"/>
           </a:xfrm>
           <a:prstGeom prst="rect">
             <a:avLst/>
@@ -15282,14 +17520,14 @@
       </p:sp>
       <p:sp>
         <p:nvSpPr>
-          <p:cNvPr id="114" name="CustomShape 5"/>
+          <p:cNvPr id="153" name="CustomShape 5"/>
           <p:cNvSpPr/>
           <p:nvPr/>
         </p:nvSpPr>
         <p:spPr>
           <a:xfrm>
             <a:off x="6553080" y="6356520"/>
-            <a:ext cx="2132640" cy="363960"/>
+            <a:ext cx="2132280" cy="363600"/>
           </a:xfrm>
           <a:prstGeom prst="rect">
             <a:avLst/>
@@ -15313,7 +17551,7 @@
                 <a:spcPct val="100000"/>
               </a:lnSpc>
             </a:pPr>
-            <a:fld id="{3E666DF1-C35E-446F-A693-5224EB535F08}" type="slidenum">
+            <a:fld id="{42693EE1-28B6-4CCF-9EDF-42F89B5A6E3A}" type="slidenum">
               <a:rPr b="0" lang="en-US" sz="900" spc="-1" strike="noStrike">
                 <a:solidFill>
                   <a:srgbClr val="898c9d"/>
@@ -15344,14 +17582,14 @@
       </p:sp>
       <p:sp>
         <p:nvSpPr>
-          <p:cNvPr id="115" name="CustomShape 6"/>
+          <p:cNvPr id="154" name="CustomShape 6"/>
           <p:cNvSpPr/>
           <p:nvPr/>
         </p:nvSpPr>
         <p:spPr>
           <a:xfrm>
             <a:off x="0" y="1673640"/>
-            <a:ext cx="2074320" cy="2860200"/>
+            <a:ext cx="2073960" cy="2859840"/>
           </a:xfrm>
           <a:prstGeom prst="rect">
             <a:avLst/>
@@ -15659,14 +17897,14 @@
       </p:grpSpPr>
       <p:sp>
         <p:nvSpPr>
-          <p:cNvPr id="116" name="CustomShape 1"/>
+          <p:cNvPr id="155" name="CustomShape 1"/>
           <p:cNvSpPr/>
           <p:nvPr/>
         </p:nvSpPr>
         <p:spPr>
           <a:xfrm>
             <a:off x="2319120" y="501840"/>
-            <a:ext cx="4479480" cy="577080"/>
+            <a:ext cx="4479120" cy="576720"/>
           </a:xfrm>
           <a:prstGeom prst="rect">
             <a:avLst/>
@@ -15721,14 +17959,14 @@
       </p:sp>
       <p:sp>
         <p:nvSpPr>
-          <p:cNvPr id="117" name="CustomShape 2"/>
+          <p:cNvPr id="156" name="CustomShape 2"/>
           <p:cNvSpPr/>
           <p:nvPr/>
         </p:nvSpPr>
         <p:spPr>
           <a:xfrm>
             <a:off x="2082240" y="1086840"/>
-            <a:ext cx="44640" cy="5790240"/>
+            <a:ext cx="44280" cy="5789880"/>
           </a:xfrm>
           <a:prstGeom prst="rect">
             <a:avLst/>
@@ -15754,14 +17992,14 @@
       </p:sp>
       <p:sp>
         <p:nvSpPr>
-          <p:cNvPr id="118" name="CustomShape 3"/>
+          <p:cNvPr id="157" name="CustomShape 3"/>
           <p:cNvSpPr/>
           <p:nvPr/>
         </p:nvSpPr>
         <p:spPr>
           <a:xfrm>
             <a:off x="6553080" y="6356520"/>
-            <a:ext cx="2132640" cy="363960"/>
+            <a:ext cx="2132280" cy="363600"/>
           </a:xfrm>
           <a:prstGeom prst="rect">
             <a:avLst/>
@@ -15785,7 +18023,7 @@
                 <a:spcPct val="100000"/>
               </a:lnSpc>
             </a:pPr>
-            <a:fld id="{AEFAB50A-72F1-478A-AC39-E7D2463E1324}" type="slidenum">
+            <a:fld id="{3E680C15-31D4-4A5A-9D00-DD50B05261C8}" type="slidenum">
               <a:rPr b="0" lang="en-US" sz="900" spc="-1" strike="noStrike">
                 <a:solidFill>
                   <a:srgbClr val="898c9d"/>
@@ -15816,14 +18054,14 @@
       </p:sp>
       <p:sp>
         <p:nvSpPr>
-          <p:cNvPr id="119" name="CustomShape 4"/>
+          <p:cNvPr id="158" name="CustomShape 4"/>
           <p:cNvSpPr/>
           <p:nvPr/>
         </p:nvSpPr>
         <p:spPr>
           <a:xfrm>
             <a:off x="0" y="1673640"/>
-            <a:ext cx="2074320" cy="2860200"/>
+            <a:ext cx="2073960" cy="2859840"/>
           </a:xfrm>
           <a:prstGeom prst="rect">
             <a:avLst/>
@@ -16082,14 +18320,14 @@
       </p:sp>
       <p:sp>
         <p:nvSpPr>
-          <p:cNvPr id="120" name="CustomShape 5"/>
+          <p:cNvPr id="159" name="CustomShape 5"/>
           <p:cNvSpPr/>
           <p:nvPr/>
         </p:nvSpPr>
         <p:spPr>
           <a:xfrm>
             <a:off x="2319120" y="1645200"/>
-            <a:ext cx="6267240" cy="927360"/>
+            <a:ext cx="6266880" cy="927000"/>
           </a:xfrm>
           <a:prstGeom prst="rect">
             <a:avLst/>
@@ -16108,7 +18346,7 @@
         <p:txBody>
           <a:bodyPr lIns="90000" rIns="90000" tIns="45000" bIns="45000"/>
           <a:p>
-            <a:pPr marL="216000" indent="-215640" algn="just">
+            <a:pPr marL="216000" indent="-215280" algn="just">
               <a:lnSpc>
                 <a:spcPct val="100000"/>
               </a:lnSpc>
@@ -16146,7 +18384,7 @@
             </a:endParaRPr>
           </a:p>
           <a:p>
-            <a:pPr marL="216000" indent="-215640" algn="just">
+            <a:pPr marL="216000" indent="-215280" algn="just">
               <a:lnSpc>
                 <a:spcPct val="100000"/>
               </a:lnSpc>
@@ -16184,7 +18422,7 @@
             </a:endParaRPr>
           </a:p>
           <a:p>
-            <a:pPr marL="216000" indent="-215640" algn="just">
+            <a:pPr marL="216000" indent="-215280" algn="just">
               <a:lnSpc>
                 <a:spcPct val="100000"/>
               </a:lnSpc>
@@ -16222,7 +18460,7 @@
             </a:endParaRPr>
           </a:p>
           <a:p>
-            <a:pPr marL="219600" indent="-219240" algn="just">
+            <a:pPr marL="219600" indent="-218880" algn="just">
               <a:lnSpc>
                 <a:spcPct val="100000"/>
               </a:lnSpc>
@@ -16260,7 +18498,7 @@
             </a:endParaRPr>
           </a:p>
           <a:p>
-            <a:pPr marL="219600" indent="-219240" algn="just">
+            <a:pPr marL="219600" indent="-218880" algn="just">
               <a:lnSpc>
                 <a:spcPct val="100000"/>
               </a:lnSpc>
@@ -16319,14 +18557,14 @@
       </p:sp>
       <p:sp>
         <p:nvSpPr>
-          <p:cNvPr id="121" name="CustomShape 6"/>
+          <p:cNvPr id="160" name="CustomShape 6"/>
           <p:cNvSpPr/>
           <p:nvPr/>
         </p:nvSpPr>
         <p:spPr>
           <a:xfrm>
             <a:off x="-6840" y="3474720"/>
-            <a:ext cx="2081160" cy="44640"/>
+            <a:ext cx="2080800" cy="44280"/>
           </a:xfrm>
           <a:prstGeom prst="rect">
             <a:avLst/>
@@ -16401,14 +18639,14 @@
       </p:grpSpPr>
       <p:sp>
         <p:nvSpPr>
-          <p:cNvPr id="122" name="CustomShape 1"/>
+          <p:cNvPr id="161" name="CustomShape 1"/>
           <p:cNvSpPr/>
           <p:nvPr/>
         </p:nvSpPr>
         <p:spPr>
           <a:xfrm>
             <a:off x="2319120" y="501840"/>
-            <a:ext cx="4479480" cy="577080"/>
+            <a:ext cx="4479120" cy="576720"/>
           </a:xfrm>
           <a:prstGeom prst="rect">
             <a:avLst/>
@@ -16463,14 +18701,14 @@
       </p:sp>
       <p:sp>
         <p:nvSpPr>
-          <p:cNvPr id="123" name="CustomShape 2"/>
+          <p:cNvPr id="162" name="CustomShape 2"/>
           <p:cNvSpPr/>
           <p:nvPr/>
         </p:nvSpPr>
         <p:spPr>
           <a:xfrm>
             <a:off x="2082240" y="1086840"/>
-            <a:ext cx="44640" cy="5790240"/>
+            <a:ext cx="44280" cy="5789880"/>
           </a:xfrm>
           <a:prstGeom prst="rect">
             <a:avLst/>
@@ -16496,14 +18734,14 @@
       </p:sp>
       <p:sp>
         <p:nvSpPr>
-          <p:cNvPr id="124" name="CustomShape 3"/>
+          <p:cNvPr id="163" name="CustomShape 3"/>
           <p:cNvSpPr/>
           <p:nvPr/>
         </p:nvSpPr>
         <p:spPr>
           <a:xfrm>
             <a:off x="6553080" y="6356520"/>
-            <a:ext cx="2132640" cy="363960"/>
+            <a:ext cx="2132280" cy="363600"/>
           </a:xfrm>
           <a:prstGeom prst="rect">
             <a:avLst/>
@@ -16527,7 +18765,7 @@
                 <a:spcPct val="100000"/>
               </a:lnSpc>
             </a:pPr>
-            <a:fld id="{5206EDF2-7866-4652-A13F-112C81CE813A}" type="slidenum">
+            <a:fld id="{9CB58743-AAA4-4CD9-9986-EB93D708623E}" type="slidenum">
               <a:rPr b="0" lang="en-US" sz="900" spc="-1" strike="noStrike">
                 <a:solidFill>
                   <a:srgbClr val="898c9d"/>
@@ -16558,14 +18796,14 @@
       </p:sp>
       <p:sp>
         <p:nvSpPr>
-          <p:cNvPr id="125" name="CustomShape 4"/>
+          <p:cNvPr id="164" name="CustomShape 4"/>
           <p:cNvSpPr/>
           <p:nvPr/>
         </p:nvSpPr>
         <p:spPr>
           <a:xfrm>
             <a:off x="0" y="1673640"/>
-            <a:ext cx="2074320" cy="2860200"/>
+            <a:ext cx="2073960" cy="2859840"/>
           </a:xfrm>
           <a:prstGeom prst="rect">
             <a:avLst/>
@@ -16824,14 +19062,14 @@
       </p:sp>
       <p:sp>
         <p:nvSpPr>
-          <p:cNvPr id="126" name="CustomShape 5"/>
+          <p:cNvPr id="165" name="CustomShape 5"/>
           <p:cNvSpPr/>
           <p:nvPr/>
         </p:nvSpPr>
         <p:spPr>
           <a:xfrm>
             <a:off x="2319120" y="1541160"/>
-            <a:ext cx="6267240" cy="927360"/>
+            <a:ext cx="6266880" cy="927000"/>
           </a:xfrm>
           <a:prstGeom prst="rect">
             <a:avLst/>
@@ -17018,14 +19256,14 @@
       </p:sp>
       <p:sp>
         <p:nvSpPr>
-          <p:cNvPr id="127" name="CustomShape 6"/>
+          <p:cNvPr id="166" name="CustomShape 6"/>
           <p:cNvSpPr/>
           <p:nvPr/>
         </p:nvSpPr>
         <p:spPr>
           <a:xfrm>
             <a:off x="-6840" y="3474720"/>
-            <a:ext cx="2081160" cy="44640"/>
+            <a:ext cx="2080800" cy="44280"/>
           </a:xfrm>
           <a:prstGeom prst="rect">
             <a:avLst/>
@@ -17100,14 +19338,14 @@
       </p:grpSpPr>
       <p:sp>
         <p:nvSpPr>
-          <p:cNvPr id="128" name="CustomShape 1"/>
+          <p:cNvPr id="167" name="CustomShape 1"/>
           <p:cNvSpPr/>
           <p:nvPr/>
         </p:nvSpPr>
         <p:spPr>
           <a:xfrm>
             <a:off x="2319120" y="501840"/>
-            <a:ext cx="4479480" cy="577080"/>
+            <a:ext cx="4479120" cy="576720"/>
           </a:xfrm>
           <a:prstGeom prst="rect">
             <a:avLst/>
@@ -17162,14 +19400,14 @@
       </p:sp>
       <p:sp>
         <p:nvSpPr>
-          <p:cNvPr id="129" name="CustomShape 2"/>
+          <p:cNvPr id="168" name="CustomShape 2"/>
           <p:cNvSpPr/>
           <p:nvPr/>
         </p:nvSpPr>
         <p:spPr>
           <a:xfrm>
             <a:off x="2082240" y="1086840"/>
-            <a:ext cx="44640" cy="5790240"/>
+            <a:ext cx="44280" cy="5789880"/>
           </a:xfrm>
           <a:prstGeom prst="rect">
             <a:avLst/>
@@ -17195,14 +19433,14 @@
       </p:sp>
       <p:sp>
         <p:nvSpPr>
-          <p:cNvPr id="130" name="CustomShape 3"/>
+          <p:cNvPr id="169" name="CustomShape 3"/>
           <p:cNvSpPr/>
           <p:nvPr/>
         </p:nvSpPr>
         <p:spPr>
           <a:xfrm>
             <a:off x="6553080" y="6356520"/>
-            <a:ext cx="2132640" cy="363960"/>
+            <a:ext cx="2132280" cy="363600"/>
           </a:xfrm>
           <a:prstGeom prst="rect">
             <a:avLst/>
@@ -17226,7 +19464,7 @@
                 <a:spcPct val="100000"/>
               </a:lnSpc>
             </a:pPr>
-            <a:fld id="{B642982D-1736-4BA8-B6F2-F07D5DE72410}" type="slidenum">
+            <a:fld id="{9349FB34-C176-49E7-966D-AC096ABA42D6}" type="slidenum">
               <a:rPr b="0" lang="en-US" sz="900" spc="-1" strike="noStrike">
                 <a:solidFill>
                   <a:srgbClr val="898c9d"/>
@@ -17257,14 +19495,14 @@
       </p:sp>
       <p:sp>
         <p:nvSpPr>
-          <p:cNvPr id="131" name="CustomShape 4"/>
+          <p:cNvPr id="170" name="CustomShape 4"/>
           <p:cNvSpPr/>
           <p:nvPr/>
         </p:nvSpPr>
         <p:spPr>
           <a:xfrm>
             <a:off x="0" y="1673640"/>
-            <a:ext cx="2074320" cy="2860200"/>
+            <a:ext cx="2073960" cy="2859840"/>
           </a:xfrm>
           <a:prstGeom prst="rect">
             <a:avLst/>
@@ -17523,14 +19761,14 @@
       </p:sp>
       <p:sp>
         <p:nvSpPr>
-          <p:cNvPr id="132" name="CustomShape 5"/>
+          <p:cNvPr id="171" name="CustomShape 5"/>
           <p:cNvSpPr/>
           <p:nvPr/>
         </p:nvSpPr>
         <p:spPr>
           <a:xfrm>
             <a:off x="2319120" y="1541160"/>
-            <a:ext cx="6267240" cy="927360"/>
+            <a:ext cx="6266880" cy="927000"/>
           </a:xfrm>
           <a:prstGeom prst="rect">
             <a:avLst/>
@@ -17621,14 +19859,14 @@
       </p:sp>
       <p:sp>
         <p:nvSpPr>
-          <p:cNvPr id="133" name="CustomShape 6"/>
+          <p:cNvPr id="172" name="CustomShape 6"/>
           <p:cNvSpPr/>
           <p:nvPr/>
         </p:nvSpPr>
         <p:spPr>
           <a:xfrm>
             <a:off x="-6840" y="3474720"/>
-            <a:ext cx="2081160" cy="44640"/>
+            <a:ext cx="2080800" cy="44280"/>
           </a:xfrm>
           <a:prstGeom prst="rect">
             <a:avLst/>
@@ -17654,7 +19892,7 @@
       </p:sp>
       <p:pic>
         <p:nvPicPr>
-          <p:cNvPr id="134" name="" descr=""/>
+          <p:cNvPr id="173" name="" descr=""/>
           <p:cNvPicPr/>
           <p:nvPr/>
         </p:nvPicPr>
@@ -17665,7 +19903,7 @@
         <p:spPr>
           <a:xfrm>
             <a:off x="4663440" y="2834640"/>
-            <a:ext cx="2194560" cy="2194560"/>
+            <a:ext cx="2194200" cy="2194200"/>
           </a:xfrm>
           <a:prstGeom prst="rect">
             <a:avLst/>
@@ -18374,4 +20612,227 @@
     </a:fmtScheme>
   </a:themeElements>
 </a:theme>
+</file>
+
+<file path=ppt/theme/theme4.xml><?xml version="1.0" encoding="utf-8"?>
+<a:theme xmlns:a="http://schemas.openxmlformats.org/drawingml/2006/main" name="Office Theme">
+  <a:themeElements>
+    <a:clrScheme name="Office">
+      <a:dk1>
+        <a:sysClr val="windowText" lastClr="000000"/>
+      </a:dk1>
+      <a:lt1>
+        <a:sysClr val="window" lastClr="FFFFFF"/>
+      </a:lt1>
+      <a:dk2>
+        <a:srgbClr val="1F497D"/>
+      </a:dk2>
+      <a:lt2>
+        <a:srgbClr val="EEECE1"/>
+      </a:lt2>
+      <a:accent1>
+        <a:srgbClr val="4F81BD"/>
+      </a:accent1>
+      <a:accent2>
+        <a:srgbClr val="C0504D"/>
+      </a:accent2>
+      <a:accent3>
+        <a:srgbClr val="9BBB59"/>
+      </a:accent3>
+      <a:accent4>
+        <a:srgbClr val="8064A2"/>
+      </a:accent4>
+      <a:accent5>
+        <a:srgbClr val="4BACC6"/>
+      </a:accent5>
+      <a:accent6>
+        <a:srgbClr val="F79646"/>
+      </a:accent6>
+      <a:hlink>
+        <a:srgbClr val="0000FF"/>
+      </a:hlink>
+      <a:folHlink>
+        <a:srgbClr val="800080"/>
+      </a:folHlink>
+    </a:clrScheme>
+    <a:fontScheme name="Office">
+      <a:majorFont>
+        <a:latin typeface="Arial"/>
+        <a:ea typeface="DejaVu Sans"/>
+        <a:cs typeface="DejaVu Sans"/>
+      </a:majorFont>
+      <a:minorFont>
+        <a:latin typeface="Arial"/>
+        <a:ea typeface="DejaVu Sans"/>
+        <a:cs typeface="DejaVu Sans"/>
+      </a:minorFont>
+    </a:fontScheme>
+    <a:fmtScheme name="Office">
+      <a:fillStyleLst>
+        <a:solidFill>
+          <a:schemeClr val="phClr"/>
+        </a:solidFill>
+        <a:gradFill rotWithShape="1">
+          <a:gsLst>
+            <a:gs pos="0">
+              <a:schemeClr val="phClr">
+                <a:tint val="50000"/>
+                <a:satMod val="300000"/>
+              </a:schemeClr>
+            </a:gs>
+            <a:gs pos="35000">
+              <a:schemeClr val="phClr">
+                <a:tint val="37000"/>
+                <a:satMod val="300000"/>
+              </a:schemeClr>
+            </a:gs>
+            <a:gs pos="100000">
+              <a:schemeClr val="phClr">
+                <a:tint val="15000"/>
+                <a:satMod val="350000"/>
+              </a:schemeClr>
+            </a:gs>
+          </a:gsLst>
+          <a:lin ang="16200000" scaled="1"/>
+        </a:gradFill>
+        <a:gradFill rotWithShape="1">
+          <a:gsLst>
+            <a:gs pos="0">
+              <a:schemeClr val="phClr">
+                <a:shade val="51000"/>
+                <a:satMod val="130000"/>
+              </a:schemeClr>
+            </a:gs>
+            <a:gs pos="80000">
+              <a:schemeClr val="phClr">
+                <a:shade val="93000"/>
+                <a:satMod val="130000"/>
+              </a:schemeClr>
+            </a:gs>
+            <a:gs pos="100000">
+              <a:schemeClr val="phClr">
+                <a:shade val="94000"/>
+                <a:satMod val="135000"/>
+              </a:schemeClr>
+            </a:gs>
+          </a:gsLst>
+          <a:lin ang="16200000" scaled="0"/>
+        </a:gradFill>
+      </a:fillStyleLst>
+      <a:lnStyleLst>
+        <a:ln w="9525" cap="flat" cmpd="sng" algn="ctr">
+          <a:solidFill>
+            <a:schemeClr val="phClr">
+              <a:shade val="95000"/>
+              <a:satMod val="105000"/>
+            </a:schemeClr>
+          </a:solidFill>
+          <a:prstDash val="solid"/>
+        </a:ln>
+        <a:ln w="25400" cap="flat" cmpd="sng" algn="ctr">
+          <a:solidFill>
+            <a:schemeClr val="phClr"/>
+          </a:solidFill>
+          <a:prstDash val="solid"/>
+        </a:ln>
+        <a:ln w="38100" cap="flat" cmpd="sng" algn="ctr">
+          <a:solidFill>
+            <a:schemeClr val="phClr"/>
+          </a:solidFill>
+          <a:prstDash val="solid"/>
+        </a:ln>
+      </a:lnStyleLst>
+      <a:effectStyleLst>
+        <a:effectStyle>
+          <a:effectLst>
+            <a:outerShdw blurRad="40000" dist="20000" dir="5400000" rotWithShape="0">
+              <a:srgbClr val="000000">
+                <a:alpha val="38000"/>
+              </a:srgbClr>
+            </a:outerShdw>
+          </a:effectLst>
+        </a:effectStyle>
+        <a:effectStyle>
+          <a:effectLst>
+            <a:outerShdw blurRad="40000" dist="23000" dir="5400000" rotWithShape="0">
+              <a:srgbClr val="000000">
+                <a:alpha val="35000"/>
+              </a:srgbClr>
+            </a:outerShdw>
+          </a:effectLst>
+        </a:effectStyle>
+        <a:effectStyle>
+          <a:effectLst>
+            <a:outerShdw blurRad="40000" dist="23000" dir="5400000" rotWithShape="0">
+              <a:srgbClr val="000000">
+                <a:alpha val="35000"/>
+              </a:srgbClr>
+            </a:outerShdw>
+          </a:effectLst>
+          <a:scene3d>
+            <a:camera prst="orthographicFront">
+              <a:rot lat="0" lon="0" rev="0"/>
+            </a:camera>
+            <a:lightRig rig="threePt" dir="t">
+              <a:rot lat="0" lon="0" rev="1200000"/>
+            </a:lightRig>
+          </a:scene3d>
+          <a:sp3d>
+            <a:bevelT w="63500" h="25400"/>
+          </a:sp3d>
+        </a:effectStyle>
+      </a:effectStyleLst>
+      <a:bgFillStyleLst>
+        <a:solidFill>
+          <a:schemeClr val="phClr"/>
+        </a:solidFill>
+        <a:gradFill rotWithShape="1">
+          <a:gsLst>
+            <a:gs pos="0">
+              <a:schemeClr val="phClr">
+                <a:tint val="40000"/>
+                <a:satMod val="350000"/>
+              </a:schemeClr>
+            </a:gs>
+            <a:gs pos="40000">
+              <a:schemeClr val="phClr">
+                <a:tint val="45000"/>
+                <a:shade val="99000"/>
+                <a:satMod val="350000"/>
+              </a:schemeClr>
+            </a:gs>
+            <a:gs pos="100000">
+              <a:schemeClr val="phClr">
+                <a:shade val="20000"/>
+                <a:satMod val="255000"/>
+              </a:schemeClr>
+            </a:gs>
+          </a:gsLst>
+          <a:path path="circle">
+            <a:fillToRect l="50000" t="-80000" r="50000" b="180000"/>
+          </a:path>
+        </a:gradFill>
+        <a:gradFill rotWithShape="1">
+          <a:gsLst>
+            <a:gs pos="0">
+              <a:schemeClr val="phClr">
+                <a:tint val="80000"/>
+                <a:satMod val="300000"/>
+              </a:schemeClr>
+            </a:gs>
+            <a:gs pos="100000">
+              <a:schemeClr val="phClr">
+                <a:shade val="30000"/>
+                <a:satMod val="200000"/>
+              </a:schemeClr>
+            </a:gs>
+          </a:gsLst>
+          <a:path path="circle">
+            <a:fillToRect l="50000" t="50000" r="50000" b="50000"/>
+          </a:path>
+        </a:gradFill>
+      </a:bgFillStyleLst>
+    </a:fmtScheme>
+  </a:themeElements>
+</a:theme>
 </file>
--- a/etep/apresentação-tcc.pptx
+++ b/etep/apresentação-tcc.pptx
@@ -138,7 +138,7 @@
                 </a:uFill>
                 <a:latin typeface="Times New Roman"/>
               </a:rPr>
-              <a:t> </a:t>
+              <a:t>&lt;header&gt;</a:t>
             </a:r>
             <a:endParaRPr b="0" lang="en-US" sz="1400" spc="-1" strike="noStrike">
               <a:solidFill>
@@ -189,7 +189,7 @@
                 </a:uFill>
                 <a:latin typeface="Times New Roman"/>
               </a:rPr>
-              <a:t> </a:t>
+              <a:t>&lt;date/time&gt;</a:t>
             </a:r>
             <a:endParaRPr b="0" lang="en-US" sz="1400" spc="-1" strike="noStrike">
               <a:solidFill>
@@ -239,7 +239,7 @@
                 </a:uFill>
                 <a:latin typeface="Times New Roman"/>
               </a:rPr>
-              <a:t> </a:t>
+              <a:t>&lt;footer&gt;</a:t>
             </a:r>
             <a:endParaRPr b="0" lang="en-US" sz="1400" spc="-1" strike="noStrike">
               <a:solidFill>
@@ -278,7 +278,7 @@
           <a:bodyPr lIns="0" rIns="0" tIns="0" bIns="0" anchor="b"/>
           <a:p>
             <a:pPr algn="r"/>
-            <a:fld id="{BA270124-E6F7-49FA-874A-4590F6FA20E9}" type="slidenum">
+            <a:fld id="{C8F65B6D-45BB-41A3-8010-121F460867CF}" type="slidenum">
               <a:rPr b="0" lang="en-US" sz="1400" spc="-1" strike="noStrike">
                 <a:solidFill>
                   <a:srgbClr val="000000"/>
@@ -290,7 +290,7 @@
                 </a:uFill>
                 <a:latin typeface="Times New Roman"/>
               </a:rPr>
-              <a:t>1</a:t>
+              <a:t>&lt;number&gt;</a:t>
             </a:fld>
             <a:endParaRPr b="0" lang="en-US" sz="1400" spc="-1" strike="noStrike">
               <a:solidFill>
@@ -342,7 +342,7 @@
         <p:spPr>
           <a:xfrm>
             <a:off x="685800" y="4400640"/>
-            <a:ext cx="5484960" cy="3598920"/>
+            <a:ext cx="5484600" cy="3598560"/>
           </a:xfrm>
           <a:prstGeom prst="rect">
             <a:avLst/>
@@ -374,7 +374,7 @@
         <p:spPr>
           <a:xfrm>
             <a:off x="3884760" y="8685360"/>
-            <a:ext cx="2970360" cy="457200"/>
+            <a:ext cx="2970000" cy="456840"/>
           </a:xfrm>
           <a:prstGeom prst="rect">
             <a:avLst/>
@@ -398,7 +398,7 @@
                 <a:spcPct val="100000"/>
               </a:lnSpc>
             </a:pPr>
-            <a:fld id="{548219EC-0356-414C-8A4B-61519DC35EEE}" type="slidenum">
+            <a:fld id="{695B54A6-59BC-4790-B04D-1A02C297BC63}" type="slidenum">
               <a:rPr b="0" lang="en-US" sz="1200" spc="-1" strike="noStrike">
                 <a:solidFill>
                   <a:srgbClr val="000000"/>
@@ -484,7 +484,7 @@
         <p:spPr>
           <a:xfrm>
             <a:off x="457200" y="273600"/>
-            <a:ext cx="8228880" cy="1144440"/>
+            <a:ext cx="8228520" cy="1144080"/>
           </a:xfrm>
           <a:prstGeom prst="rect">
             <a:avLst/>
@@ -521,7 +521,7 @@
         <p:spPr>
           <a:xfrm>
             <a:off x="457200" y="1604520"/>
-            <a:ext cx="4015440" cy="904320"/>
+            <a:ext cx="1959120" cy="430920"/>
           </a:xfrm>
           <a:prstGeom prst="rect">
             <a:avLst/>
@@ -556,8 +556,8 @@
         </p:nvSpPr>
         <p:spPr>
           <a:xfrm>
-            <a:off x="457200" y="2595240"/>
-            <a:ext cx="4015440" cy="904320"/>
+            <a:off x="457200" y="2076840"/>
+            <a:ext cx="1959120" cy="430920"/>
           </a:xfrm>
           <a:prstGeom prst="rect">
             <a:avLst/>
@@ -615,7 +615,7 @@
         <p:spPr>
           <a:xfrm>
             <a:off x="457200" y="273600"/>
-            <a:ext cx="8228880" cy="1144440"/>
+            <a:ext cx="8228520" cy="1144080"/>
           </a:xfrm>
           <a:prstGeom prst="rect">
             <a:avLst/>
@@ -652,7 +652,7 @@
         <p:spPr>
           <a:xfrm>
             <a:off x="457200" y="1604520"/>
-            <a:ext cx="1959480" cy="904320"/>
+            <a:ext cx="955800" cy="430920"/>
           </a:xfrm>
           <a:prstGeom prst="rect">
             <a:avLst/>
@@ -687,8 +687,8 @@
         </p:nvSpPr>
         <p:spPr>
           <a:xfrm>
-            <a:off x="2514960" y="1604520"/>
-            <a:ext cx="1959480" cy="904320"/>
+            <a:off x="1461240" y="1604520"/>
+            <a:ext cx="955800" cy="430920"/>
           </a:xfrm>
           <a:prstGeom prst="rect">
             <a:avLst/>
@@ -723,8 +723,8 @@
         </p:nvSpPr>
         <p:spPr>
           <a:xfrm>
-            <a:off x="2514960" y="2595240"/>
-            <a:ext cx="1959480" cy="904320"/>
+            <a:off x="1461240" y="2076840"/>
+            <a:ext cx="955800" cy="430920"/>
           </a:xfrm>
           <a:prstGeom prst="rect">
             <a:avLst/>
@@ -759,8 +759,8 @@
         </p:nvSpPr>
         <p:spPr>
           <a:xfrm>
-            <a:off x="457200" y="2595240"/>
-            <a:ext cx="1959480" cy="904320"/>
+            <a:off x="457200" y="2076840"/>
+            <a:ext cx="955800" cy="430920"/>
           </a:xfrm>
           <a:prstGeom prst="rect">
             <a:avLst/>
@@ -818,7 +818,7 @@
         <p:spPr>
           <a:xfrm>
             <a:off x="457200" y="273600"/>
-            <a:ext cx="8228880" cy="1144440"/>
+            <a:ext cx="8228520" cy="1144080"/>
           </a:xfrm>
           <a:prstGeom prst="rect">
             <a:avLst/>
@@ -855,7 +855,7 @@
         <p:spPr>
           <a:xfrm>
             <a:off x="457200" y="1604520"/>
-            <a:ext cx="4015440" cy="1896480"/>
+            <a:ext cx="1959120" cy="903960"/>
           </a:xfrm>
           <a:prstGeom prst="rect">
             <a:avLst/>
@@ -891,7 +891,7 @@
         <p:spPr>
           <a:xfrm>
             <a:off x="457200" y="1604520"/>
-            <a:ext cx="4015440" cy="1896480"/>
+            <a:ext cx="1959120" cy="903960"/>
           </a:xfrm>
           <a:prstGeom prst="rect">
             <a:avLst/>
@@ -926,8 +926,8 @@
         </p:blipFill>
         <p:spPr>
           <a:xfrm>
-            <a:off x="1276560" y="1604520"/>
-            <a:ext cx="2376720" cy="1896480"/>
+            <a:off x="870120" y="1604160"/>
+            <a:ext cx="1132920" cy="903960"/>
           </a:xfrm>
           <a:prstGeom prst="rect">
             <a:avLst/>
@@ -949,8 +949,8 @@
         </p:blipFill>
         <p:spPr>
           <a:xfrm>
-            <a:off x="1276560" y="1604520"/>
-            <a:ext cx="2376720" cy="1896480"/>
+            <a:off x="870120" y="1604160"/>
+            <a:ext cx="1132920" cy="903960"/>
           </a:xfrm>
           <a:prstGeom prst="rect">
             <a:avLst/>
@@ -1017,7 +1017,7 @@
         <p:spPr>
           <a:xfrm>
             <a:off x="457200" y="273600"/>
-            <a:ext cx="8228880" cy="1144440"/>
+            <a:ext cx="8228520" cy="1144080"/>
           </a:xfrm>
           <a:prstGeom prst="rect">
             <a:avLst/>
@@ -1053,8 +1053,8 @@
         </p:nvSpPr>
         <p:spPr>
           <a:xfrm>
-            <a:off x="457200" y="1604520"/>
-            <a:ext cx="4015440" cy="1896480"/>
+            <a:off x="457200" y="1600560"/>
+            <a:ext cx="1959120" cy="911880"/>
           </a:xfrm>
           <a:prstGeom prst="rect">
             <a:avLst/>
@@ -1113,7 +1113,7 @@
         <p:spPr>
           <a:xfrm>
             <a:off x="457200" y="273600"/>
-            <a:ext cx="8228880" cy="1144440"/>
+            <a:ext cx="8228520" cy="1144080"/>
           </a:xfrm>
           <a:prstGeom prst="rect">
             <a:avLst/>
@@ -1150,7 +1150,7 @@
         <p:spPr>
           <a:xfrm>
             <a:off x="457200" y="1604520"/>
-            <a:ext cx="4015440" cy="1896480"/>
+            <a:ext cx="1959120" cy="903960"/>
           </a:xfrm>
           <a:prstGeom prst="rect">
             <a:avLst/>
@@ -1208,7 +1208,7 @@
         <p:spPr>
           <a:xfrm>
             <a:off x="457200" y="273600"/>
-            <a:ext cx="8228880" cy="1144440"/>
+            <a:ext cx="8228520" cy="1144080"/>
           </a:xfrm>
           <a:prstGeom prst="rect">
             <a:avLst/>
@@ -1245,7 +1245,7 @@
         <p:spPr>
           <a:xfrm>
             <a:off x="457200" y="1604520"/>
-            <a:ext cx="1959480" cy="1896480"/>
+            <a:ext cx="955800" cy="903960"/>
           </a:xfrm>
           <a:prstGeom prst="rect">
             <a:avLst/>
@@ -1280,8 +1280,8 @@
         </p:nvSpPr>
         <p:spPr>
           <a:xfrm>
-            <a:off x="2514960" y="1604520"/>
-            <a:ext cx="1959480" cy="1896480"/>
+            <a:off x="1461240" y="1604520"/>
+            <a:ext cx="955800" cy="903960"/>
           </a:xfrm>
           <a:prstGeom prst="rect">
             <a:avLst/>
@@ -1339,7 +1339,7 @@
         <p:spPr>
           <a:xfrm>
             <a:off x="457200" y="273600"/>
-            <a:ext cx="8228880" cy="1144440"/>
+            <a:ext cx="8228520" cy="1144080"/>
           </a:xfrm>
           <a:prstGeom prst="rect">
             <a:avLst/>
@@ -1398,7 +1398,7 @@
         <p:spPr>
           <a:xfrm>
             <a:off x="457200" y="273600"/>
-            <a:ext cx="8228880" cy="5306400"/>
+            <a:ext cx="8228520" cy="5304600"/>
           </a:xfrm>
           <a:prstGeom prst="rect">
             <a:avLst/>
@@ -1457,7 +1457,7 @@
         <p:spPr>
           <a:xfrm>
             <a:off x="457200" y="273600"/>
-            <a:ext cx="8228880" cy="1144440"/>
+            <a:ext cx="8228520" cy="1144080"/>
           </a:xfrm>
           <a:prstGeom prst="rect">
             <a:avLst/>
@@ -1494,7 +1494,7 @@
         <p:spPr>
           <a:xfrm>
             <a:off x="457200" y="1604520"/>
-            <a:ext cx="1959480" cy="904320"/>
+            <a:ext cx="955800" cy="430920"/>
           </a:xfrm>
           <a:prstGeom prst="rect">
             <a:avLst/>
@@ -1529,8 +1529,8 @@
         </p:nvSpPr>
         <p:spPr>
           <a:xfrm>
-            <a:off x="457200" y="2595240"/>
-            <a:ext cx="1959480" cy="904320"/>
+            <a:off x="457200" y="2076840"/>
+            <a:ext cx="955800" cy="430920"/>
           </a:xfrm>
           <a:prstGeom prst="rect">
             <a:avLst/>
@@ -1565,8 +1565,8 @@
         </p:nvSpPr>
         <p:spPr>
           <a:xfrm>
-            <a:off x="2514960" y="1604520"/>
-            <a:ext cx="1959480" cy="1896480"/>
+            <a:off x="1461240" y="1604520"/>
+            <a:ext cx="955800" cy="903960"/>
           </a:xfrm>
           <a:prstGeom prst="rect">
             <a:avLst/>
@@ -1624,7 +1624,7 @@
         <p:spPr>
           <a:xfrm>
             <a:off x="457200" y="273600"/>
-            <a:ext cx="8228880" cy="1144440"/>
+            <a:ext cx="8228520" cy="1144080"/>
           </a:xfrm>
           <a:prstGeom prst="rect">
             <a:avLst/>
@@ -1660,8 +1660,8 @@
         </p:nvSpPr>
         <p:spPr>
           <a:xfrm>
-            <a:off x="457200" y="1604520"/>
-            <a:ext cx="4015440" cy="1896480"/>
+            <a:off x="457200" y="1600560"/>
+            <a:ext cx="1959120" cy="911880"/>
           </a:xfrm>
           <a:prstGeom prst="rect">
             <a:avLst/>
@@ -1720,7 +1720,7 @@
         <p:spPr>
           <a:xfrm>
             <a:off x="457200" y="273600"/>
-            <a:ext cx="8228880" cy="1144440"/>
+            <a:ext cx="8228520" cy="1144080"/>
           </a:xfrm>
           <a:prstGeom prst="rect">
             <a:avLst/>
@@ -1757,7 +1757,7 @@
         <p:spPr>
           <a:xfrm>
             <a:off x="457200" y="1604520"/>
-            <a:ext cx="1959480" cy="1896480"/>
+            <a:ext cx="955800" cy="903960"/>
           </a:xfrm>
           <a:prstGeom prst="rect">
             <a:avLst/>
@@ -1792,8 +1792,8 @@
         </p:nvSpPr>
         <p:spPr>
           <a:xfrm>
-            <a:off x="2514960" y="1604520"/>
-            <a:ext cx="1959480" cy="904320"/>
+            <a:off x="1461240" y="1604520"/>
+            <a:ext cx="955800" cy="430920"/>
           </a:xfrm>
           <a:prstGeom prst="rect">
             <a:avLst/>
@@ -1828,8 +1828,8 @@
         </p:nvSpPr>
         <p:spPr>
           <a:xfrm>
-            <a:off x="2514960" y="2595240"/>
-            <a:ext cx="1959480" cy="904320"/>
+            <a:off x="1461240" y="2076840"/>
+            <a:ext cx="955800" cy="430920"/>
           </a:xfrm>
           <a:prstGeom prst="rect">
             <a:avLst/>
@@ -1887,7 +1887,7 @@
         <p:spPr>
           <a:xfrm>
             <a:off x="457200" y="273600"/>
-            <a:ext cx="8228880" cy="1144440"/>
+            <a:ext cx="8228520" cy="1144080"/>
           </a:xfrm>
           <a:prstGeom prst="rect">
             <a:avLst/>
@@ -1924,7 +1924,7 @@
         <p:spPr>
           <a:xfrm>
             <a:off x="457200" y="1604520"/>
-            <a:ext cx="1959480" cy="904320"/>
+            <a:ext cx="955800" cy="430920"/>
           </a:xfrm>
           <a:prstGeom prst="rect">
             <a:avLst/>
@@ -1959,8 +1959,8 @@
         </p:nvSpPr>
         <p:spPr>
           <a:xfrm>
-            <a:off x="2514960" y="1604520"/>
-            <a:ext cx="1959480" cy="904320"/>
+            <a:off x="1461240" y="1604520"/>
+            <a:ext cx="955800" cy="430920"/>
           </a:xfrm>
           <a:prstGeom prst="rect">
             <a:avLst/>
@@ -1995,8 +1995,8 @@
         </p:nvSpPr>
         <p:spPr>
           <a:xfrm>
-            <a:off x="457200" y="2595240"/>
-            <a:ext cx="4015440" cy="904320"/>
+            <a:off x="457200" y="2076840"/>
+            <a:ext cx="1959120" cy="430920"/>
           </a:xfrm>
           <a:prstGeom prst="rect">
             <a:avLst/>
@@ -2054,7 +2054,7 @@
         <p:spPr>
           <a:xfrm>
             <a:off x="457200" y="273600"/>
-            <a:ext cx="8228880" cy="1144440"/>
+            <a:ext cx="8228520" cy="1144080"/>
           </a:xfrm>
           <a:prstGeom prst="rect">
             <a:avLst/>
@@ -2091,7 +2091,7 @@
         <p:spPr>
           <a:xfrm>
             <a:off x="457200" y="1604520"/>
-            <a:ext cx="4015440" cy="904320"/>
+            <a:ext cx="1959120" cy="430920"/>
           </a:xfrm>
           <a:prstGeom prst="rect">
             <a:avLst/>
@@ -2126,8 +2126,8 @@
         </p:nvSpPr>
         <p:spPr>
           <a:xfrm>
-            <a:off x="457200" y="2595240"/>
-            <a:ext cx="4015440" cy="904320"/>
+            <a:off x="457200" y="2076840"/>
+            <a:ext cx="1959120" cy="430920"/>
           </a:xfrm>
           <a:prstGeom prst="rect">
             <a:avLst/>
@@ -2185,7 +2185,7 @@
         <p:spPr>
           <a:xfrm>
             <a:off x="457200" y="273600"/>
-            <a:ext cx="8228880" cy="1144440"/>
+            <a:ext cx="8228520" cy="1144080"/>
           </a:xfrm>
           <a:prstGeom prst="rect">
             <a:avLst/>
@@ -2222,7 +2222,7 @@
         <p:spPr>
           <a:xfrm>
             <a:off x="457200" y="1604520"/>
-            <a:ext cx="1959480" cy="904320"/>
+            <a:ext cx="955800" cy="430920"/>
           </a:xfrm>
           <a:prstGeom prst="rect">
             <a:avLst/>
@@ -2257,8 +2257,8 @@
         </p:nvSpPr>
         <p:spPr>
           <a:xfrm>
-            <a:off x="2514960" y="1604520"/>
-            <a:ext cx="1959480" cy="904320"/>
+            <a:off x="1461240" y="1604520"/>
+            <a:ext cx="955800" cy="430920"/>
           </a:xfrm>
           <a:prstGeom prst="rect">
             <a:avLst/>
@@ -2293,8 +2293,8 @@
         </p:nvSpPr>
         <p:spPr>
           <a:xfrm>
-            <a:off x="2514960" y="2595240"/>
-            <a:ext cx="1959480" cy="904320"/>
+            <a:off x="1461240" y="2076840"/>
+            <a:ext cx="955800" cy="430920"/>
           </a:xfrm>
           <a:prstGeom prst="rect">
             <a:avLst/>
@@ -2329,8 +2329,8 @@
         </p:nvSpPr>
         <p:spPr>
           <a:xfrm>
-            <a:off x="457200" y="2595240"/>
-            <a:ext cx="1959480" cy="904320"/>
+            <a:off x="457200" y="2076840"/>
+            <a:ext cx="955800" cy="430920"/>
           </a:xfrm>
           <a:prstGeom prst="rect">
             <a:avLst/>
@@ -2388,7 +2388,7 @@
         <p:spPr>
           <a:xfrm>
             <a:off x="457200" y="273600"/>
-            <a:ext cx="8228880" cy="1144440"/>
+            <a:ext cx="8228520" cy="1144080"/>
           </a:xfrm>
           <a:prstGeom prst="rect">
             <a:avLst/>
@@ -2425,7 +2425,7 @@
         <p:spPr>
           <a:xfrm>
             <a:off x="457200" y="1604520"/>
-            <a:ext cx="4015440" cy="1896480"/>
+            <a:ext cx="1959120" cy="903960"/>
           </a:xfrm>
           <a:prstGeom prst="rect">
             <a:avLst/>
@@ -2461,7 +2461,7 @@
         <p:spPr>
           <a:xfrm>
             <a:off x="457200" y="1604520"/>
-            <a:ext cx="4015440" cy="1896480"/>
+            <a:ext cx="1959120" cy="903960"/>
           </a:xfrm>
           <a:prstGeom prst="rect">
             <a:avLst/>
@@ -2496,8 +2496,8 @@
         </p:blipFill>
         <p:spPr>
           <a:xfrm>
-            <a:off x="1276560" y="1604520"/>
-            <a:ext cx="2376720" cy="1896480"/>
+            <a:off x="870120" y="1604160"/>
+            <a:ext cx="1132920" cy="903960"/>
           </a:xfrm>
           <a:prstGeom prst="rect">
             <a:avLst/>
@@ -2519,8 +2519,8 @@
         </p:blipFill>
         <p:spPr>
           <a:xfrm>
-            <a:off x="1276560" y="1604520"/>
-            <a:ext cx="2376720" cy="1896480"/>
+            <a:off x="870120" y="1604160"/>
+            <a:ext cx="1132920" cy="903960"/>
           </a:xfrm>
           <a:prstGeom prst="rect">
             <a:avLst/>
@@ -2587,7 +2587,7 @@
         <p:spPr>
           <a:xfrm>
             <a:off x="457200" y="273600"/>
-            <a:ext cx="8228880" cy="1144440"/>
+            <a:ext cx="8228520" cy="1144080"/>
           </a:xfrm>
           <a:prstGeom prst="rect">
             <a:avLst/>
@@ -2623,8 +2623,8 @@
         </p:nvSpPr>
         <p:spPr>
           <a:xfrm>
-            <a:off x="457200" y="1604520"/>
-            <a:ext cx="4015440" cy="1896480"/>
+            <a:off x="457200" y="1600560"/>
+            <a:ext cx="1959120" cy="911880"/>
           </a:xfrm>
           <a:prstGeom prst="rect">
             <a:avLst/>
@@ -2683,7 +2683,7 @@
         <p:spPr>
           <a:xfrm>
             <a:off x="457200" y="273600"/>
-            <a:ext cx="8228880" cy="1144440"/>
+            <a:ext cx="8228520" cy="1144080"/>
           </a:xfrm>
           <a:prstGeom prst="rect">
             <a:avLst/>
@@ -2720,7 +2720,7 @@
         <p:spPr>
           <a:xfrm>
             <a:off x="457200" y="1604520"/>
-            <a:ext cx="4015440" cy="1896480"/>
+            <a:ext cx="1959120" cy="903960"/>
           </a:xfrm>
           <a:prstGeom prst="rect">
             <a:avLst/>
@@ -2778,7 +2778,7 @@
         <p:spPr>
           <a:xfrm>
             <a:off x="457200" y="273600"/>
-            <a:ext cx="8228880" cy="1144440"/>
+            <a:ext cx="8228520" cy="1144080"/>
           </a:xfrm>
           <a:prstGeom prst="rect">
             <a:avLst/>
@@ -2815,7 +2815,7 @@
         <p:spPr>
           <a:xfrm>
             <a:off x="457200" y="1604520"/>
-            <a:ext cx="1959480" cy="1896480"/>
+            <a:ext cx="955800" cy="903960"/>
           </a:xfrm>
           <a:prstGeom prst="rect">
             <a:avLst/>
@@ -2850,8 +2850,8 @@
         </p:nvSpPr>
         <p:spPr>
           <a:xfrm>
-            <a:off x="2514960" y="1604520"/>
-            <a:ext cx="1959480" cy="1896480"/>
+            <a:off x="1461240" y="1604520"/>
+            <a:ext cx="955800" cy="903960"/>
           </a:xfrm>
           <a:prstGeom prst="rect">
             <a:avLst/>
@@ -2909,7 +2909,7 @@
         <p:spPr>
           <a:xfrm>
             <a:off x="457200" y="273600"/>
-            <a:ext cx="8228880" cy="1144440"/>
+            <a:ext cx="8228520" cy="1144080"/>
           </a:xfrm>
           <a:prstGeom prst="rect">
             <a:avLst/>
@@ -2968,7 +2968,7 @@
         <p:spPr>
           <a:xfrm>
             <a:off x="457200" y="273600"/>
-            <a:ext cx="8228880" cy="1144440"/>
+            <a:ext cx="8228520" cy="1144080"/>
           </a:xfrm>
           <a:prstGeom prst="rect">
             <a:avLst/>
@@ -3005,7 +3005,7 @@
         <p:spPr>
           <a:xfrm>
             <a:off x="457200" y="1604520"/>
-            <a:ext cx="4015440" cy="1896480"/>
+            <a:ext cx="1959120" cy="903960"/>
           </a:xfrm>
           <a:prstGeom prst="rect">
             <a:avLst/>
@@ -3063,7 +3063,7 @@
         <p:spPr>
           <a:xfrm>
             <a:off x="457200" y="273600"/>
-            <a:ext cx="8228880" cy="5306400"/>
+            <a:ext cx="8228520" cy="5304600"/>
           </a:xfrm>
           <a:prstGeom prst="rect">
             <a:avLst/>
@@ -3122,7 +3122,7 @@
         <p:spPr>
           <a:xfrm>
             <a:off x="457200" y="273600"/>
-            <a:ext cx="8228880" cy="1144440"/>
+            <a:ext cx="8228520" cy="1144080"/>
           </a:xfrm>
           <a:prstGeom prst="rect">
             <a:avLst/>
@@ -3159,7 +3159,7 @@
         <p:spPr>
           <a:xfrm>
             <a:off x="457200" y="1604520"/>
-            <a:ext cx="1959480" cy="904320"/>
+            <a:ext cx="955800" cy="430920"/>
           </a:xfrm>
           <a:prstGeom prst="rect">
             <a:avLst/>
@@ -3194,8 +3194,8 @@
         </p:nvSpPr>
         <p:spPr>
           <a:xfrm>
-            <a:off x="457200" y="2595240"/>
-            <a:ext cx="1959480" cy="904320"/>
+            <a:off x="457200" y="2076840"/>
+            <a:ext cx="955800" cy="430920"/>
           </a:xfrm>
           <a:prstGeom prst="rect">
             <a:avLst/>
@@ -3230,8 +3230,8 @@
         </p:nvSpPr>
         <p:spPr>
           <a:xfrm>
-            <a:off x="2514960" y="1604520"/>
-            <a:ext cx="1959480" cy="1896480"/>
+            <a:off x="1461240" y="1604520"/>
+            <a:ext cx="955800" cy="903960"/>
           </a:xfrm>
           <a:prstGeom prst="rect">
             <a:avLst/>
@@ -3289,7 +3289,7 @@
         <p:spPr>
           <a:xfrm>
             <a:off x="457200" y="273600"/>
-            <a:ext cx="8228880" cy="1144440"/>
+            <a:ext cx="8228520" cy="1144080"/>
           </a:xfrm>
           <a:prstGeom prst="rect">
             <a:avLst/>
@@ -3326,7 +3326,7 @@
         <p:spPr>
           <a:xfrm>
             <a:off x="457200" y="1604520"/>
-            <a:ext cx="1959480" cy="1896480"/>
+            <a:ext cx="955800" cy="903960"/>
           </a:xfrm>
           <a:prstGeom prst="rect">
             <a:avLst/>
@@ -3361,8 +3361,8 @@
         </p:nvSpPr>
         <p:spPr>
           <a:xfrm>
-            <a:off x="2514960" y="1604520"/>
-            <a:ext cx="1959480" cy="904320"/>
+            <a:off x="1461240" y="1604520"/>
+            <a:ext cx="955800" cy="430920"/>
           </a:xfrm>
           <a:prstGeom prst="rect">
             <a:avLst/>
@@ -3397,8 +3397,8 @@
         </p:nvSpPr>
         <p:spPr>
           <a:xfrm>
-            <a:off x="2514960" y="2595240"/>
-            <a:ext cx="1959480" cy="904320"/>
+            <a:off x="1461240" y="2076840"/>
+            <a:ext cx="955800" cy="430920"/>
           </a:xfrm>
           <a:prstGeom prst="rect">
             <a:avLst/>
@@ -3456,7 +3456,7 @@
         <p:spPr>
           <a:xfrm>
             <a:off x="457200" y="273600"/>
-            <a:ext cx="8228880" cy="1144440"/>
+            <a:ext cx="8228520" cy="1144080"/>
           </a:xfrm>
           <a:prstGeom prst="rect">
             <a:avLst/>
@@ -3493,7 +3493,7 @@
         <p:spPr>
           <a:xfrm>
             <a:off x="457200" y="1604520"/>
-            <a:ext cx="1959480" cy="904320"/>
+            <a:ext cx="955800" cy="430920"/>
           </a:xfrm>
           <a:prstGeom prst="rect">
             <a:avLst/>
@@ -3528,8 +3528,8 @@
         </p:nvSpPr>
         <p:spPr>
           <a:xfrm>
-            <a:off x="2514960" y="1604520"/>
-            <a:ext cx="1959480" cy="904320"/>
+            <a:off x="1461240" y="1604520"/>
+            <a:ext cx="955800" cy="430920"/>
           </a:xfrm>
           <a:prstGeom prst="rect">
             <a:avLst/>
@@ -3564,8 +3564,8 @@
         </p:nvSpPr>
         <p:spPr>
           <a:xfrm>
-            <a:off x="457200" y="2595240"/>
-            <a:ext cx="4015440" cy="904320"/>
+            <a:off x="457200" y="2076840"/>
+            <a:ext cx="1959120" cy="430920"/>
           </a:xfrm>
           <a:prstGeom prst="rect">
             <a:avLst/>
@@ -3623,7 +3623,7 @@
         <p:spPr>
           <a:xfrm>
             <a:off x="457200" y="273600"/>
-            <a:ext cx="8228880" cy="1144440"/>
+            <a:ext cx="8228520" cy="1144080"/>
           </a:xfrm>
           <a:prstGeom prst="rect">
             <a:avLst/>
@@ -3660,7 +3660,7 @@
         <p:spPr>
           <a:xfrm>
             <a:off x="457200" y="1604520"/>
-            <a:ext cx="4015440" cy="904320"/>
+            <a:ext cx="1959120" cy="430920"/>
           </a:xfrm>
           <a:prstGeom prst="rect">
             <a:avLst/>
@@ -3695,8 +3695,8 @@
         </p:nvSpPr>
         <p:spPr>
           <a:xfrm>
-            <a:off x="457200" y="2595240"/>
-            <a:ext cx="4015440" cy="904320"/>
+            <a:off x="457200" y="2076840"/>
+            <a:ext cx="1959120" cy="430920"/>
           </a:xfrm>
           <a:prstGeom prst="rect">
             <a:avLst/>
@@ -3754,7 +3754,7 @@
         <p:spPr>
           <a:xfrm>
             <a:off x="457200" y="273600"/>
-            <a:ext cx="8228880" cy="1144440"/>
+            <a:ext cx="8228520" cy="1144080"/>
           </a:xfrm>
           <a:prstGeom prst="rect">
             <a:avLst/>
@@ -3791,7 +3791,7 @@
         <p:spPr>
           <a:xfrm>
             <a:off x="457200" y="1604520"/>
-            <a:ext cx="1959480" cy="904320"/>
+            <a:ext cx="955800" cy="430920"/>
           </a:xfrm>
           <a:prstGeom prst="rect">
             <a:avLst/>
@@ -3826,8 +3826,8 @@
         </p:nvSpPr>
         <p:spPr>
           <a:xfrm>
-            <a:off x="2514960" y="1604520"/>
-            <a:ext cx="1959480" cy="904320"/>
+            <a:off x="1461240" y="1604520"/>
+            <a:ext cx="955800" cy="430920"/>
           </a:xfrm>
           <a:prstGeom prst="rect">
             <a:avLst/>
@@ -3862,8 +3862,8 @@
         </p:nvSpPr>
         <p:spPr>
           <a:xfrm>
-            <a:off x="2514960" y="2595240"/>
-            <a:ext cx="1959480" cy="904320"/>
+            <a:off x="1461240" y="2076840"/>
+            <a:ext cx="955800" cy="430920"/>
           </a:xfrm>
           <a:prstGeom prst="rect">
             <a:avLst/>
@@ -3898,8 +3898,8 @@
         </p:nvSpPr>
         <p:spPr>
           <a:xfrm>
-            <a:off x="457200" y="2595240"/>
-            <a:ext cx="1959480" cy="904320"/>
+            <a:off x="457200" y="2076840"/>
+            <a:ext cx="955800" cy="430920"/>
           </a:xfrm>
           <a:prstGeom prst="rect">
             <a:avLst/>
@@ -3957,7 +3957,7 @@
         <p:spPr>
           <a:xfrm>
             <a:off x="457200" y="273600"/>
-            <a:ext cx="8228880" cy="1144440"/>
+            <a:ext cx="8228520" cy="1144080"/>
           </a:xfrm>
           <a:prstGeom prst="rect">
             <a:avLst/>
@@ -3994,7 +3994,7 @@
         <p:spPr>
           <a:xfrm>
             <a:off x="457200" y="1604520"/>
-            <a:ext cx="4015440" cy="1896480"/>
+            <a:ext cx="1959120" cy="903960"/>
           </a:xfrm>
           <a:prstGeom prst="rect">
             <a:avLst/>
@@ -4030,7 +4030,7 @@
         <p:spPr>
           <a:xfrm>
             <a:off x="457200" y="1604520"/>
-            <a:ext cx="4015440" cy="1896480"/>
+            <a:ext cx="1959120" cy="903960"/>
           </a:xfrm>
           <a:prstGeom prst="rect">
             <a:avLst/>
@@ -4065,8 +4065,8 @@
         </p:blipFill>
         <p:spPr>
           <a:xfrm>
-            <a:off x="1276560" y="1604520"/>
-            <a:ext cx="2376720" cy="1896480"/>
+            <a:off x="870120" y="1604160"/>
+            <a:ext cx="1132920" cy="903960"/>
           </a:xfrm>
           <a:prstGeom prst="rect">
             <a:avLst/>
@@ -4088,8 +4088,8 @@
         </p:blipFill>
         <p:spPr>
           <a:xfrm>
-            <a:off x="1276560" y="1604520"/>
-            <a:ext cx="2376720" cy="1896480"/>
+            <a:off x="870120" y="1604160"/>
+            <a:ext cx="1132920" cy="903960"/>
           </a:xfrm>
           <a:prstGeom prst="rect">
             <a:avLst/>
@@ -4134,7 +4134,7 @@
         <p:spPr>
           <a:xfrm>
             <a:off x="457200" y="273600"/>
-            <a:ext cx="8228880" cy="1144440"/>
+            <a:ext cx="8228520" cy="1144080"/>
           </a:xfrm>
           <a:prstGeom prst="rect">
             <a:avLst/>
@@ -4171,7 +4171,7 @@
         <p:spPr>
           <a:xfrm>
             <a:off x="457200" y="1604520"/>
-            <a:ext cx="1959480" cy="1896480"/>
+            <a:ext cx="955800" cy="903960"/>
           </a:xfrm>
           <a:prstGeom prst="rect">
             <a:avLst/>
@@ -4206,8 +4206,8 @@
         </p:nvSpPr>
         <p:spPr>
           <a:xfrm>
-            <a:off x="2514960" y="1604520"/>
-            <a:ext cx="1959480" cy="1896480"/>
+            <a:off x="1461240" y="1604520"/>
+            <a:ext cx="955800" cy="903960"/>
           </a:xfrm>
           <a:prstGeom prst="rect">
             <a:avLst/>
@@ -4265,7 +4265,7 @@
         <p:spPr>
           <a:xfrm>
             <a:off x="457200" y="273600"/>
-            <a:ext cx="8228880" cy="1144440"/>
+            <a:ext cx="8228520" cy="1144080"/>
           </a:xfrm>
           <a:prstGeom prst="rect">
             <a:avLst/>
@@ -4324,7 +4324,7 @@
         <p:spPr>
           <a:xfrm>
             <a:off x="457200" y="273600"/>
-            <a:ext cx="8228880" cy="5306400"/>
+            <a:ext cx="8228520" cy="5304600"/>
           </a:xfrm>
           <a:prstGeom prst="rect">
             <a:avLst/>
@@ -4383,7 +4383,7 @@
         <p:spPr>
           <a:xfrm>
             <a:off x="457200" y="273600"/>
-            <a:ext cx="8228880" cy="1144440"/>
+            <a:ext cx="8228520" cy="1144080"/>
           </a:xfrm>
           <a:prstGeom prst="rect">
             <a:avLst/>
@@ -4420,7 +4420,7 @@
         <p:spPr>
           <a:xfrm>
             <a:off x="457200" y="1604520"/>
-            <a:ext cx="1959480" cy="904320"/>
+            <a:ext cx="955800" cy="430920"/>
           </a:xfrm>
           <a:prstGeom prst="rect">
             <a:avLst/>
@@ -4455,8 +4455,8 @@
         </p:nvSpPr>
         <p:spPr>
           <a:xfrm>
-            <a:off x="457200" y="2595240"/>
-            <a:ext cx="1959480" cy="904320"/>
+            <a:off x="457200" y="2076840"/>
+            <a:ext cx="955800" cy="430920"/>
           </a:xfrm>
           <a:prstGeom prst="rect">
             <a:avLst/>
@@ -4491,8 +4491,8 @@
         </p:nvSpPr>
         <p:spPr>
           <a:xfrm>
-            <a:off x="2514960" y="1604520"/>
-            <a:ext cx="1959480" cy="1896480"/>
+            <a:off x="1461240" y="1604520"/>
+            <a:ext cx="955800" cy="903960"/>
           </a:xfrm>
           <a:prstGeom prst="rect">
             <a:avLst/>
@@ -4550,7 +4550,7 @@
         <p:spPr>
           <a:xfrm>
             <a:off x="457200" y="273600"/>
-            <a:ext cx="8228880" cy="1144440"/>
+            <a:ext cx="8228520" cy="1144080"/>
           </a:xfrm>
           <a:prstGeom prst="rect">
             <a:avLst/>
@@ -4587,7 +4587,7 @@
         <p:spPr>
           <a:xfrm>
             <a:off x="457200" y="1604520"/>
-            <a:ext cx="1959480" cy="1896480"/>
+            <a:ext cx="955800" cy="903960"/>
           </a:xfrm>
           <a:prstGeom prst="rect">
             <a:avLst/>
@@ -4622,8 +4622,8 @@
         </p:nvSpPr>
         <p:spPr>
           <a:xfrm>
-            <a:off x="2514960" y="1604520"/>
-            <a:ext cx="1959480" cy="904320"/>
+            <a:off x="1461240" y="1604520"/>
+            <a:ext cx="955800" cy="430920"/>
           </a:xfrm>
           <a:prstGeom prst="rect">
             <a:avLst/>
@@ -4658,8 +4658,8 @@
         </p:nvSpPr>
         <p:spPr>
           <a:xfrm>
-            <a:off x="2514960" y="2595240"/>
-            <a:ext cx="1959480" cy="904320"/>
+            <a:off x="1461240" y="2076840"/>
+            <a:ext cx="955800" cy="430920"/>
           </a:xfrm>
           <a:prstGeom prst="rect">
             <a:avLst/>
@@ -4717,7 +4717,7 @@
         <p:spPr>
           <a:xfrm>
             <a:off x="457200" y="273600"/>
-            <a:ext cx="8228880" cy="1144440"/>
+            <a:ext cx="8228520" cy="1144080"/>
           </a:xfrm>
           <a:prstGeom prst="rect">
             <a:avLst/>
@@ -4754,7 +4754,7 @@
         <p:spPr>
           <a:xfrm>
             <a:off x="457200" y="1604520"/>
-            <a:ext cx="1959480" cy="904320"/>
+            <a:ext cx="955800" cy="430920"/>
           </a:xfrm>
           <a:prstGeom prst="rect">
             <a:avLst/>
@@ -4789,8 +4789,8 @@
         </p:nvSpPr>
         <p:spPr>
           <a:xfrm>
-            <a:off x="2514960" y="1604520"/>
-            <a:ext cx="1959480" cy="904320"/>
+            <a:off x="1461240" y="1604520"/>
+            <a:ext cx="955800" cy="430920"/>
           </a:xfrm>
           <a:prstGeom prst="rect">
             <a:avLst/>
@@ -4825,8 +4825,8 @@
         </p:nvSpPr>
         <p:spPr>
           <a:xfrm>
-            <a:off x="457200" y="2595240"/>
-            <a:ext cx="4015440" cy="904320"/>
+            <a:off x="457200" y="2076840"/>
+            <a:ext cx="1959120" cy="430920"/>
           </a:xfrm>
           <a:prstGeom prst="rect">
             <a:avLst/>
@@ -4894,7 +4894,7 @@
         <p:spPr>
           <a:xfrm>
             <a:off x="-6480" y="0"/>
-            <a:ext cx="9155160" cy="6856560"/>
+            <a:ext cx="9154800" cy="6856200"/>
           </a:xfrm>
           <a:prstGeom prst="rect">
             <a:avLst/>
@@ -4917,7 +4917,7 @@
         <p:spPr>
           <a:xfrm>
             <a:off x="-6480" y="0"/>
-            <a:ext cx="9155160" cy="6856560"/>
+            <a:ext cx="9154800" cy="6856200"/>
           </a:xfrm>
           <a:prstGeom prst="rect">
             <a:avLst/>
@@ -4940,7 +4940,7 @@
         <p:spPr>
           <a:xfrm>
             <a:off x="-12600" y="0"/>
-            <a:ext cx="9155160" cy="6856560"/>
+            <a:ext cx="9154800" cy="6856200"/>
           </a:xfrm>
           <a:prstGeom prst="rect">
             <a:avLst/>
@@ -5763,7 +5763,7 @@
         <p:spPr>
           <a:xfrm>
             <a:off x="457200" y="273600"/>
-            <a:ext cx="8228880" cy="1144440"/>
+            <a:ext cx="8228520" cy="1144080"/>
           </a:xfrm>
           <a:prstGeom prst="rect">
             <a:avLst/>
@@ -5800,7 +5800,7 @@
         <p:spPr>
           <a:xfrm>
             <a:off x="457200" y="1604520"/>
-            <a:ext cx="4015440" cy="1896480"/>
+            <a:ext cx="1959120" cy="903960"/>
           </a:xfrm>
           <a:prstGeom prst="rect">
             <a:avLst/>
@@ -6067,8 +6067,8 @@
         </p:nvSpPr>
         <p:spPr>
           <a:xfrm>
-            <a:off x="4674240" y="1604520"/>
-            <a:ext cx="4015440" cy="1896480"/>
+            <a:off x="2514960" y="1604520"/>
+            <a:ext cx="1959120" cy="903960"/>
           </a:xfrm>
           <a:prstGeom prst="rect">
             <a:avLst/>
@@ -6335,8 +6335,8 @@
         </p:nvSpPr>
         <p:spPr>
           <a:xfrm>
-            <a:off x="457200" y="3682080"/>
-            <a:ext cx="8228880" cy="1896480"/>
+            <a:off x="457200" y="2595240"/>
+            <a:ext cx="4015080" cy="903960"/>
           </a:xfrm>
           <a:prstGeom prst="rect">
             <a:avLst/>
@@ -6637,7 +6637,7 @@
         <p:spPr>
           <a:xfrm>
             <a:off x="1391400" y="864360"/>
-            <a:ext cx="6359760" cy="455040"/>
+            <a:ext cx="6359400" cy="454680"/>
           </a:xfrm>
           <a:prstGeom prst="rect">
             <a:avLst/>
@@ -6699,7 +6699,7 @@
         <p:spPr>
           <a:xfrm>
             <a:off x="590760" y="3990600"/>
-            <a:ext cx="3144960" cy="912240"/>
+            <a:ext cx="3144600" cy="911880"/>
           </a:xfrm>
           <a:prstGeom prst="rect">
             <a:avLst/>
@@ -6812,7 +6812,7 @@
         <p:spPr>
           <a:xfrm>
             <a:off x="2794680" y="2365920"/>
-            <a:ext cx="3553200" cy="394200"/>
+            <a:ext cx="3552840" cy="393840"/>
           </a:xfrm>
           <a:prstGeom prst="rect">
             <a:avLst/>
@@ -6874,7 +6874,7 @@
         <p:spPr>
           <a:xfrm>
             <a:off x="590760" y="4908600"/>
-            <a:ext cx="6139800" cy="1543680"/>
+            <a:ext cx="6139440" cy="1543320"/>
           </a:xfrm>
           <a:prstGeom prst="rect">
             <a:avLst/>
@@ -7018,7 +7018,7 @@
         <p:spPr>
           <a:xfrm>
             <a:off x="2319120" y="501840"/>
-            <a:ext cx="4479120" cy="576720"/>
+            <a:ext cx="4478760" cy="576360"/>
           </a:xfrm>
           <a:prstGeom prst="rect">
             <a:avLst/>
@@ -7080,7 +7080,7 @@
         <p:spPr>
           <a:xfrm>
             <a:off x="2082240" y="1086840"/>
-            <a:ext cx="44280" cy="5789880"/>
+            <a:ext cx="43920" cy="5789520"/>
           </a:xfrm>
           <a:prstGeom prst="rect">
             <a:avLst/>
@@ -7113,7 +7113,7 @@
         <p:spPr>
           <a:xfrm>
             <a:off x="6553080" y="6356520"/>
-            <a:ext cx="2132280" cy="363600"/>
+            <a:ext cx="2131920" cy="363240"/>
           </a:xfrm>
           <a:prstGeom prst="rect">
             <a:avLst/>
@@ -7137,7 +7137,7 @@
                 <a:spcPct val="100000"/>
               </a:lnSpc>
             </a:pPr>
-            <a:fld id="{4686E8D9-5AC6-466F-B4DD-75073F0FA6EE}" type="slidenum">
+            <a:fld id="{DB604AB8-9246-4213-A5A6-48A48A3A4B55}" type="slidenum">
               <a:rPr b="0" lang="en-US" sz="900" spc="-1" strike="noStrike">
                 <a:solidFill>
                   <a:srgbClr val="898c9d"/>
@@ -7150,7 +7150,7 @@
                 <a:latin typeface="Arial"/>
                 <a:ea typeface="DejaVu Sans"/>
               </a:rPr>
-              <a:t>1</a:t>
+              <a:t>&lt;number&gt;</a:t>
             </a:fld>
             <a:endParaRPr b="0" lang="en-US" sz="1800" spc="-1" strike="noStrike">
               <a:solidFill>
@@ -7175,7 +7175,7 @@
         <p:spPr>
           <a:xfrm>
             <a:off x="0" y="1673640"/>
-            <a:ext cx="2073960" cy="2859840"/>
+            <a:ext cx="2073600" cy="2859480"/>
           </a:xfrm>
           <a:prstGeom prst="rect">
             <a:avLst/>
@@ -7441,7 +7441,7 @@
         <p:spPr>
           <a:xfrm>
             <a:off x="2319120" y="1541160"/>
-            <a:ext cx="6266880" cy="927000"/>
+            <a:ext cx="6266520" cy="926640"/>
           </a:xfrm>
           <a:prstGeom prst="rect">
             <a:avLst/>
@@ -7503,7 +7503,7 @@
         <p:spPr>
           <a:xfrm>
             <a:off x="-6840" y="3474720"/>
-            <a:ext cx="2080800" cy="44280"/>
+            <a:ext cx="2080440" cy="43920"/>
           </a:xfrm>
           <a:prstGeom prst="rect">
             <a:avLst/>
@@ -7541,7 +7541,7 @@
         <p:spPr>
           <a:xfrm>
             <a:off x="2560320" y="2271960"/>
-            <a:ext cx="5760360" cy="3579840"/>
+            <a:ext cx="5760000" cy="3579480"/>
           </a:xfrm>
           <a:prstGeom prst="rect">
             <a:avLst/>
@@ -7609,7 +7609,7 @@
         <p:spPr>
           <a:xfrm>
             <a:off x="2319120" y="501840"/>
-            <a:ext cx="4479120" cy="576720"/>
+            <a:ext cx="4478760" cy="576360"/>
           </a:xfrm>
           <a:prstGeom prst="rect">
             <a:avLst/>
@@ -7671,7 +7671,7 @@
         <p:spPr>
           <a:xfrm>
             <a:off x="2082240" y="1086840"/>
-            <a:ext cx="44280" cy="5789880"/>
+            <a:ext cx="43920" cy="5789520"/>
           </a:xfrm>
           <a:prstGeom prst="rect">
             <a:avLst/>
@@ -7704,7 +7704,7 @@
         <p:spPr>
           <a:xfrm>
             <a:off x="6553080" y="6356520"/>
-            <a:ext cx="2132280" cy="363600"/>
+            <a:ext cx="2131920" cy="363240"/>
           </a:xfrm>
           <a:prstGeom prst="rect">
             <a:avLst/>
@@ -7728,7 +7728,7 @@
                 <a:spcPct val="100000"/>
               </a:lnSpc>
             </a:pPr>
-            <a:fld id="{15147F86-32A0-45E9-A315-97A1A1A2C018}" type="slidenum">
+            <a:fld id="{6570F362-6911-499D-A19A-7DD9E154040D}" type="slidenum">
               <a:rPr b="0" lang="en-US" sz="900" spc="-1" strike="noStrike">
                 <a:solidFill>
                   <a:srgbClr val="898c9d"/>
@@ -7741,7 +7741,7 @@
                 <a:latin typeface="Arial"/>
                 <a:ea typeface="DejaVu Sans"/>
               </a:rPr>
-              <a:t>1</a:t>
+              <a:t>&lt;number&gt;</a:t>
             </a:fld>
             <a:endParaRPr b="0" lang="en-US" sz="1800" spc="-1" strike="noStrike">
               <a:solidFill>
@@ -7766,7 +7766,7 @@
         <p:spPr>
           <a:xfrm>
             <a:off x="0" y="1673640"/>
-            <a:ext cx="2073960" cy="2859840"/>
+            <a:ext cx="2073600" cy="2859480"/>
           </a:xfrm>
           <a:prstGeom prst="rect">
             <a:avLst/>
@@ -8032,7 +8032,7 @@
         <p:spPr>
           <a:xfrm>
             <a:off x="2319120" y="1541160"/>
-            <a:ext cx="6266880" cy="927000"/>
+            <a:ext cx="6266520" cy="926640"/>
           </a:xfrm>
           <a:prstGeom prst="rect">
             <a:avLst/>
@@ -8098,7 +8098,7 @@
         <p:spPr>
           <a:xfrm>
             <a:off x="3383280" y="2194560"/>
-            <a:ext cx="4500720" cy="3675600"/>
+            <a:ext cx="4500360" cy="3675240"/>
           </a:xfrm>
           <a:prstGeom prst="rect">
             <a:avLst/>
@@ -8117,7 +8117,7 @@
         <p:spPr>
           <a:xfrm>
             <a:off x="-6840" y="3474720"/>
-            <a:ext cx="2080800" cy="44280"/>
+            <a:ext cx="2080440" cy="43920"/>
           </a:xfrm>
           <a:prstGeom prst="rect">
             <a:avLst/>
@@ -8199,7 +8199,7 @@
         <p:spPr>
           <a:xfrm>
             <a:off x="2319120" y="501840"/>
-            <a:ext cx="4479120" cy="576720"/>
+            <a:ext cx="4478760" cy="576360"/>
           </a:xfrm>
           <a:prstGeom prst="rect">
             <a:avLst/>
@@ -8261,7 +8261,7 @@
         <p:spPr>
           <a:xfrm>
             <a:off x="2082240" y="1086840"/>
-            <a:ext cx="44280" cy="5789880"/>
+            <a:ext cx="43920" cy="5789520"/>
           </a:xfrm>
           <a:prstGeom prst="rect">
             <a:avLst/>
@@ -8294,7 +8294,7 @@
         <p:spPr>
           <a:xfrm>
             <a:off x="6553080" y="6356520"/>
-            <a:ext cx="2132280" cy="363600"/>
+            <a:ext cx="2131920" cy="363240"/>
           </a:xfrm>
           <a:prstGeom prst="rect">
             <a:avLst/>
@@ -8318,7 +8318,7 @@
                 <a:spcPct val="100000"/>
               </a:lnSpc>
             </a:pPr>
-            <a:fld id="{AD9CC244-5501-4ABC-A919-3FDA0265AF3D}" type="slidenum">
+            <a:fld id="{EDCBC840-00DB-4B39-87A6-BB004E427542}" type="slidenum">
               <a:rPr b="0" lang="en-US" sz="900" spc="-1" strike="noStrike">
                 <a:solidFill>
                   <a:srgbClr val="898c9d"/>
@@ -8331,7 +8331,7 @@
                 <a:latin typeface="Arial"/>
                 <a:ea typeface="DejaVu Sans"/>
               </a:rPr>
-              <a:t>1</a:t>
+              <a:t>&lt;number&gt;</a:t>
             </a:fld>
             <a:endParaRPr b="0" lang="en-US" sz="1800" spc="-1" strike="noStrike">
               <a:solidFill>
@@ -8356,7 +8356,7 @@
         <p:spPr>
           <a:xfrm>
             <a:off x="0" y="1673640"/>
-            <a:ext cx="2073960" cy="2859840"/>
+            <a:ext cx="2073600" cy="2859480"/>
           </a:xfrm>
           <a:prstGeom prst="rect">
             <a:avLst/>
@@ -8622,7 +8622,7 @@
         <p:spPr>
           <a:xfrm>
             <a:off x="2319120" y="1541160"/>
-            <a:ext cx="6266880" cy="927000"/>
+            <a:ext cx="6266520" cy="926640"/>
           </a:xfrm>
           <a:prstGeom prst="rect">
             <a:avLst/>
@@ -8659,67 +8659,7 @@
                 <a:latin typeface="Arial"/>
                 <a:ea typeface="DejaVu Sans"/>
               </a:rPr>
-              <a:t>De maneira similar a outras aplicações distribuídas como o </a:t>
-            </a:r>
-            <a:r>
-              <a:rPr b="0" i="1" lang="en-US" sz="2200" spc="-1" strike="noStrike">
-                <a:solidFill>
-                  <a:srgbClr val="002060"/>
-                </a:solidFill>
-                <a:uFill>
-                  <a:solidFill>
-                    <a:srgbClr val="ffffff"/>
-                  </a:solidFill>
-                </a:uFill>
-                <a:latin typeface="Arial"/>
-                <a:ea typeface="DejaVu Sans"/>
-              </a:rPr>
-              <a:t>Bitcoin</a:t>
-            </a:r>
-            <a:r>
-              <a:rPr b="0" lang="en-US" sz="2200" spc="-1" strike="noStrike">
-                <a:solidFill>
-                  <a:srgbClr val="002060"/>
-                </a:solidFill>
-                <a:uFill>
-                  <a:solidFill>
-                    <a:srgbClr val="ffffff"/>
-                  </a:solidFill>
-                </a:uFill>
-                <a:latin typeface="Arial"/>
-                <a:ea typeface="DejaVu Sans"/>
-              </a:rPr>
-              <a:t> (</a:t>
-            </a:r>
-            <a:r>
-              <a:rPr b="0" lang="en-US" sz="2200" spc="-1" strike="noStrike">
-                <a:solidFill>
-                  <a:srgbClr val="002060"/>
-                </a:solidFill>
-                <a:uFill>
-                  <a:solidFill>
-                    <a:srgbClr val="ffffff"/>
-                  </a:solidFill>
-                </a:uFill>
-                <a:latin typeface="Arial"/>
-                <a:ea typeface="Arial"/>
-              </a:rPr>
-              <a:t>CHOHAN, 2017)</a:t>
-            </a:r>
-            <a:r>
-              <a:rPr b="0" lang="en-US" sz="2200" spc="-1" strike="noStrike">
-                <a:solidFill>
-                  <a:srgbClr val="002060"/>
-                </a:solidFill>
-                <a:uFill>
-                  <a:solidFill>
-                    <a:srgbClr val="ffffff"/>
-                  </a:solidFill>
-                </a:uFill>
-                <a:latin typeface="Arial"/>
-                <a:ea typeface="DejaVu Sans"/>
-              </a:rPr>
-              <a:t>, a infraestutura não possui uma autoridade central com poder de emitir ou realizar transferências de VoltTokens de forma indetectável ou fora das regras de negócio definidas no contrato inteligente.</a:t>
+              <a:t>A infraestutura não possui uma autoridade central com poder de emitir ou realizar transferências de VoltTokens de forma indetectável ou fora das regras de negócio definidas no contrato inteligente.</a:t>
             </a:r>
             <a:endParaRPr b="0" lang="en-US" sz="1800" spc="-1" strike="noStrike">
               <a:solidFill>
@@ -8744,7 +8684,7 @@
         <p:spPr>
           <a:xfrm>
             <a:off x="-6840" y="3474720"/>
-            <a:ext cx="2080800" cy="44280"/>
+            <a:ext cx="2080440" cy="43920"/>
           </a:xfrm>
           <a:prstGeom prst="rect">
             <a:avLst/>
@@ -8780,8 +8720,8 @@
         </p:blipFill>
         <p:spPr>
           <a:xfrm>
-            <a:off x="2377440" y="4732200"/>
-            <a:ext cx="6133320" cy="1485360"/>
+            <a:off x="2377440" y="4297680"/>
+            <a:ext cx="6132960" cy="1485000"/>
           </a:xfrm>
           <a:prstGeom prst="rect">
             <a:avLst/>
@@ -8849,7 +8789,7 @@
         <p:spPr>
           <a:xfrm>
             <a:off x="2319120" y="501840"/>
-            <a:ext cx="4479120" cy="576720"/>
+            <a:ext cx="4478760" cy="576360"/>
           </a:xfrm>
           <a:prstGeom prst="rect">
             <a:avLst/>
@@ -8911,7 +8851,7 @@
         <p:spPr>
           <a:xfrm>
             <a:off x="2082240" y="1086840"/>
-            <a:ext cx="44280" cy="5789880"/>
+            <a:ext cx="43920" cy="5789520"/>
           </a:xfrm>
           <a:prstGeom prst="rect">
             <a:avLst/>
@@ -8944,7 +8884,7 @@
         <p:spPr>
           <a:xfrm>
             <a:off x="6553080" y="6356520"/>
-            <a:ext cx="2132280" cy="363600"/>
+            <a:ext cx="2131920" cy="363240"/>
           </a:xfrm>
           <a:prstGeom prst="rect">
             <a:avLst/>
@@ -8968,7 +8908,7 @@
                 <a:spcPct val="100000"/>
               </a:lnSpc>
             </a:pPr>
-            <a:fld id="{567E8575-5F88-471D-81CB-DEDB0CA6A2B9}" type="slidenum">
+            <a:fld id="{C4830F7A-C844-4427-BDB2-7531256ED706}" type="slidenum">
               <a:rPr b="0" lang="en-US" sz="900" spc="-1" strike="noStrike">
                 <a:solidFill>
                   <a:srgbClr val="898c9d"/>
@@ -8981,7 +8921,7 @@
                 <a:latin typeface="Arial"/>
                 <a:ea typeface="DejaVu Sans"/>
               </a:rPr>
-              <a:t>1</a:t>
+              <a:t>&lt;number&gt;</a:t>
             </a:fld>
             <a:endParaRPr b="0" lang="en-US" sz="1800" spc="-1" strike="noStrike">
               <a:solidFill>
@@ -9006,7 +8946,7 @@
         <p:spPr>
           <a:xfrm>
             <a:off x="0" y="1673640"/>
-            <a:ext cx="2073960" cy="2859840"/>
+            <a:ext cx="2073600" cy="2859480"/>
           </a:xfrm>
           <a:prstGeom prst="rect">
             <a:avLst/>
@@ -9272,7 +9212,7 @@
         <p:spPr>
           <a:xfrm>
             <a:off x="2319120" y="1541160"/>
-            <a:ext cx="4172400" cy="927000"/>
+            <a:ext cx="4172040" cy="926640"/>
           </a:xfrm>
           <a:prstGeom prst="rect">
             <a:avLst/>
@@ -9338,7 +9278,7 @@
         <p:spPr>
           <a:xfrm>
             <a:off x="6675120" y="1571400"/>
-            <a:ext cx="1702800" cy="4777200"/>
+            <a:ext cx="1702440" cy="4776840"/>
           </a:xfrm>
           <a:prstGeom prst="rect">
             <a:avLst/>
@@ -9406,7 +9346,7 @@
         <p:spPr>
           <a:xfrm>
             <a:off x="3006720" y="536040"/>
-            <a:ext cx="3444120" cy="576720"/>
+            <a:ext cx="3443760" cy="576360"/>
           </a:xfrm>
           <a:prstGeom prst="rect">
             <a:avLst/>
@@ -9468,7 +9408,7 @@
         <p:spPr>
           <a:xfrm>
             <a:off x="2082240" y="1086840"/>
-            <a:ext cx="44280" cy="5789880"/>
+            <a:ext cx="43920" cy="5789520"/>
           </a:xfrm>
           <a:prstGeom prst="rect">
             <a:avLst/>
@@ -9501,7 +9441,7 @@
         <p:spPr>
           <a:xfrm>
             <a:off x="0" y="4252680"/>
-            <a:ext cx="2080800" cy="44280"/>
+            <a:ext cx="2080440" cy="43920"/>
           </a:xfrm>
           <a:prstGeom prst="rect">
             <a:avLst/>
@@ -9534,7 +9474,7 @@
         <p:spPr>
           <a:xfrm>
             <a:off x="6553080" y="6356520"/>
-            <a:ext cx="2132280" cy="363600"/>
+            <a:ext cx="2131920" cy="363240"/>
           </a:xfrm>
           <a:prstGeom prst="rect">
             <a:avLst/>
@@ -9558,7 +9498,7 @@
                 <a:spcPct val="100000"/>
               </a:lnSpc>
             </a:pPr>
-            <a:fld id="{823B0685-7441-4A05-A74D-6DD0DAD17817}" type="slidenum">
+            <a:fld id="{3D5C32E8-ACFA-45E7-AA36-662D04F10757}" type="slidenum">
               <a:rPr b="0" lang="en-US" sz="900" spc="-1" strike="noStrike">
                 <a:solidFill>
                   <a:srgbClr val="898c9d"/>
@@ -9571,7 +9511,7 @@
                 <a:latin typeface="Arial"/>
                 <a:ea typeface="DejaVu Sans"/>
               </a:rPr>
-              <a:t>1</a:t>
+              <a:t>&lt;number&gt;</a:t>
             </a:fld>
             <a:endParaRPr b="0" lang="en-US" sz="1800" spc="-1" strike="noStrike">
               <a:solidFill>
@@ -9596,7 +9536,7 @@
         <p:spPr>
           <a:xfrm>
             <a:off x="0" y="1673640"/>
-            <a:ext cx="2073960" cy="2859840"/>
+            <a:ext cx="2073600" cy="2859480"/>
           </a:xfrm>
           <a:prstGeom prst="rect">
             <a:avLst/>
@@ -9862,7 +9802,7 @@
         <p:spPr>
           <a:xfrm>
             <a:off x="2327760" y="1541160"/>
-            <a:ext cx="6266880" cy="927000"/>
+            <a:ext cx="6266520" cy="926640"/>
           </a:xfrm>
           <a:prstGeom prst="rect">
             <a:avLst/>
@@ -9899,7 +9839,58 @@
                 <a:latin typeface="Arial"/>
                 <a:ea typeface="Arial"/>
               </a:rPr>
-              <a:t>Um sistema de votação independente de software e que grava os registros digitais de votos numa base de dados autônoma e resistente a censura. Foi escrito um contrato inteligente na linguagem </a:t>
+              <a:t>Um sistema de votação independente de software e que grava os registros digitais de votos numa base de dados autônoma e resistente a censura e modificações. </a:t>
+            </a:r>
+            <a:endParaRPr b="0" lang="en-US" sz="1800" spc="-1" strike="noStrike">
+              <a:solidFill>
+                <a:srgbClr val="000000"/>
+              </a:solidFill>
+              <a:uFill>
+                <a:solidFill>
+                  <a:srgbClr val="ffffff"/>
+                </a:solidFill>
+              </a:uFill>
+              <a:latin typeface="Arial"/>
+            </a:endParaRPr>
+          </a:p>
+          <a:p>
+            <a:pPr algn="just">
+              <a:lnSpc>
+                <a:spcPct val="100000"/>
+              </a:lnSpc>
+            </a:pPr>
+            <a:endParaRPr b="0" lang="en-US" sz="1800" spc="-1" strike="noStrike">
+              <a:solidFill>
+                <a:srgbClr val="000000"/>
+              </a:solidFill>
+              <a:uFill>
+                <a:solidFill>
+                  <a:srgbClr val="ffffff"/>
+                </a:solidFill>
+              </a:uFill>
+              <a:latin typeface="Arial"/>
+            </a:endParaRPr>
+          </a:p>
+          <a:p>
+            <a:pPr algn="just">
+              <a:lnSpc>
+                <a:spcPct val="100000"/>
+              </a:lnSpc>
+            </a:pPr>
+            <a:r>
+              <a:rPr b="0" lang="en-US" sz="2200" spc="-1" strike="noStrike">
+                <a:solidFill>
+                  <a:srgbClr val="002060"/>
+                </a:solidFill>
+                <a:uFill>
+                  <a:solidFill>
+                    <a:srgbClr val="ffffff"/>
+                  </a:solidFill>
+                </a:uFill>
+                <a:latin typeface="Arial"/>
+                <a:ea typeface="Arial"/>
+              </a:rPr>
+              <a:t>O software foi escrito na linguagem </a:t>
             </a:r>
             <a:r>
               <a:rPr b="0" i="1" lang="en-US" sz="2200" spc="-1" strike="noStrike">
@@ -10234,7 +10225,7 @@
         <p:spPr>
           <a:xfrm>
             <a:off x="3006720" y="536040"/>
-            <a:ext cx="3444120" cy="576720"/>
+            <a:ext cx="3443760" cy="576360"/>
           </a:xfrm>
           <a:prstGeom prst="rect">
             <a:avLst/>
@@ -10296,7 +10287,7 @@
         <p:spPr>
           <a:xfrm>
             <a:off x="2082240" y="1086840"/>
-            <a:ext cx="44280" cy="5789880"/>
+            <a:ext cx="43920" cy="5789520"/>
           </a:xfrm>
           <a:prstGeom prst="rect">
             <a:avLst/>
@@ -10329,7 +10320,7 @@
         <p:spPr>
           <a:xfrm>
             <a:off x="0" y="4252680"/>
-            <a:ext cx="2080800" cy="44280"/>
+            <a:ext cx="2080440" cy="43920"/>
           </a:xfrm>
           <a:prstGeom prst="rect">
             <a:avLst/>
@@ -10362,7 +10353,7 @@
         <p:spPr>
           <a:xfrm>
             <a:off x="6553080" y="6356520"/>
-            <a:ext cx="2132280" cy="363600"/>
+            <a:ext cx="2131920" cy="363240"/>
           </a:xfrm>
           <a:prstGeom prst="rect">
             <a:avLst/>
@@ -10386,7 +10377,7 @@
                 <a:spcPct val="100000"/>
               </a:lnSpc>
             </a:pPr>
-            <a:fld id="{46D7C701-B403-4FC6-9876-CC4771AF720D}" type="slidenum">
+            <a:fld id="{989D001D-6106-4245-8B48-1546D9F220F1}" type="slidenum">
               <a:rPr b="0" lang="en-US" sz="900" spc="-1" strike="noStrike">
                 <a:solidFill>
                   <a:srgbClr val="898c9d"/>
@@ -10399,7 +10390,7 @@
                 <a:latin typeface="Arial"/>
                 <a:ea typeface="DejaVu Sans"/>
               </a:rPr>
-              <a:t>1</a:t>
+              <a:t>&lt;number&gt;</a:t>
             </a:fld>
             <a:endParaRPr b="0" lang="en-US" sz="1800" spc="-1" strike="noStrike">
               <a:solidFill>
@@ -10424,7 +10415,7 @@
         <p:spPr>
           <a:xfrm>
             <a:off x="0" y="1673640"/>
-            <a:ext cx="2073960" cy="2859840"/>
+            <a:ext cx="2073600" cy="2859480"/>
           </a:xfrm>
           <a:prstGeom prst="rect">
             <a:avLst/>
@@ -10690,7 +10681,7 @@
         <p:spPr>
           <a:xfrm>
             <a:off x="2327760" y="1541160"/>
-            <a:ext cx="6266880" cy="927000"/>
+            <a:ext cx="6266520" cy="926640"/>
           </a:xfrm>
           <a:prstGeom prst="rect">
             <a:avLst/>
@@ -10709,7 +10700,7 @@
         <p:txBody>
           <a:bodyPr lIns="90000" rIns="90000" tIns="45000" bIns="45000"/>
           <a:p>
-            <a:pPr marL="216000" indent="-215280" algn="just">
+            <a:pPr marL="216000" indent="-214920" algn="just">
               <a:lnSpc>
                 <a:spcPct val="100000"/>
               </a:lnSpc>
@@ -10778,7 +10769,7 @@
             </a:endParaRPr>
           </a:p>
           <a:p>
-            <a:pPr marL="216000" indent="-215280" algn="just">
+            <a:pPr marL="216000" indent="-214920" algn="just">
               <a:lnSpc>
                 <a:spcPct val="100000"/>
               </a:lnSpc>
@@ -10817,7 +10808,7 @@
             </a:endParaRPr>
           </a:p>
           <a:p>
-            <a:pPr marL="216000" indent="-215280" algn="just">
+            <a:pPr marL="216000" indent="-214920" algn="just">
               <a:lnSpc>
                 <a:spcPct val="100000"/>
               </a:lnSpc>
@@ -10856,7 +10847,7 @@
             </a:endParaRPr>
           </a:p>
           <a:p>
-            <a:pPr marL="216000" indent="-215280" algn="just">
+            <a:pPr marL="216000" indent="-214920" algn="just">
               <a:lnSpc>
                 <a:spcPct val="100000"/>
               </a:lnSpc>
@@ -10972,7 +10963,7 @@
         <p:spPr>
           <a:xfrm>
             <a:off x="3006720" y="536040"/>
-            <a:ext cx="3444120" cy="576720"/>
+            <a:ext cx="3443760" cy="576360"/>
           </a:xfrm>
           <a:prstGeom prst="rect">
             <a:avLst/>
@@ -11034,7 +11025,7 @@
         <p:spPr>
           <a:xfrm>
             <a:off x="2082240" y="1086840"/>
-            <a:ext cx="44280" cy="5789880"/>
+            <a:ext cx="43920" cy="5789520"/>
           </a:xfrm>
           <a:prstGeom prst="rect">
             <a:avLst/>
@@ -11067,7 +11058,7 @@
         <p:spPr>
           <a:xfrm>
             <a:off x="0" y="4252680"/>
-            <a:ext cx="2080800" cy="44280"/>
+            <a:ext cx="2080440" cy="43920"/>
           </a:xfrm>
           <a:prstGeom prst="rect">
             <a:avLst/>
@@ -11100,7 +11091,7 @@
         <p:spPr>
           <a:xfrm>
             <a:off x="6553080" y="6356520"/>
-            <a:ext cx="2132280" cy="363600"/>
+            <a:ext cx="2131920" cy="363240"/>
           </a:xfrm>
           <a:prstGeom prst="rect">
             <a:avLst/>
@@ -11124,7 +11115,7 @@
                 <a:spcPct val="100000"/>
               </a:lnSpc>
             </a:pPr>
-            <a:fld id="{CF5F1BCE-8E54-474E-8848-75295E679B70}" type="slidenum">
+            <a:fld id="{675B92F7-1E71-44E0-B621-611C5B82096B}" type="slidenum">
               <a:rPr b="0" lang="en-US" sz="900" spc="-1" strike="noStrike">
                 <a:solidFill>
                   <a:srgbClr val="898c9d"/>
@@ -11137,7 +11128,7 @@
                 <a:latin typeface="Arial"/>
                 <a:ea typeface="DejaVu Sans"/>
               </a:rPr>
-              <a:t>1</a:t>
+              <a:t>&lt;number&gt;</a:t>
             </a:fld>
             <a:endParaRPr b="0" lang="en-US" sz="1800" spc="-1" strike="noStrike">
               <a:solidFill>
@@ -11162,7 +11153,7 @@
         <p:spPr>
           <a:xfrm>
             <a:off x="0" y="1673640"/>
-            <a:ext cx="2073960" cy="2859840"/>
+            <a:ext cx="2073600" cy="2859480"/>
           </a:xfrm>
           <a:prstGeom prst="rect">
             <a:avLst/>
@@ -11428,7 +11419,7 @@
         <p:spPr>
           <a:xfrm>
             <a:off x="2327760" y="1541160"/>
-            <a:ext cx="6266880" cy="927000"/>
+            <a:ext cx="6266520" cy="926640"/>
           </a:xfrm>
           <a:prstGeom prst="rect">
             <a:avLst/>
@@ -11447,7 +11438,7 @@
         <p:txBody>
           <a:bodyPr lIns="90000" rIns="90000" tIns="45000" bIns="45000"/>
           <a:p>
-            <a:pPr marL="216000" indent="-215280" algn="just">
+            <a:pPr marL="216000" indent="-214920" algn="just">
               <a:lnSpc>
                 <a:spcPct val="100000"/>
               </a:lnSpc>
@@ -11486,7 +11477,7 @@
             </a:endParaRPr>
           </a:p>
           <a:p>
-            <a:pPr marL="216000" indent="-215280" algn="just">
+            <a:pPr marL="216000" indent="-214920" algn="just">
               <a:lnSpc>
                 <a:spcPct val="100000"/>
               </a:lnSpc>
@@ -11525,7 +11516,7 @@
             </a:endParaRPr>
           </a:p>
           <a:p>
-            <a:pPr marL="216000" indent="-215280" algn="just">
+            <a:pPr marL="216000" indent="-214920" algn="just">
               <a:lnSpc>
                 <a:spcPct val="100000"/>
               </a:lnSpc>
@@ -11641,7 +11632,7 @@
         <p:spPr>
           <a:xfrm>
             <a:off x="3006720" y="536040"/>
-            <a:ext cx="3444120" cy="576720"/>
+            <a:ext cx="3443760" cy="576360"/>
           </a:xfrm>
           <a:prstGeom prst="rect">
             <a:avLst/>
@@ -11703,7 +11694,7 @@
         <p:spPr>
           <a:xfrm>
             <a:off x="2082240" y="1086840"/>
-            <a:ext cx="44280" cy="5789880"/>
+            <a:ext cx="43920" cy="5789520"/>
           </a:xfrm>
           <a:prstGeom prst="rect">
             <a:avLst/>
@@ -11736,7 +11727,7 @@
         <p:spPr>
           <a:xfrm>
             <a:off x="0" y="4252680"/>
-            <a:ext cx="2080800" cy="44280"/>
+            <a:ext cx="2080440" cy="43920"/>
           </a:xfrm>
           <a:prstGeom prst="rect">
             <a:avLst/>
@@ -11769,7 +11760,7 @@
         <p:spPr>
           <a:xfrm>
             <a:off x="6553080" y="6356520"/>
-            <a:ext cx="2132280" cy="363600"/>
+            <a:ext cx="2131920" cy="363240"/>
           </a:xfrm>
           <a:prstGeom prst="rect">
             <a:avLst/>
@@ -11793,7 +11784,7 @@
                 <a:spcPct val="100000"/>
               </a:lnSpc>
             </a:pPr>
-            <a:fld id="{25C4569F-0219-4D4E-BE82-8BEA5EAD9818}" type="slidenum">
+            <a:fld id="{5ADECBFA-BC97-440E-9906-1FAFD4E9D1D4}" type="slidenum">
               <a:rPr b="0" lang="en-US" sz="900" spc="-1" strike="noStrike">
                 <a:solidFill>
                   <a:srgbClr val="898c9d"/>
@@ -11806,7 +11797,7 @@
                 <a:latin typeface="Arial"/>
                 <a:ea typeface="DejaVu Sans"/>
               </a:rPr>
-              <a:t>1</a:t>
+              <a:t>&lt;number&gt;</a:t>
             </a:fld>
             <a:endParaRPr b="0" lang="en-US" sz="1800" spc="-1" strike="noStrike">
               <a:solidFill>
@@ -11831,7 +11822,7 @@
         <p:spPr>
           <a:xfrm>
             <a:off x="0" y="1673640"/>
-            <a:ext cx="2073960" cy="2859840"/>
+            <a:ext cx="2073600" cy="2859480"/>
           </a:xfrm>
           <a:prstGeom prst="rect">
             <a:avLst/>
@@ -12097,7 +12088,7 @@
         <p:spPr>
           <a:xfrm>
             <a:off x="2327760" y="1541160"/>
-            <a:ext cx="6266880" cy="927000"/>
+            <a:ext cx="6266520" cy="926640"/>
           </a:xfrm>
           <a:prstGeom prst="rect">
             <a:avLst/>
@@ -12116,7 +12107,7 @@
         <p:txBody>
           <a:bodyPr lIns="90000" rIns="90000" tIns="45000" bIns="45000"/>
           <a:p>
-            <a:pPr marL="216000" indent="-215280" algn="just">
+            <a:pPr marL="216000" indent="-214920" algn="just">
               <a:lnSpc>
                 <a:spcPct val="100000"/>
               </a:lnSpc>
@@ -12182,13 +12173,13 @@
         </p:nvPicPr>
         <p:blipFill>
           <a:blip r:embed="rId1"/>
-          <a:srcRect l="50299" t="36166" r="20716" b="40723"/>
+          <a:srcRect l="50307" t="36171" r="20718" b="40728"/>
           <a:stretch/>
         </p:blipFill>
         <p:spPr>
           <a:xfrm>
             <a:off x="2651760" y="3108960"/>
-            <a:ext cx="5036760" cy="2256840"/>
+            <a:ext cx="5714640" cy="2560320"/>
           </a:xfrm>
           <a:prstGeom prst="rect">
             <a:avLst/>
@@ -12256,7 +12247,7 @@
         <p:spPr>
           <a:xfrm>
             <a:off x="3006720" y="536040"/>
-            <a:ext cx="3444120" cy="576720"/>
+            <a:ext cx="3443760" cy="576360"/>
           </a:xfrm>
           <a:prstGeom prst="rect">
             <a:avLst/>
@@ -12318,7 +12309,7 @@
         <p:spPr>
           <a:xfrm>
             <a:off x="2082240" y="1086840"/>
-            <a:ext cx="44280" cy="5789880"/>
+            <a:ext cx="43920" cy="5789520"/>
           </a:xfrm>
           <a:prstGeom prst="rect">
             <a:avLst/>
@@ -12351,7 +12342,7 @@
         <p:spPr>
           <a:xfrm>
             <a:off x="0" y="4252680"/>
-            <a:ext cx="2080800" cy="44280"/>
+            <a:ext cx="2080440" cy="43920"/>
           </a:xfrm>
           <a:prstGeom prst="rect">
             <a:avLst/>
@@ -12384,7 +12375,7 @@
         <p:spPr>
           <a:xfrm>
             <a:off x="6553080" y="6356520"/>
-            <a:ext cx="2132280" cy="363600"/>
+            <a:ext cx="2131920" cy="363240"/>
           </a:xfrm>
           <a:prstGeom prst="rect">
             <a:avLst/>
@@ -12408,7 +12399,7 @@
                 <a:spcPct val="100000"/>
               </a:lnSpc>
             </a:pPr>
-            <a:fld id="{80510F63-98D7-444C-9129-8646B3E3B18E}" type="slidenum">
+            <a:fld id="{F8BEE3A3-0348-4F6E-BE7A-6E552CF8C621}" type="slidenum">
               <a:rPr b="0" lang="en-US" sz="900" spc="-1" strike="noStrike">
                 <a:solidFill>
                   <a:srgbClr val="898c9d"/>
@@ -12421,7 +12412,7 @@
                 <a:latin typeface="Arial"/>
                 <a:ea typeface="DejaVu Sans"/>
               </a:rPr>
-              <a:t>1</a:t>
+              <a:t>&lt;number&gt;</a:t>
             </a:fld>
             <a:endParaRPr b="0" lang="en-US" sz="1800" spc="-1" strike="noStrike">
               <a:solidFill>
@@ -12446,7 +12437,7 @@
         <p:spPr>
           <a:xfrm>
             <a:off x="0" y="1673640"/>
-            <a:ext cx="2073960" cy="2859840"/>
+            <a:ext cx="2073600" cy="2859480"/>
           </a:xfrm>
           <a:prstGeom prst="rect">
             <a:avLst/>
@@ -12717,7 +12708,7 @@
         <p:spPr>
           <a:xfrm>
             <a:off x="2286000" y="1266480"/>
-            <a:ext cx="6607080" cy="3670560"/>
+            <a:ext cx="6606720" cy="3670200"/>
           </a:xfrm>
           <a:prstGeom prst="rect">
             <a:avLst/>
@@ -12735,13 +12726,13 @@
         </p:nvPicPr>
         <p:blipFill>
           <a:blip r:embed="rId2"/>
-          <a:srcRect l="6737" t="36043" r="8992" b="26836"/>
+          <a:srcRect l="6737" t="36048" r="8992" b="26841"/>
           <a:stretch/>
         </p:blipFill>
         <p:spPr>
           <a:xfrm>
             <a:off x="2286000" y="4937760"/>
-            <a:ext cx="6642720" cy="1644840"/>
+            <a:ext cx="6642360" cy="1644480"/>
           </a:xfrm>
           <a:prstGeom prst="rect">
             <a:avLst/>
@@ -12809,7 +12800,7 @@
         <p:spPr>
           <a:xfrm>
             <a:off x="3006720" y="536040"/>
-            <a:ext cx="3444120" cy="576720"/>
+            <a:ext cx="3443760" cy="576360"/>
           </a:xfrm>
           <a:prstGeom prst="rect">
             <a:avLst/>
@@ -12871,7 +12862,7 @@
         <p:spPr>
           <a:xfrm>
             <a:off x="2082240" y="1086840"/>
-            <a:ext cx="44280" cy="5789880"/>
+            <a:ext cx="43920" cy="5789520"/>
           </a:xfrm>
           <a:prstGeom prst="rect">
             <a:avLst/>
@@ -12904,7 +12895,7 @@
         <p:spPr>
           <a:xfrm>
             <a:off x="0" y="4252680"/>
-            <a:ext cx="2080800" cy="44280"/>
+            <a:ext cx="2080440" cy="43920"/>
           </a:xfrm>
           <a:prstGeom prst="rect">
             <a:avLst/>
@@ -12937,7 +12928,7 @@
         <p:spPr>
           <a:xfrm>
             <a:off x="6553080" y="6356520"/>
-            <a:ext cx="2132280" cy="363600"/>
+            <a:ext cx="2131920" cy="363240"/>
           </a:xfrm>
           <a:prstGeom prst="rect">
             <a:avLst/>
@@ -12961,7 +12952,7 @@
                 <a:spcPct val="100000"/>
               </a:lnSpc>
             </a:pPr>
-            <a:fld id="{4CB6EAFC-72A0-4AB7-BCAC-2FF9C3A8DBFE}" type="slidenum">
+            <a:fld id="{FE2F24FA-7D86-4E8A-968F-4594EDB60482}" type="slidenum">
               <a:rPr b="0" lang="en-US" sz="900" spc="-1" strike="noStrike">
                 <a:solidFill>
                   <a:srgbClr val="898c9d"/>
@@ -12974,7 +12965,7 @@
                 <a:latin typeface="Arial"/>
                 <a:ea typeface="DejaVu Sans"/>
               </a:rPr>
-              <a:t>1</a:t>
+              <a:t>&lt;number&gt;</a:t>
             </a:fld>
             <a:endParaRPr b="0" lang="en-US" sz="1800" spc="-1" strike="noStrike">
               <a:solidFill>
@@ -12999,7 +12990,7 @@
         <p:spPr>
           <a:xfrm>
             <a:off x="0" y="1673640"/>
-            <a:ext cx="2073960" cy="2859840"/>
+            <a:ext cx="2073600" cy="2859480"/>
           </a:xfrm>
           <a:prstGeom prst="rect">
             <a:avLst/>
@@ -13270,7 +13261,7 @@
         <p:spPr>
           <a:xfrm>
             <a:off x="2127240" y="1097280"/>
-            <a:ext cx="7016040" cy="5851080"/>
+            <a:ext cx="7015680" cy="5850720"/>
           </a:xfrm>
           <a:prstGeom prst="rect">
             <a:avLst/>
@@ -13338,7 +13329,7 @@
         <p:spPr>
           <a:xfrm>
             <a:off x="3079440" y="536040"/>
-            <a:ext cx="2983680" cy="576720"/>
+            <a:ext cx="2983320" cy="576360"/>
           </a:xfrm>
           <a:prstGeom prst="rect">
             <a:avLst/>
@@ -13400,7 +13391,7 @@
         <p:spPr>
           <a:xfrm>
             <a:off x="2319120" y="1645200"/>
-            <a:ext cx="6266880" cy="927000"/>
+            <a:ext cx="6266520" cy="926640"/>
           </a:xfrm>
           <a:prstGeom prst="rect">
             <a:avLst/>
@@ -13536,39 +13527,6 @@
                 <a:latin typeface="Arial"/>
                 <a:ea typeface="DejaVu Sans"/>
               </a:rPr>
-              <a:t>O Caso Alagoas – 2006</a:t>
-            </a:r>
-            <a:endParaRPr b="0" lang="en-US" sz="1800" spc="-1" strike="noStrike">
-              <a:solidFill>
-                <a:srgbClr val="000000"/>
-              </a:solidFill>
-              <a:uFill>
-                <a:solidFill>
-                  <a:srgbClr val="ffffff"/>
-                </a:solidFill>
-              </a:uFill>
-              <a:latin typeface="Arial"/>
-            </a:endParaRPr>
-          </a:p>
-          <a:p>
-            <a:pPr>
-              <a:lnSpc>
-                <a:spcPct val="150000"/>
-              </a:lnSpc>
-            </a:pPr>
-            <a:r>
-              <a:rPr b="0" lang="en-US" sz="2200" spc="-1" strike="noStrike">
-                <a:solidFill>
-                  <a:srgbClr val="002060"/>
-                </a:solidFill>
-                <a:uFill>
-                  <a:solidFill>
-                    <a:srgbClr val="ffffff"/>
-                  </a:solidFill>
-                </a:uFill>
-                <a:latin typeface="Arial"/>
-                <a:ea typeface="DejaVu Sans"/>
-              </a:rPr>
               <a:t>O Caso Itajaí, SC - 2008</a:t>
             </a:r>
             <a:endParaRPr b="0" lang="en-US" sz="1800" spc="-1" strike="noStrike">
@@ -13612,7 +13570,7 @@
         <p:spPr>
           <a:xfrm>
             <a:off x="2082240" y="1086840"/>
-            <a:ext cx="44280" cy="5789880"/>
+            <a:ext cx="43920" cy="5789520"/>
           </a:xfrm>
           <a:prstGeom prst="rect">
             <a:avLst/>
@@ -13645,7 +13603,7 @@
         <p:spPr>
           <a:xfrm>
             <a:off x="0" y="2017080"/>
-            <a:ext cx="2080800" cy="44280"/>
+            <a:ext cx="2080440" cy="43920"/>
           </a:xfrm>
           <a:prstGeom prst="rect">
             <a:avLst/>
@@ -13678,7 +13636,7 @@
         <p:spPr>
           <a:xfrm>
             <a:off x="6553080" y="6356520"/>
-            <a:ext cx="2132280" cy="363600"/>
+            <a:ext cx="2131920" cy="363240"/>
           </a:xfrm>
           <a:prstGeom prst="rect">
             <a:avLst/>
@@ -13702,7 +13660,7 @@
                 <a:spcPct val="100000"/>
               </a:lnSpc>
             </a:pPr>
-            <a:fld id="{9CE5823F-826E-47A9-AE5B-C951954E049C}" type="slidenum">
+            <a:fld id="{944B9BB8-89F0-484B-B2F4-3CDE77C1CD6A}" type="slidenum">
               <a:rPr b="0" lang="en-US" sz="900" spc="-1" strike="noStrike">
                 <a:solidFill>
                   <a:srgbClr val="898c9d"/>
@@ -13715,7 +13673,7 @@
                 <a:latin typeface="Arial"/>
                 <a:ea typeface="DejaVu Sans"/>
               </a:rPr>
-              <a:t>1</a:t>
+              <a:t>&lt;number&gt;</a:t>
             </a:fld>
             <a:endParaRPr b="0" lang="en-US" sz="1800" spc="-1" strike="noStrike">
               <a:solidFill>
@@ -13740,7 +13698,7 @@
         <p:spPr>
           <a:xfrm>
             <a:off x="0" y="1673640"/>
-            <a:ext cx="2073960" cy="2859840"/>
+            <a:ext cx="2073600" cy="2859480"/>
           </a:xfrm>
           <a:prstGeom prst="rect">
             <a:avLst/>
@@ -14055,7 +14013,7 @@
         <p:spPr>
           <a:xfrm>
             <a:off x="1383840" y="536040"/>
-            <a:ext cx="6102720" cy="576720"/>
+            <a:ext cx="6102360" cy="576360"/>
           </a:xfrm>
           <a:prstGeom prst="rect">
             <a:avLst/>
@@ -14117,7 +14075,7 @@
         <p:spPr>
           <a:xfrm>
             <a:off x="2082240" y="1086840"/>
-            <a:ext cx="44280" cy="5789880"/>
+            <a:ext cx="43920" cy="5789520"/>
           </a:xfrm>
           <a:prstGeom prst="rect">
             <a:avLst/>
@@ -14150,7 +14108,7 @@
         <p:spPr>
           <a:xfrm>
             <a:off x="0" y="4984200"/>
-            <a:ext cx="2080800" cy="44280"/>
+            <a:ext cx="2080440" cy="43920"/>
           </a:xfrm>
           <a:prstGeom prst="rect">
             <a:avLst/>
@@ -14183,7 +14141,7 @@
         <p:spPr>
           <a:xfrm>
             <a:off x="6553080" y="6356520"/>
-            <a:ext cx="2132280" cy="363600"/>
+            <a:ext cx="2131920" cy="363240"/>
           </a:xfrm>
           <a:prstGeom prst="rect">
             <a:avLst/>
@@ -14207,7 +14165,7 @@
                 <a:spcPct val="100000"/>
               </a:lnSpc>
             </a:pPr>
-            <a:fld id="{889A43FF-FEF4-4D6B-AB73-006B9CE32569}" type="slidenum">
+            <a:fld id="{3872899E-818A-4181-906F-F9C90695E31C}" type="slidenum">
               <a:rPr b="0" lang="en-US" sz="900" spc="-1" strike="noStrike">
                 <a:solidFill>
                   <a:srgbClr val="898c9d"/>
@@ -14220,7 +14178,7 @@
                 <a:latin typeface="Arial"/>
                 <a:ea typeface="DejaVu Sans"/>
               </a:rPr>
-              <a:t>1</a:t>
+              <a:t>&lt;number&gt;</a:t>
             </a:fld>
             <a:endParaRPr b="0" lang="en-US" sz="1800" spc="-1" strike="noStrike">
               <a:solidFill>
@@ -14245,7 +14203,7 @@
         <p:spPr>
           <a:xfrm>
             <a:off x="0" y="1673640"/>
-            <a:ext cx="2073960" cy="2859840"/>
+            <a:ext cx="2073600" cy="2859480"/>
           </a:xfrm>
           <a:prstGeom prst="rect">
             <a:avLst/>
@@ -14511,7 +14469,7 @@
         <p:spPr>
           <a:xfrm>
             <a:off x="2327760" y="1751040"/>
-            <a:ext cx="6266880" cy="927000"/>
+            <a:ext cx="6266520" cy="926640"/>
           </a:xfrm>
           <a:prstGeom prst="rect">
             <a:avLst/>
@@ -14724,7 +14682,7 @@
         <p:spPr>
           <a:xfrm>
             <a:off x="1596600" y="3004560"/>
-            <a:ext cx="6266880" cy="927000"/>
+            <a:ext cx="6266520" cy="926640"/>
           </a:xfrm>
           <a:prstGeom prst="rect">
             <a:avLst/>
@@ -14853,7 +14811,7 @@
         <p:spPr>
           <a:xfrm>
             <a:off x="1383840" y="536040"/>
-            <a:ext cx="6102720" cy="576720"/>
+            <a:ext cx="6102360" cy="576360"/>
           </a:xfrm>
           <a:prstGeom prst="rect">
             <a:avLst/>
@@ -14879,7 +14837,7 @@
         <p:spPr>
           <a:xfrm>
             <a:off x="91440" y="1005840"/>
-            <a:ext cx="8137800" cy="182520"/>
+            <a:ext cx="8137440" cy="182160"/>
           </a:xfrm>
           <a:prstGeom prst="rect">
             <a:avLst/>
@@ -14907,7 +14865,7 @@
         <p:spPr>
           <a:xfrm>
             <a:off x="1463040" y="1891800"/>
-            <a:ext cx="6102720" cy="576720"/>
+            <a:ext cx="6102360" cy="576360"/>
           </a:xfrm>
           <a:prstGeom prst="rect">
             <a:avLst/>
@@ -15018,7 +14976,7 @@
         <p:spPr>
           <a:xfrm>
             <a:off x="3079440" y="536040"/>
-            <a:ext cx="2983680" cy="576720"/>
+            <a:ext cx="2983320" cy="576360"/>
           </a:xfrm>
           <a:prstGeom prst="rect">
             <a:avLst/>
@@ -15080,7 +15038,7 @@
         <p:spPr>
           <a:xfrm>
             <a:off x="2319120" y="1645200"/>
-            <a:ext cx="6266880" cy="2936520"/>
+            <a:ext cx="6266520" cy="2936160"/>
           </a:xfrm>
           <a:prstGeom prst="rect">
             <a:avLst/>
@@ -15132,7 +15090,7 @@
             </a:endParaRPr>
           </a:p>
           <a:p>
-            <a:pPr marL="257040" indent="-255600">
+            <a:pPr marL="257040" indent="-255240">
               <a:lnSpc>
                 <a:spcPct val="150000"/>
               </a:lnSpc>
@@ -15171,7 +15129,7 @@
             </a:endParaRPr>
           </a:p>
           <a:p>
-            <a:pPr marL="257040" indent="-255600">
+            <a:pPr marL="257040" indent="-255240">
               <a:lnSpc>
                 <a:spcPct val="150000"/>
               </a:lnSpc>
@@ -15210,7 +15168,7 @@
             </a:endParaRPr>
           </a:p>
           <a:p>
-            <a:pPr marL="257040" indent="-255600">
+            <a:pPr marL="257040" indent="-255240">
               <a:lnSpc>
                 <a:spcPct val="150000"/>
               </a:lnSpc>
@@ -15249,7 +15207,7 @@
             </a:endParaRPr>
           </a:p>
           <a:p>
-            <a:pPr marL="257040" indent="-255600">
+            <a:pPr marL="257040" indent="-255240">
               <a:lnSpc>
                 <a:spcPct val="150000"/>
               </a:lnSpc>
@@ -15288,7 +15246,7 @@
             </a:endParaRPr>
           </a:p>
           <a:p>
-            <a:pPr marL="257040" indent="-255600">
+            <a:pPr marL="257040" indent="-255240">
               <a:lnSpc>
                 <a:spcPct val="150000"/>
               </a:lnSpc>
@@ -15355,7 +15313,7 @@
         <p:spPr>
           <a:xfrm>
             <a:off x="2082240" y="1086840"/>
-            <a:ext cx="44280" cy="5789880"/>
+            <a:ext cx="43920" cy="5789520"/>
           </a:xfrm>
           <a:prstGeom prst="rect">
             <a:avLst/>
@@ -15388,7 +15346,7 @@
         <p:spPr>
           <a:xfrm>
             <a:off x="0" y="2017080"/>
-            <a:ext cx="2080800" cy="44280"/>
+            <a:ext cx="2080440" cy="43920"/>
           </a:xfrm>
           <a:prstGeom prst="rect">
             <a:avLst/>
@@ -15421,7 +15379,7 @@
         <p:spPr>
           <a:xfrm>
             <a:off x="6553080" y="6356520"/>
-            <a:ext cx="2132280" cy="363600"/>
+            <a:ext cx="2131920" cy="363240"/>
           </a:xfrm>
           <a:prstGeom prst="rect">
             <a:avLst/>
@@ -15445,7 +15403,7 @@
                 <a:spcPct val="100000"/>
               </a:lnSpc>
             </a:pPr>
-            <a:fld id="{EE39AE3C-3603-47F5-931B-58F9753691E0}" type="slidenum">
+            <a:fld id="{8FE6F3CF-58CD-4396-8DE4-901FACBC6B21}" type="slidenum">
               <a:rPr b="0" lang="en-US" sz="900" spc="-1" strike="noStrike">
                 <a:solidFill>
                   <a:srgbClr val="898c9d"/>
@@ -15458,7 +15416,7 @@
                 <a:latin typeface="Arial"/>
                 <a:ea typeface="DejaVu Sans"/>
               </a:rPr>
-              <a:t>1</a:t>
+              <a:t>&lt;number&gt;</a:t>
             </a:fld>
             <a:endParaRPr b="0" lang="en-US" sz="1800" spc="-1" strike="noStrike">
               <a:solidFill>
@@ -15483,7 +15441,7 @@
         <p:spPr>
           <a:xfrm>
             <a:off x="0" y="1673640"/>
-            <a:ext cx="2073960" cy="2859840"/>
+            <a:ext cx="2073600" cy="2859480"/>
           </a:xfrm>
           <a:prstGeom prst="rect">
             <a:avLst/>
@@ -15798,7 +15756,7 @@
         <p:spPr>
           <a:xfrm>
             <a:off x="3079440" y="536040"/>
-            <a:ext cx="2983680" cy="576720"/>
+            <a:ext cx="2983320" cy="576360"/>
           </a:xfrm>
           <a:prstGeom prst="rect">
             <a:avLst/>
@@ -15860,7 +15818,7 @@
         <p:spPr>
           <a:xfrm>
             <a:off x="2319120" y="1645200"/>
-            <a:ext cx="6266880" cy="4444200"/>
+            <a:ext cx="6266520" cy="4443840"/>
           </a:xfrm>
           <a:prstGeom prst="rect">
             <a:avLst/>
@@ -15912,7 +15870,7 @@
             </a:endParaRPr>
           </a:p>
           <a:p>
-            <a:pPr lvl="1" marL="432000" indent="-214920">
+            <a:pPr lvl="1" marL="432000" indent="-214560">
               <a:lnSpc>
                 <a:spcPct val="150000"/>
               </a:lnSpc>
@@ -15951,7 +15909,7 @@
             </a:endParaRPr>
           </a:p>
           <a:p>
-            <a:pPr lvl="1" marL="432000" indent="-214920">
+            <a:pPr lvl="1" marL="432000" indent="-214560">
               <a:lnSpc>
                 <a:spcPct val="150000"/>
               </a:lnSpc>
@@ -15990,7 +15948,7 @@
             </a:endParaRPr>
           </a:p>
           <a:p>
-            <a:pPr lvl="1" marL="432000" indent="-214920">
+            <a:pPr lvl="1" marL="432000" indent="-214560">
               <a:lnSpc>
                 <a:spcPct val="150000"/>
               </a:lnSpc>
@@ -16029,7 +15987,7 @@
             </a:endParaRPr>
           </a:p>
           <a:p>
-            <a:pPr lvl="1" marL="432000" indent="-214920">
+            <a:pPr lvl="1" marL="432000" indent="-214560">
               <a:lnSpc>
                 <a:spcPct val="150000"/>
               </a:lnSpc>
@@ -16068,7 +16026,7 @@
             </a:endParaRPr>
           </a:p>
           <a:p>
-            <a:pPr lvl="1" marL="432000" indent="-214920">
+            <a:pPr lvl="1" marL="432000" indent="-214560">
               <a:lnSpc>
                 <a:spcPct val="150000"/>
               </a:lnSpc>
@@ -16135,7 +16093,7 @@
         <p:spPr>
           <a:xfrm>
             <a:off x="2082240" y="1086840"/>
-            <a:ext cx="44280" cy="5789880"/>
+            <a:ext cx="43920" cy="5789520"/>
           </a:xfrm>
           <a:prstGeom prst="rect">
             <a:avLst/>
@@ -16168,7 +16126,7 @@
         <p:spPr>
           <a:xfrm>
             <a:off x="0" y="2017080"/>
-            <a:ext cx="2080800" cy="44280"/>
+            <a:ext cx="2080440" cy="43920"/>
           </a:xfrm>
           <a:prstGeom prst="rect">
             <a:avLst/>
@@ -16201,7 +16159,7 @@
         <p:spPr>
           <a:xfrm>
             <a:off x="6553080" y="6356520"/>
-            <a:ext cx="2132280" cy="363600"/>
+            <a:ext cx="2131920" cy="363240"/>
           </a:xfrm>
           <a:prstGeom prst="rect">
             <a:avLst/>
@@ -16225,7 +16183,7 @@
                 <a:spcPct val="100000"/>
               </a:lnSpc>
             </a:pPr>
-            <a:fld id="{A96B6846-6F48-4AA2-8A90-325668B8AD25}" type="slidenum">
+            <a:fld id="{575737AE-8E29-496E-B25C-10D6C864AA9B}" type="slidenum">
               <a:rPr b="0" lang="en-US" sz="900" spc="-1" strike="noStrike">
                 <a:solidFill>
                   <a:srgbClr val="898c9d"/>
@@ -16238,7 +16196,7 @@
                 <a:latin typeface="Arial"/>
                 <a:ea typeface="DejaVu Sans"/>
               </a:rPr>
-              <a:t>1</a:t>
+              <a:t>&lt;number&gt;</a:t>
             </a:fld>
             <a:endParaRPr b="0" lang="en-US" sz="1800" spc="-1" strike="noStrike">
               <a:solidFill>
@@ -16263,7 +16221,7 @@
         <p:spPr>
           <a:xfrm>
             <a:off x="0" y="1673640"/>
-            <a:ext cx="2073960" cy="2859840"/>
+            <a:ext cx="2073600" cy="2859480"/>
           </a:xfrm>
           <a:prstGeom prst="rect">
             <a:avLst/>
@@ -16578,7 +16536,7 @@
         <p:spPr>
           <a:xfrm>
             <a:off x="3079440" y="536040"/>
-            <a:ext cx="2983680" cy="576720"/>
+            <a:ext cx="2983320" cy="576360"/>
           </a:xfrm>
           <a:prstGeom prst="rect">
             <a:avLst/>
@@ -16640,7 +16598,7 @@
         <p:spPr>
           <a:xfrm>
             <a:off x="2319120" y="1645200"/>
-            <a:ext cx="6266880" cy="1428840"/>
+            <a:ext cx="6266520" cy="1428480"/>
           </a:xfrm>
           <a:prstGeom prst="rect">
             <a:avLst/>
@@ -16692,7 +16650,7 @@
             </a:endParaRPr>
           </a:p>
           <a:p>
-            <a:pPr marL="257040" indent="-255600">
+            <a:pPr marL="257040" indent="-255240">
               <a:lnSpc>
                 <a:spcPct val="150000"/>
               </a:lnSpc>
@@ -16731,7 +16689,7 @@
             </a:endParaRPr>
           </a:p>
           <a:p>
-            <a:pPr marL="257040" indent="-255600">
+            <a:pPr marL="257040" indent="-255240">
               <a:lnSpc>
                 <a:spcPct val="150000"/>
               </a:lnSpc>
@@ -16770,7 +16728,7 @@
             </a:endParaRPr>
           </a:p>
           <a:p>
-            <a:pPr marL="257040" indent="-255600">
+            <a:pPr marL="257040" indent="-255240">
               <a:lnSpc>
                 <a:spcPct val="150000"/>
               </a:lnSpc>
@@ -16837,7 +16795,7 @@
         <p:spPr>
           <a:xfrm>
             <a:off x="2082240" y="1086840"/>
-            <a:ext cx="44280" cy="5789880"/>
+            <a:ext cx="43920" cy="5789520"/>
           </a:xfrm>
           <a:prstGeom prst="rect">
             <a:avLst/>
@@ -16870,7 +16828,7 @@
         <p:spPr>
           <a:xfrm>
             <a:off x="0" y="2017080"/>
-            <a:ext cx="2080800" cy="44280"/>
+            <a:ext cx="2080440" cy="43920"/>
           </a:xfrm>
           <a:prstGeom prst="rect">
             <a:avLst/>
@@ -16903,7 +16861,7 @@
         <p:spPr>
           <a:xfrm>
             <a:off x="6553080" y="6356520"/>
-            <a:ext cx="2132280" cy="363600"/>
+            <a:ext cx="2131920" cy="363240"/>
           </a:xfrm>
           <a:prstGeom prst="rect">
             <a:avLst/>
@@ -16927,7 +16885,7 @@
                 <a:spcPct val="100000"/>
               </a:lnSpc>
             </a:pPr>
-            <a:fld id="{F795F9CC-438A-4EFF-A3DF-5FB6608F3489}" type="slidenum">
+            <a:fld id="{90ADA75E-2BD9-4A88-B9CD-BD1B134A1D12}" type="slidenum">
               <a:rPr b="0" lang="en-US" sz="900" spc="-1" strike="noStrike">
                 <a:solidFill>
                   <a:srgbClr val="898c9d"/>
@@ -16940,7 +16898,7 @@
                 <a:latin typeface="Arial"/>
                 <a:ea typeface="DejaVu Sans"/>
               </a:rPr>
-              <a:t>1</a:t>
+              <a:t>&lt;number&gt;</a:t>
             </a:fld>
             <a:endParaRPr b="0" lang="en-US" sz="1800" spc="-1" strike="noStrike">
               <a:solidFill>
@@ -16965,7 +16923,7 @@
         <p:spPr>
           <a:xfrm>
             <a:off x="0" y="1673640"/>
-            <a:ext cx="2073960" cy="2859840"/>
+            <a:ext cx="2073600" cy="2859480"/>
           </a:xfrm>
           <a:prstGeom prst="rect">
             <a:avLst/>
@@ -17231,7 +17189,7 @@
         <p:spPr>
           <a:xfrm>
             <a:off x="3749040" y="5852160"/>
-            <a:ext cx="4822200" cy="345960"/>
+            <a:ext cx="4821840" cy="345600"/>
           </a:xfrm>
           <a:prstGeom prst="rect">
             <a:avLst/>
@@ -17337,7 +17295,7 @@
         <p:spPr>
           <a:xfrm>
             <a:off x="3079440" y="536040"/>
-            <a:ext cx="2983680" cy="576720"/>
+            <a:ext cx="2983320" cy="576360"/>
           </a:xfrm>
           <a:prstGeom prst="rect">
             <a:avLst/>
@@ -17399,7 +17357,7 @@
         <p:spPr>
           <a:xfrm>
             <a:off x="2327400" y="2378520"/>
-            <a:ext cx="6266880" cy="2832480"/>
+            <a:ext cx="6266520" cy="2832120"/>
           </a:xfrm>
           <a:prstGeom prst="rect">
             <a:avLst/>
@@ -17461,7 +17419,7 @@
         <p:spPr>
           <a:xfrm>
             <a:off x="2082240" y="1086840"/>
-            <a:ext cx="44280" cy="5789880"/>
+            <a:ext cx="43920" cy="5789520"/>
           </a:xfrm>
           <a:prstGeom prst="rect">
             <a:avLst/>
@@ -17494,7 +17452,7 @@
         <p:spPr>
           <a:xfrm>
             <a:off x="23040" y="2661480"/>
-            <a:ext cx="2080800" cy="44280"/>
+            <a:ext cx="2080440" cy="43920"/>
           </a:xfrm>
           <a:prstGeom prst="rect">
             <a:avLst/>
@@ -17527,7 +17485,7 @@
         <p:spPr>
           <a:xfrm>
             <a:off x="6553080" y="6356520"/>
-            <a:ext cx="2132280" cy="363600"/>
+            <a:ext cx="2131920" cy="363240"/>
           </a:xfrm>
           <a:prstGeom prst="rect">
             <a:avLst/>
@@ -17551,7 +17509,7 @@
                 <a:spcPct val="100000"/>
               </a:lnSpc>
             </a:pPr>
-            <a:fld id="{42693EE1-28B6-4CCF-9EDF-42F89B5A6E3A}" type="slidenum">
+            <a:fld id="{33DCD882-999A-4F82-A49D-D7886DB05CB3}" type="slidenum">
               <a:rPr b="0" lang="en-US" sz="900" spc="-1" strike="noStrike">
                 <a:solidFill>
                   <a:srgbClr val="898c9d"/>
@@ -17564,7 +17522,7 @@
                 <a:latin typeface="Arial"/>
                 <a:ea typeface="DejaVu Sans"/>
               </a:rPr>
-              <a:t>1</a:t>
+              <a:t>&lt;number&gt;</a:t>
             </a:fld>
             <a:endParaRPr b="0" lang="en-US" sz="1800" spc="-1" strike="noStrike">
               <a:solidFill>
@@ -17589,7 +17547,7 @@
         <p:spPr>
           <a:xfrm>
             <a:off x="0" y="1673640"/>
-            <a:ext cx="2073960" cy="2859840"/>
+            <a:ext cx="2073600" cy="2859480"/>
           </a:xfrm>
           <a:prstGeom prst="rect">
             <a:avLst/>
@@ -17904,7 +17862,7 @@
         <p:spPr>
           <a:xfrm>
             <a:off x="2319120" y="501840"/>
-            <a:ext cx="4479120" cy="576720"/>
+            <a:ext cx="4478760" cy="576360"/>
           </a:xfrm>
           <a:prstGeom prst="rect">
             <a:avLst/>
@@ -17966,7 +17924,7 @@
         <p:spPr>
           <a:xfrm>
             <a:off x="2082240" y="1086840"/>
-            <a:ext cx="44280" cy="5789880"/>
+            <a:ext cx="43920" cy="5789520"/>
           </a:xfrm>
           <a:prstGeom prst="rect">
             <a:avLst/>
@@ -17999,7 +17957,7 @@
         <p:spPr>
           <a:xfrm>
             <a:off x="6553080" y="6356520"/>
-            <a:ext cx="2132280" cy="363600"/>
+            <a:ext cx="2131920" cy="363240"/>
           </a:xfrm>
           <a:prstGeom prst="rect">
             <a:avLst/>
@@ -18023,7 +17981,7 @@
                 <a:spcPct val="100000"/>
               </a:lnSpc>
             </a:pPr>
-            <a:fld id="{3E680C15-31D4-4A5A-9D00-DD50B05261C8}" type="slidenum">
+            <a:fld id="{FEBF6102-484C-4442-8B3A-B84172A4A942}" type="slidenum">
               <a:rPr b="0" lang="en-US" sz="900" spc="-1" strike="noStrike">
                 <a:solidFill>
                   <a:srgbClr val="898c9d"/>
@@ -18036,7 +17994,7 @@
                 <a:latin typeface="Arial"/>
                 <a:ea typeface="DejaVu Sans"/>
               </a:rPr>
-              <a:t>1</a:t>
+              <a:t>&lt;number&gt;</a:t>
             </a:fld>
             <a:endParaRPr b="0" lang="en-US" sz="1800" spc="-1" strike="noStrike">
               <a:solidFill>
@@ -18061,7 +18019,7 @@
         <p:spPr>
           <a:xfrm>
             <a:off x="0" y="1673640"/>
-            <a:ext cx="2073960" cy="2859840"/>
+            <a:ext cx="2073600" cy="2859480"/>
           </a:xfrm>
           <a:prstGeom prst="rect">
             <a:avLst/>
@@ -18327,7 +18285,7 @@
         <p:spPr>
           <a:xfrm>
             <a:off x="2319120" y="1645200"/>
-            <a:ext cx="6266880" cy="927000"/>
+            <a:ext cx="6266520" cy="926640"/>
           </a:xfrm>
           <a:prstGeom prst="rect">
             <a:avLst/>
@@ -18346,7 +18304,7 @@
         <p:txBody>
           <a:bodyPr lIns="90000" rIns="90000" tIns="45000" bIns="45000"/>
           <a:p>
-            <a:pPr marL="216000" indent="-215280" algn="just">
+            <a:pPr marL="216000" indent="-214920" algn="just">
               <a:lnSpc>
                 <a:spcPct val="100000"/>
               </a:lnSpc>
@@ -18384,7 +18342,7 @@
             </a:endParaRPr>
           </a:p>
           <a:p>
-            <a:pPr marL="216000" indent="-215280" algn="just">
+            <a:pPr marL="216000" indent="-214920" algn="just">
               <a:lnSpc>
                 <a:spcPct val="100000"/>
               </a:lnSpc>
@@ -18422,7 +18380,7 @@
             </a:endParaRPr>
           </a:p>
           <a:p>
-            <a:pPr marL="216000" indent="-215280" algn="just">
+            <a:pPr marL="216000" indent="-214920" algn="just">
               <a:lnSpc>
                 <a:spcPct val="100000"/>
               </a:lnSpc>
@@ -18460,7 +18418,7 @@
             </a:endParaRPr>
           </a:p>
           <a:p>
-            <a:pPr marL="219600" indent="-218880" algn="just">
+            <a:pPr marL="219600" indent="-218520" algn="just">
               <a:lnSpc>
                 <a:spcPct val="100000"/>
               </a:lnSpc>
@@ -18498,7 +18456,7 @@
             </a:endParaRPr>
           </a:p>
           <a:p>
-            <a:pPr marL="219600" indent="-218880" algn="just">
+            <a:pPr marL="219600" indent="-218520" algn="just">
               <a:lnSpc>
                 <a:spcPct val="100000"/>
               </a:lnSpc>
@@ -18564,7 +18522,7 @@
         <p:spPr>
           <a:xfrm>
             <a:off x="-6840" y="3474720"/>
-            <a:ext cx="2080800" cy="44280"/>
+            <a:ext cx="2080440" cy="43920"/>
           </a:xfrm>
           <a:prstGeom prst="rect">
             <a:avLst/>
@@ -18646,7 +18604,7 @@
         <p:spPr>
           <a:xfrm>
             <a:off x="2319120" y="501840"/>
-            <a:ext cx="4479120" cy="576720"/>
+            <a:ext cx="4478760" cy="576360"/>
           </a:xfrm>
           <a:prstGeom prst="rect">
             <a:avLst/>
@@ -18708,7 +18666,7 @@
         <p:spPr>
           <a:xfrm>
             <a:off x="2082240" y="1086840"/>
-            <a:ext cx="44280" cy="5789880"/>
+            <a:ext cx="43920" cy="5789520"/>
           </a:xfrm>
           <a:prstGeom prst="rect">
             <a:avLst/>
@@ -18741,7 +18699,7 @@
         <p:spPr>
           <a:xfrm>
             <a:off x="6553080" y="6356520"/>
-            <a:ext cx="2132280" cy="363600"/>
+            <a:ext cx="2131920" cy="363240"/>
           </a:xfrm>
           <a:prstGeom prst="rect">
             <a:avLst/>
@@ -18765,7 +18723,7 @@
                 <a:spcPct val="100000"/>
               </a:lnSpc>
             </a:pPr>
-            <a:fld id="{9CB58743-AAA4-4CD9-9986-EB93D708623E}" type="slidenum">
+            <a:fld id="{E26BF003-34F9-4BF2-8323-8E98DF75BB76}" type="slidenum">
               <a:rPr b="0" lang="en-US" sz="900" spc="-1" strike="noStrike">
                 <a:solidFill>
                   <a:srgbClr val="898c9d"/>
@@ -18778,7 +18736,7 @@
                 <a:latin typeface="Arial"/>
                 <a:ea typeface="DejaVu Sans"/>
               </a:rPr>
-              <a:t>1</a:t>
+              <a:t>&lt;number&gt;</a:t>
             </a:fld>
             <a:endParaRPr b="0" lang="en-US" sz="1800" spc="-1" strike="noStrike">
               <a:solidFill>
@@ -18803,7 +18761,7 @@
         <p:spPr>
           <a:xfrm>
             <a:off x="0" y="1673640"/>
-            <a:ext cx="2073960" cy="2859840"/>
+            <a:ext cx="2073600" cy="2859480"/>
           </a:xfrm>
           <a:prstGeom prst="rect">
             <a:avLst/>
@@ -19069,7 +19027,7 @@
         <p:spPr>
           <a:xfrm>
             <a:off x="2319120" y="1541160"/>
-            <a:ext cx="6266880" cy="927000"/>
+            <a:ext cx="6266520" cy="926640"/>
           </a:xfrm>
           <a:prstGeom prst="rect">
             <a:avLst/>
@@ -19263,7 +19221,7 @@
         <p:spPr>
           <a:xfrm>
             <a:off x="-6840" y="3474720"/>
-            <a:ext cx="2080800" cy="44280"/>
+            <a:ext cx="2080440" cy="43920"/>
           </a:xfrm>
           <a:prstGeom prst="rect">
             <a:avLst/>
@@ -19345,7 +19303,7 @@
         <p:spPr>
           <a:xfrm>
             <a:off x="2319120" y="501840"/>
-            <a:ext cx="4479120" cy="576720"/>
+            <a:ext cx="4478760" cy="576360"/>
           </a:xfrm>
           <a:prstGeom prst="rect">
             <a:avLst/>
@@ -19407,7 +19365,7 @@
         <p:spPr>
           <a:xfrm>
             <a:off x="2082240" y="1086840"/>
-            <a:ext cx="44280" cy="5789880"/>
+            <a:ext cx="43920" cy="5789520"/>
           </a:xfrm>
           <a:prstGeom prst="rect">
             <a:avLst/>
@@ -19440,7 +19398,7 @@
         <p:spPr>
           <a:xfrm>
             <a:off x="6553080" y="6356520"/>
-            <a:ext cx="2132280" cy="363600"/>
+            <a:ext cx="2131920" cy="363240"/>
           </a:xfrm>
           <a:prstGeom prst="rect">
             <a:avLst/>
@@ -19464,7 +19422,7 @@
                 <a:spcPct val="100000"/>
               </a:lnSpc>
             </a:pPr>
-            <a:fld id="{9349FB34-C176-49E7-966D-AC096ABA42D6}" type="slidenum">
+            <a:fld id="{1BEA680A-FCE2-4595-B089-696DDFEA84B3}" type="slidenum">
               <a:rPr b="0" lang="en-US" sz="900" spc="-1" strike="noStrike">
                 <a:solidFill>
                   <a:srgbClr val="898c9d"/>
@@ -19477,7 +19435,7 @@
                 <a:latin typeface="Arial"/>
                 <a:ea typeface="DejaVu Sans"/>
               </a:rPr>
-              <a:t>1</a:t>
+              <a:t>&lt;number&gt;</a:t>
             </a:fld>
             <a:endParaRPr b="0" lang="en-US" sz="1800" spc="-1" strike="noStrike">
               <a:solidFill>
@@ -19502,7 +19460,7 @@
         <p:spPr>
           <a:xfrm>
             <a:off x="0" y="1673640"/>
-            <a:ext cx="2073960" cy="2859840"/>
+            <a:ext cx="2073600" cy="2859480"/>
           </a:xfrm>
           <a:prstGeom prst="rect">
             <a:avLst/>
@@ -19768,7 +19726,7 @@
         <p:spPr>
           <a:xfrm>
             <a:off x="2319120" y="1541160"/>
-            <a:ext cx="6266880" cy="927000"/>
+            <a:ext cx="6266520" cy="926640"/>
           </a:xfrm>
           <a:prstGeom prst="rect">
             <a:avLst/>
@@ -19866,7 +19824,7 @@
         <p:spPr>
           <a:xfrm>
             <a:off x="-6840" y="3474720"/>
-            <a:ext cx="2080800" cy="44280"/>
+            <a:ext cx="2080440" cy="43920"/>
           </a:xfrm>
           <a:prstGeom prst="rect">
             <a:avLst/>
@@ -19903,7 +19861,7 @@
         <p:spPr>
           <a:xfrm>
             <a:off x="4663440" y="2834640"/>
-            <a:ext cx="2194200" cy="2194200"/>
+            <a:ext cx="2193840" cy="2193840"/>
           </a:xfrm>
           <a:prstGeom prst="rect">
             <a:avLst/>
